--- a/gitTest/doc/스토리보드.pptx
+++ b/gitTest/doc/스토리보드.pptx
@@ -5,7 +5,7 @@
     <p:sldMasterId id="2147483720" r:id="rId1"/>
   </p:sldMasterIdLst>
   <p:notesMasterIdLst>
-    <p:notesMasterId r:id="rId16"/>
+    <p:notesMasterId r:id="rId15"/>
   </p:notesMasterIdLst>
   <p:sldIdLst>
     <p:sldId id="737" r:id="rId2"/>
@@ -21,7 +21,6 @@
     <p:sldId id="748" r:id="rId12"/>
     <p:sldId id="749" r:id="rId13"/>
     <p:sldId id="750" r:id="rId14"/>
-    <p:sldId id="739" r:id="rId15"/>
   </p:sldIdLst>
   <p:sldSz cx="9144000" cy="6858000" type="screen4x3"/>
   <p:notesSz cx="6858000" cy="9144000"/>
@@ -221,7 +220,7 @@
           <a:p>
             <a:fld id="{474E43AB-D65E-4692-9979-1CB25FBEE8F0}" type="datetimeFigureOut">
               <a:rPr lang="ko-KR" altLang="en-US" smtClean="0"/>
-              <a:t>2021-04-29</a:t>
+              <a:t>2021-05-04</a:t>
             </a:fld>
             <a:endParaRPr lang="ko-KR" altLang="en-US"/>
           </a:p>
@@ -631,7 +630,7 @@
           <a:p>
             <a:fld id="{C4B1E9EF-E936-4E4D-835D-44E73345338A}" type="datetimeFigureOut">
               <a:rPr lang="ko-KR" altLang="en-US" smtClean="0"/>
-              <a:t>2021-04-29</a:t>
+              <a:t>2021-05-04</a:t>
             </a:fld>
             <a:endParaRPr lang="ko-KR" altLang="en-US"/>
           </a:p>
@@ -990,7 +989,7 @@
           <a:p>
             <a:fld id="{C4B1E9EF-E936-4E4D-835D-44E73345338A}" type="datetimeFigureOut">
               <a:rPr lang="ko-KR" altLang="en-US" smtClean="0"/>
-              <a:t>2021-04-29</a:t>
+              <a:t>2021-05-04</a:t>
             </a:fld>
             <a:endParaRPr lang="ko-KR" altLang="en-US"/>
           </a:p>
@@ -1165,7 +1164,7 @@
           <a:p>
             <a:fld id="{C4B1E9EF-E936-4E4D-835D-44E73345338A}" type="datetimeFigureOut">
               <a:rPr lang="ko-KR" altLang="en-US" smtClean="0"/>
-              <a:t>2021-04-29</a:t>
+              <a:t>2021-05-04</a:t>
             </a:fld>
             <a:endParaRPr lang="ko-KR" altLang="en-US"/>
           </a:p>
@@ -1400,7 +1399,7 @@
           <a:p>
             <a:fld id="{C4B1E9EF-E936-4E4D-835D-44E73345338A}" type="datetimeFigureOut">
               <a:rPr lang="ko-KR" altLang="en-US" smtClean="0"/>
-              <a:t>2021-04-29</a:t>
+              <a:t>2021-05-04</a:t>
             </a:fld>
             <a:endParaRPr lang="ko-KR" altLang="en-US"/>
           </a:p>
@@ -1669,7 +1668,7 @@
           <a:p>
             <a:fld id="{C4B1E9EF-E936-4E4D-835D-44E73345338A}" type="datetimeFigureOut">
               <a:rPr lang="ko-KR" altLang="en-US" smtClean="0"/>
-              <a:t>2021-04-29</a:t>
+              <a:t>2021-05-04</a:t>
             </a:fld>
             <a:endParaRPr lang="ko-KR" altLang="en-US"/>
           </a:p>
@@ -1889,7 +1888,7 @@
           <a:p>
             <a:fld id="{C4B1E9EF-E936-4E4D-835D-44E73345338A}" type="datetimeFigureOut">
               <a:rPr lang="ko-KR" altLang="en-US" smtClean="0"/>
-              <a:t>2021-04-29</a:t>
+              <a:t>2021-05-04</a:t>
             </a:fld>
             <a:endParaRPr lang="ko-KR" altLang="en-US"/>
           </a:p>
@@ -2241,7 +2240,7 @@
           <a:p>
             <a:fld id="{C4B1E9EF-E936-4E4D-835D-44E73345338A}" type="datetimeFigureOut">
               <a:rPr lang="ko-KR" altLang="en-US" smtClean="0"/>
-              <a:t>2021-04-29</a:t>
+              <a:t>2021-05-04</a:t>
             </a:fld>
             <a:endParaRPr lang="ko-KR" altLang="en-US"/>
           </a:p>
@@ -2473,7 +2472,7 @@
           <a:p>
             <a:fld id="{C4B1E9EF-E936-4E4D-835D-44E73345338A}" type="datetimeFigureOut">
               <a:rPr lang="ko-KR" altLang="en-US" smtClean="0"/>
-              <a:t>2021-04-29</a:t>
+              <a:t>2021-05-04</a:t>
             </a:fld>
             <a:endParaRPr lang="ko-KR" altLang="en-US"/>
           </a:p>
@@ -2613,7 +2612,7 @@
           <a:p>
             <a:fld id="{C4B1E9EF-E936-4E4D-835D-44E73345338A}" type="datetimeFigureOut">
               <a:rPr lang="ko-KR" altLang="en-US" smtClean="0"/>
-              <a:t>2021-04-29</a:t>
+              <a:t>2021-05-04</a:t>
             </a:fld>
             <a:endParaRPr lang="ko-KR" altLang="en-US"/>
           </a:p>
@@ -2890,7 +2889,7 @@
           <a:p>
             <a:fld id="{C4B1E9EF-E936-4E4D-835D-44E73345338A}" type="datetimeFigureOut">
               <a:rPr lang="ko-KR" altLang="en-US" smtClean="0"/>
-              <a:t>2021-04-29</a:t>
+              <a:t>2021-05-04</a:t>
             </a:fld>
             <a:endParaRPr lang="ko-KR" altLang="en-US"/>
           </a:p>
@@ -3297,7 +3296,7 @@
           <a:p>
             <a:fld id="{C4B1E9EF-E936-4E4D-835D-44E73345338A}" type="datetimeFigureOut">
               <a:rPr lang="ko-KR" altLang="en-US" smtClean="0"/>
-              <a:t>2021-04-29</a:t>
+              <a:t>2021-05-04</a:t>
             </a:fld>
             <a:endParaRPr lang="ko-KR" altLang="en-US"/>
           </a:p>
@@ -3635,7 +3634,7 @@
           <a:p>
             <a:fld id="{C4B1E9EF-E936-4E4D-835D-44E73345338A}" type="datetimeFigureOut">
               <a:rPr lang="ko-KR" altLang="en-US" smtClean="0"/>
-              <a:t>2021-04-29</a:t>
+              <a:t>2021-05-04</a:t>
             </a:fld>
             <a:endParaRPr lang="ko-KR" altLang="en-US"/>
           </a:p>
@@ -4174,7 +4173,7 @@
         </p:nvSpPr>
         <p:spPr>
           <a:xfrm>
-            <a:off x="827584" y="2780928"/>
+            <a:off x="827584" y="1844824"/>
             <a:ext cx="7494359" cy="1200329"/>
           </a:xfrm>
           <a:prstGeom prst="rect">
@@ -4189,25 +4188,59 @@
           <a:lstStyle/>
           <a:p>
             <a:r>
-              <a:rPr lang="ko-KR" altLang="en-US" sz="3600" dirty="0" err="1"/>
+              <a:rPr lang="ko-KR" altLang="en-US" sz="3600" dirty="0" err="1" smtClean="0"/>
               <a:t>감정별</a:t>
             </a:r>
             <a:r>
-              <a:rPr lang="ko-KR" altLang="en-US" sz="3600" dirty="0"/>
+              <a:rPr lang="ko-KR" altLang="en-US" sz="3600" dirty="0" smtClean="0"/>
               <a:t> 영화 추천</a:t>
             </a:r>
             <a:r>
-              <a:rPr lang="en-US" altLang="ko-KR" sz="3600" dirty="0"/>
+              <a:rPr lang="en-US" altLang="ko-KR" sz="3600" dirty="0" smtClean="0"/>
               <a:t>/</a:t>
             </a:r>
             <a:br>
-              <a:rPr lang="en-US" altLang="ko-KR" sz="3600" dirty="0"/>
+              <a:rPr lang="en-US" altLang="ko-KR" sz="3600" dirty="0" smtClean="0"/>
             </a:br>
             <a:r>
-              <a:rPr lang="ko-KR" altLang="en-US" sz="3600" dirty="0"/>
+              <a:rPr lang="ko-KR" altLang="en-US" sz="3600" dirty="0" smtClean="0"/>
               <a:t>서비스중인 플랫폼 알려주는 페이지</a:t>
             </a:r>
             <a:endParaRPr lang="en-US" altLang="ko-KR" sz="3600" dirty="0"/>
+          </a:p>
+        </p:txBody>
+      </p:sp>
+      <p:sp>
+        <p:nvSpPr>
+          <p:cNvPr id="3" name="TextBox 2"/>
+          <p:cNvSpPr txBox="1"/>
+          <p:nvPr/>
+        </p:nvSpPr>
+        <p:spPr>
+          <a:xfrm>
+            <a:off x="7580479" y="5661248"/>
+            <a:ext cx="723275" cy="523220"/>
+          </a:xfrm>
+          <a:prstGeom prst="rect">
+            <a:avLst/>
+          </a:prstGeom>
+          <a:noFill/>
+        </p:spPr>
+        <p:txBody>
+          <a:bodyPr wrap="none" rtlCol="0">
+            <a:spAutoFit/>
+          </a:bodyPr>
+          <a:lstStyle/>
+          <a:p>
+            <a:r>
+              <a:rPr lang="en-US" altLang="ko-KR" sz="2800" dirty="0" smtClean="0"/>
+              <a:t>3</a:t>
+            </a:r>
+            <a:r>
+              <a:rPr lang="ko-KR" altLang="en-US" sz="2800" dirty="0" smtClean="0"/>
+              <a:t>조</a:t>
+            </a:r>
+            <a:endParaRPr lang="en-US" altLang="ko-KR" sz="2800" dirty="0"/>
           </a:p>
         </p:txBody>
       </p:sp>
@@ -4248,7 +4281,11 @@
             <a:graphicFrameLocks noGrp="1"/>
           </p:cNvGraphicFramePr>
           <p:nvPr>
-            <p:extLst/>
+            <p:extLst>
+              <p:ext uri="{D42A27DB-BD31-4B8C-83A1-F6EECF244321}">
+                <p14:modId xmlns:p14="http://schemas.microsoft.com/office/powerpoint/2010/main" val="179723439"/>
+              </p:ext>
+            </p:extLst>
           </p:nvPr>
         </p:nvGraphicFramePr>
         <p:xfrm>
@@ -4334,25 +4371,18 @@
                     <a:p>
                       <a:pPr algn="l" latinLnBrk="1"/>
                       <a:r>
-                        <a:rPr lang="en-US" altLang="ko-KR" sz="1400" dirty="0">
+                        <a:rPr lang="en-US" altLang="ko-KR" sz="1400" dirty="0" smtClean="0">
                           <a:latin typeface="+mn-ea"/>
                           <a:ea typeface="+mn-ea"/>
                         </a:rPr>
-                        <a:t>1.</a:t>
-                      </a:r>
-                      <a:r>
-                        <a:rPr lang="ko-KR" altLang="en-US" sz="1400" dirty="0">
-                          <a:latin typeface="+mn-ea"/>
-                          <a:ea typeface="+mn-ea"/>
-                        </a:rPr>
-                        <a:t> </a:t>
+                        <a:t>1. </a:t>
                       </a:r>
                       <a:r>
                         <a:rPr lang="ko-KR" altLang="en-US" sz="1400" dirty="0" smtClean="0">
                           <a:latin typeface="+mn-ea"/>
                           <a:ea typeface="+mn-ea"/>
                         </a:rPr>
-                        <a:t>사용자의 감정 선택</a:t>
+                        <a:t>로그인 계정의 찜 목록 보여주기</a:t>
                       </a:r>
                       <a:endParaRPr lang="ko-KR" altLang="en-US" sz="1400" dirty="0">
                         <a:latin typeface="+mn-ea"/>
@@ -4446,7 +4476,11 @@
             <a:graphicFrameLocks noGrp="1"/>
           </p:cNvGraphicFramePr>
           <p:nvPr>
-            <p:extLst/>
+            <p:extLst>
+              <p:ext uri="{D42A27DB-BD31-4B8C-83A1-F6EECF244321}">
+                <p14:modId xmlns:p14="http://schemas.microsoft.com/office/powerpoint/2010/main" val="813031973"/>
+              </p:ext>
+            </p:extLst>
           </p:nvPr>
         </p:nvGraphicFramePr>
         <p:xfrm>
@@ -4512,11 +4546,7 @@
                       <a:pPr algn="ctr" latinLnBrk="1"/>
                       <a:r>
                         <a:rPr lang="ko-KR" altLang="en-US" sz="1400" dirty="0" smtClean="0"/>
-                        <a:t>감정 선택 </a:t>
-                      </a:r>
-                      <a:r>
-                        <a:rPr lang="ko-KR" altLang="en-US" sz="1400" dirty="0" err="1" smtClean="0"/>
-                        <a:t>모달창</a:t>
+                        <a:t>찜 목록</a:t>
                       </a:r>
                       <a:endParaRPr lang="ko-KR" altLang="en-US" sz="1400" dirty="0"/>
                     </a:p>
@@ -4574,8 +4604,28 @@
                     <a:bodyPr/>
                     <a:lstStyle/>
                     <a:p>
-                      <a:pPr algn="ctr" latinLnBrk="1"/>
-                      <a:endParaRPr lang="ko-KR" altLang="en-US" sz="1400" dirty="0"/>
+                      <a:pPr marL="0" marR="0" indent="0" algn="ctr" defTabSz="914400" rtl="0" eaLnBrk="1" fontAlgn="auto" latinLnBrk="1" hangingPunct="1">
+                        <a:lnSpc>
+                          <a:spcPct val="100000"/>
+                        </a:lnSpc>
+                        <a:spcBef>
+                          <a:spcPts val="0"/>
+                        </a:spcBef>
+                        <a:spcAft>
+                          <a:spcPts val="0"/>
+                        </a:spcAft>
+                        <a:buClrTx/>
+                        <a:buSzTx/>
+                        <a:buFontTx/>
+                        <a:buNone/>
+                        <a:tabLst/>
+                        <a:defRPr/>
+                      </a:pPr>
+                      <a:r>
+                        <a:rPr lang="en-US" altLang="ko-KR" sz="1400" dirty="0" smtClean="0"/>
+                        <a:t>2021/05/04</a:t>
+                      </a:r>
+                      <a:endParaRPr lang="ko-KR" altLang="en-US" sz="1400" dirty="0" smtClean="0"/>
                     </a:p>
                   </a:txBody>
                   <a:tcPr/>
@@ -4675,6 +4725,88 @@
           </a:graphicData>
         </a:graphic>
       </p:graphicFrame>
+      <p:pic>
+        <p:nvPicPr>
+          <p:cNvPr id="2" name="그림 1"/>
+          <p:cNvPicPr>
+            <a:picLocks noChangeAspect="1"/>
+          </p:cNvPicPr>
+          <p:nvPr/>
+        </p:nvPicPr>
+        <p:blipFill>
+          <a:blip r:embed="rId2"/>
+          <a:stretch>
+            <a:fillRect/>
+          </a:stretch>
+        </p:blipFill>
+        <p:spPr>
+          <a:xfrm>
+            <a:off x="141554" y="1916832"/>
+            <a:ext cx="6590219" cy="4032448"/>
+          </a:xfrm>
+          <a:prstGeom prst="rect">
+            <a:avLst/>
+          </a:prstGeom>
+        </p:spPr>
+      </p:pic>
+      <p:sp>
+        <p:nvSpPr>
+          <p:cNvPr id="5" name="타원 4"/>
+          <p:cNvSpPr/>
+          <p:nvPr/>
+        </p:nvSpPr>
+        <p:spPr>
+          <a:xfrm>
+            <a:off x="150912" y="1425021"/>
+            <a:ext cx="288032" cy="288032"/>
+          </a:xfrm>
+          <a:prstGeom prst="ellipse">
+            <a:avLst/>
+          </a:prstGeom>
+          <a:noFill/>
+          <a:ln>
+            <a:solidFill>
+              <a:srgbClr val="FF0000"/>
+            </a:solidFill>
+          </a:ln>
+        </p:spPr>
+        <p:style>
+          <a:lnRef idx="2">
+            <a:schemeClr val="accent1">
+              <a:shade val="50000"/>
+            </a:schemeClr>
+          </a:lnRef>
+          <a:fillRef idx="1">
+            <a:schemeClr val="accent1"/>
+          </a:fillRef>
+          <a:effectRef idx="0">
+            <a:schemeClr val="accent1"/>
+          </a:effectRef>
+          <a:fontRef idx="minor">
+            <a:schemeClr val="lt1"/>
+          </a:fontRef>
+        </p:style>
+        <p:txBody>
+          <a:bodyPr rtlCol="0" anchor="ctr"/>
+          <a:lstStyle/>
+          <a:p>
+            <a:pPr algn="ctr"/>
+            <a:r>
+              <a:rPr lang="en-US" altLang="ko-KR" sz="1200" dirty="0" smtClean="0">
+                <a:solidFill>
+                  <a:srgbClr val="FF0000"/>
+                </a:solidFill>
+              </a:rPr>
+              <a:t>1</a:t>
+            </a:r>
+            <a:endParaRPr lang="ko-KR" altLang="en-US" sz="1200" dirty="0">
+              <a:solidFill>
+                <a:srgbClr val="FF0000"/>
+              </a:solidFill>
+            </a:endParaRPr>
+          </a:p>
+        </p:txBody>
+      </p:sp>
     </p:spTree>
     <p:extLst>
       <p:ext uri="{BB962C8B-B14F-4D97-AF65-F5344CB8AC3E}">
@@ -4712,7 +4844,11 @@
             <a:graphicFrameLocks noGrp="1"/>
           </p:cNvGraphicFramePr>
           <p:nvPr>
-            <p:extLst/>
+            <p:extLst>
+              <p:ext uri="{D42A27DB-BD31-4B8C-83A1-F6EECF244321}">
+                <p14:modId xmlns:p14="http://schemas.microsoft.com/office/powerpoint/2010/main" val="2808608458"/>
+              </p:ext>
+            </p:extLst>
           </p:nvPr>
         </p:nvGraphicFramePr>
         <p:xfrm>
@@ -4798,25 +4934,32 @@
                     <a:p>
                       <a:pPr algn="l" latinLnBrk="1"/>
                       <a:r>
-                        <a:rPr lang="en-US" altLang="ko-KR" sz="1400" dirty="0">
+                        <a:rPr lang="en-US" altLang="ko-KR" sz="1400" dirty="0" smtClean="0">
                           <a:latin typeface="+mn-ea"/>
                           <a:ea typeface="+mn-ea"/>
                         </a:rPr>
-                        <a:t>1.</a:t>
-                      </a:r>
-                      <a:r>
-                        <a:rPr lang="ko-KR" altLang="en-US" sz="1400" dirty="0">
-                          <a:latin typeface="+mn-ea"/>
-                          <a:ea typeface="+mn-ea"/>
-                        </a:rPr>
-                        <a:t> </a:t>
+                        <a:t>1. </a:t>
                       </a:r>
                       <a:r>
                         <a:rPr lang="ko-KR" altLang="en-US" sz="1400" dirty="0" smtClean="0">
                           <a:latin typeface="+mn-ea"/>
                           <a:ea typeface="+mn-ea"/>
                         </a:rPr>
-                        <a:t>사용자의 감정 선택</a:t>
+                        <a:t>로그인 한 계정의 </a:t>
+                      </a:r>
+                      <a:r>
+                        <a:rPr lang="ko-KR" altLang="en-US" sz="1400" dirty="0" err="1" smtClean="0">
+                          <a:latin typeface="+mn-ea"/>
+                          <a:ea typeface="+mn-ea"/>
+                        </a:rPr>
+                        <a:t>한줄평</a:t>
+                      </a:r>
+                      <a:r>
+                        <a:rPr lang="ko-KR" altLang="en-US" sz="1400" dirty="0" smtClean="0">
+                          <a:latin typeface="+mn-ea"/>
+                          <a:ea typeface="+mn-ea"/>
+                        </a:rPr>
+                        <a:t> 모아보기</a:t>
                       </a:r>
                       <a:endParaRPr lang="ko-KR" altLang="en-US" sz="1400" dirty="0">
                         <a:latin typeface="+mn-ea"/>
@@ -4910,7 +5053,11 @@
             <a:graphicFrameLocks noGrp="1"/>
           </p:cNvGraphicFramePr>
           <p:nvPr>
-            <p:extLst/>
+            <p:extLst>
+              <p:ext uri="{D42A27DB-BD31-4B8C-83A1-F6EECF244321}">
+                <p14:modId xmlns:p14="http://schemas.microsoft.com/office/powerpoint/2010/main" val="127078671"/>
+              </p:ext>
+            </p:extLst>
           </p:nvPr>
         </p:nvGraphicFramePr>
         <p:xfrm>
@@ -4976,11 +5123,15 @@
                       <a:pPr algn="ctr" latinLnBrk="1"/>
                       <a:r>
                         <a:rPr lang="ko-KR" altLang="en-US" sz="1400" dirty="0" smtClean="0"/>
-                        <a:t>감정 선택 </a:t>
+                        <a:t>로그인 유저 </a:t>
                       </a:r>
                       <a:r>
                         <a:rPr lang="ko-KR" altLang="en-US" sz="1400" dirty="0" err="1" smtClean="0"/>
-                        <a:t>모달창</a:t>
+                        <a:t>한줄평</a:t>
+                      </a:r>
+                      <a:r>
+                        <a:rPr lang="ko-KR" altLang="en-US" sz="1400" dirty="0" smtClean="0"/>
+                        <a:t> 목록</a:t>
                       </a:r>
                       <a:endParaRPr lang="ko-KR" altLang="en-US" sz="1400" dirty="0"/>
                     </a:p>
@@ -5038,8 +5189,28 @@
                     <a:bodyPr/>
                     <a:lstStyle/>
                     <a:p>
-                      <a:pPr algn="ctr" latinLnBrk="1"/>
-                      <a:endParaRPr lang="ko-KR" altLang="en-US" sz="1400" dirty="0"/>
+                      <a:pPr marL="0" marR="0" indent="0" algn="ctr" defTabSz="914400" rtl="0" eaLnBrk="1" fontAlgn="auto" latinLnBrk="1" hangingPunct="1">
+                        <a:lnSpc>
+                          <a:spcPct val="100000"/>
+                        </a:lnSpc>
+                        <a:spcBef>
+                          <a:spcPts val="0"/>
+                        </a:spcBef>
+                        <a:spcAft>
+                          <a:spcPts val="0"/>
+                        </a:spcAft>
+                        <a:buClrTx/>
+                        <a:buSzTx/>
+                        <a:buFontTx/>
+                        <a:buNone/>
+                        <a:tabLst/>
+                        <a:defRPr/>
+                      </a:pPr>
+                      <a:r>
+                        <a:rPr lang="en-US" altLang="ko-KR" sz="1400" dirty="0" smtClean="0"/>
+                        <a:t>2021/05/04</a:t>
+                      </a:r>
+                      <a:endParaRPr lang="ko-KR" altLang="en-US" sz="1400" dirty="0" smtClean="0"/>
                     </a:p>
                   </a:txBody>
                   <a:tcPr/>
@@ -5139,6 +5310,88 @@
           </a:graphicData>
         </a:graphic>
       </p:graphicFrame>
+      <p:pic>
+        <p:nvPicPr>
+          <p:cNvPr id="2" name="그림 1"/>
+          <p:cNvPicPr>
+            <a:picLocks noChangeAspect="1"/>
+          </p:cNvPicPr>
+          <p:nvPr/>
+        </p:nvPicPr>
+        <p:blipFill>
+          <a:blip r:embed="rId2"/>
+          <a:stretch>
+            <a:fillRect/>
+          </a:stretch>
+        </p:blipFill>
+        <p:spPr>
+          <a:xfrm>
+            <a:off x="179512" y="1844824"/>
+            <a:ext cx="6552728" cy="3865697"/>
+          </a:xfrm>
+          <a:prstGeom prst="rect">
+            <a:avLst/>
+          </a:prstGeom>
+        </p:spPr>
+      </p:pic>
+      <p:sp>
+        <p:nvSpPr>
+          <p:cNvPr id="5" name="타원 4"/>
+          <p:cNvSpPr/>
+          <p:nvPr/>
+        </p:nvSpPr>
+        <p:spPr>
+          <a:xfrm>
+            <a:off x="179512" y="1437770"/>
+            <a:ext cx="288032" cy="288032"/>
+          </a:xfrm>
+          <a:prstGeom prst="ellipse">
+            <a:avLst/>
+          </a:prstGeom>
+          <a:noFill/>
+          <a:ln>
+            <a:solidFill>
+              <a:srgbClr val="FF0000"/>
+            </a:solidFill>
+          </a:ln>
+        </p:spPr>
+        <p:style>
+          <a:lnRef idx="2">
+            <a:schemeClr val="accent1">
+              <a:shade val="50000"/>
+            </a:schemeClr>
+          </a:lnRef>
+          <a:fillRef idx="1">
+            <a:schemeClr val="accent1"/>
+          </a:fillRef>
+          <a:effectRef idx="0">
+            <a:schemeClr val="accent1"/>
+          </a:effectRef>
+          <a:fontRef idx="minor">
+            <a:schemeClr val="lt1"/>
+          </a:fontRef>
+        </p:style>
+        <p:txBody>
+          <a:bodyPr rtlCol="0" anchor="ctr"/>
+          <a:lstStyle/>
+          <a:p>
+            <a:pPr algn="ctr"/>
+            <a:r>
+              <a:rPr lang="en-US" altLang="ko-KR" sz="1200" dirty="0">
+                <a:solidFill>
+                  <a:srgbClr val="FF0000"/>
+                </a:solidFill>
+              </a:rPr>
+              <a:t>1</a:t>
+            </a:r>
+            <a:endParaRPr lang="ko-KR" altLang="en-US" sz="1200" dirty="0">
+              <a:solidFill>
+                <a:srgbClr val="FF0000"/>
+              </a:solidFill>
+            </a:endParaRPr>
+          </a:p>
+        </p:txBody>
+      </p:sp>
     </p:spTree>
     <p:extLst>
       <p:ext uri="{BB962C8B-B14F-4D97-AF65-F5344CB8AC3E}">
@@ -6080,7 +6333,7 @@
 </p:sld>
 </file>
 
-<file path=ppt/slides/slide14.xml><?xml version="1.0" encoding="utf-8"?>
+<file path=ppt/slides/slide2.xml><?xml version="1.0" encoding="utf-8"?>
 <p:sld xmlns:a="http://schemas.openxmlformats.org/drawingml/2006/main" xmlns:r="http://schemas.openxmlformats.org/officeDocument/2006/relationships" xmlns:p="http://schemas.openxmlformats.org/presentationml/2006/main" showMasterSp="0">
   <p:cSld>
     <p:spTree>
@@ -6106,7 +6359,7 @@
           <p:nvPr>
             <p:extLst>
               <p:ext uri="{D42A27DB-BD31-4B8C-83A1-F6EECF244321}">
-                <p14:modId xmlns:p14="http://schemas.microsoft.com/office/powerpoint/2010/main" val="2258000551"/>
+                <p14:modId xmlns:p14="http://schemas.microsoft.com/office/powerpoint/2010/main" val="2150445889"/>
               </p:ext>
             </p:extLst>
           </p:nvPr>
@@ -6192,7 +6445,32 @@
                     <a:bodyPr/>
                     <a:lstStyle/>
                     <a:p>
-                      <a:pPr algn="ctr" latinLnBrk="1"/>
+                      <a:pPr marL="342900" indent="-342900" algn="l" latinLnBrk="1">
+                        <a:buAutoNum type="arabicPeriod"/>
+                      </a:pPr>
+                      <a:r>
+                        <a:rPr lang="ko-KR" altLang="en-US" sz="1400" dirty="0" smtClean="0">
+                          <a:latin typeface="+mn-ea"/>
+                          <a:ea typeface="+mn-ea"/>
+                        </a:rPr>
+                        <a:t>로그인 페이지</a:t>
+                      </a:r>
+                      <a:endParaRPr lang="en-US" altLang="ko-KR" sz="1400" dirty="0" smtClean="0">
+                        <a:latin typeface="+mn-ea"/>
+                        <a:ea typeface="+mn-ea"/>
+                      </a:endParaRPr>
+                    </a:p>
+                    <a:p>
+                      <a:pPr marL="342900" indent="-342900" algn="l" latinLnBrk="1">
+                        <a:buAutoNum type="arabicPeriod"/>
+                      </a:pPr>
+                      <a:r>
+                        <a:rPr lang="ko-KR" altLang="en-US" sz="1400" dirty="0" smtClean="0">
+                          <a:latin typeface="+mn-ea"/>
+                          <a:ea typeface="+mn-ea"/>
+                        </a:rPr>
+                        <a:t>회원가입 페이지로 이동</a:t>
+                      </a:r>
                       <a:endParaRPr lang="ko-KR" altLang="en-US" sz="1400" dirty="0">
                         <a:latin typeface="+mn-ea"/>
                         <a:ea typeface="+mn-ea"/>
@@ -6287,7 +6565,7 @@
           <p:nvPr>
             <p:extLst>
               <p:ext uri="{D42A27DB-BD31-4B8C-83A1-F6EECF244321}">
-                <p14:modId xmlns:p14="http://schemas.microsoft.com/office/powerpoint/2010/main" val="3274947372"/>
+                <p14:modId xmlns:p14="http://schemas.microsoft.com/office/powerpoint/2010/main" val="1923762034"/>
               </p:ext>
             </p:extLst>
           </p:nvPr>
@@ -6354,9 +6632,26 @@
                     <a:p>
                       <a:pPr algn="ctr" latinLnBrk="1"/>
                       <a:r>
-                        <a:rPr lang="ko-KR" altLang="en-US" sz="1400" dirty="0"/>
-                        <a:t>메뉴</a:t>
-                      </a:r>
+                        <a:rPr lang="ko-KR" altLang="en-US" sz="1400" dirty="0" smtClean="0"/>
+                        <a:t>로그인</a:t>
+                      </a:r>
+                      <a:r>
+                        <a:rPr lang="en-US" altLang="ko-KR" sz="1400" dirty="0" smtClean="0"/>
+                        <a:t>(</a:t>
+                      </a:r>
+                      <a:r>
+                        <a:rPr lang="ko-KR" altLang="en-US" sz="1400" dirty="0" smtClean="0"/>
+                        <a:t>첫 페이지</a:t>
+                      </a:r>
+                      <a:r>
+                        <a:rPr lang="en-US" altLang="ko-KR" sz="1400" dirty="0" smtClean="0"/>
+                        <a:t>)</a:t>
+                      </a:r>
+                      <a:r>
+                        <a:rPr lang="ko-KR" altLang="en-US" sz="1400" dirty="0" smtClean="0"/>
+                        <a:t> </a:t>
+                      </a:r>
+                      <a:endParaRPr lang="ko-KR" altLang="en-US" sz="1400" dirty="0"/>
                     </a:p>
                   </a:txBody>
                   <a:tcPr/>
@@ -6381,10 +6676,7 @@
                     <a:lstStyle/>
                     <a:p>
                       <a:pPr algn="ctr" latinLnBrk="1"/>
-                      <a:r>
-                        <a:rPr lang="ko-KR" altLang="en-US" sz="1400" dirty="0"/>
-                        <a:t>홍길동</a:t>
-                      </a:r>
+                      <a:endParaRPr lang="ko-KR" altLang="en-US" sz="1400" dirty="0"/>
                     </a:p>
                   </a:txBody>
                   <a:tcPr/>
@@ -6417,8 +6709,8 @@
                     <a:p>
                       <a:pPr algn="ctr" latinLnBrk="1"/>
                       <a:r>
-                        <a:rPr lang="en-US" altLang="ko-KR" sz="1400" dirty="0"/>
-                        <a:t>2017. 6. 19</a:t>
+                        <a:rPr lang="en-US" altLang="ko-KR" sz="1400" dirty="0" smtClean="0"/>
+                        <a:t>2021/05/04</a:t>
                       </a:r>
                       <a:endParaRPr lang="ko-KR" altLang="en-US" sz="1400" dirty="0"/>
                     </a:p>
@@ -6432,8 +6724,8 @@
                     <a:p>
                       <a:pPr algn="ctr" latinLnBrk="1"/>
                       <a:r>
-                        <a:rPr lang="en-US" altLang="ko-KR" sz="1400" smtClean="0"/>
-                        <a:t>Request</a:t>
+                        <a:rPr lang="en-US" altLang="ko-KR" sz="1400" dirty="0" smtClean="0"/>
+                        <a:t> Request</a:t>
                       </a:r>
                       <a:endParaRPr lang="ko-KR" altLang="en-US" sz="1400" dirty="0"/>
                     </a:p>
@@ -6479,7 +6771,7 @@
                     <a:lstStyle/>
                     <a:p>
                       <a:pPr algn="ctr" latinLnBrk="1"/>
-                      <a:endParaRPr lang="ko-KR" altLang="en-US" sz="1400"/>
+                      <a:endParaRPr lang="ko-KR" altLang="en-US" sz="1400" dirty="0"/>
                     </a:p>
                   </a:txBody>
                   <a:tcPr/>
@@ -6522,49 +6814,147 @@
       </p:graphicFrame>
       <p:pic>
         <p:nvPicPr>
-          <p:cNvPr id="5122" name="Picture 2" descr="D:\Works\iedu_intranet\intranet_capture\poll\메인.JPG"/>
+          <p:cNvPr id="2" name="그림 1"/>
           <p:cNvPicPr>
-            <a:picLocks noChangeAspect="1" noChangeArrowheads="1"/>
+            <a:picLocks noChangeAspect="1"/>
           </p:cNvPicPr>
           <p:nvPr/>
         </p:nvPicPr>
-        <p:blipFill>
-          <a:blip r:embed="rId2">
-            <a:extLst>
-              <a:ext uri="{28A0092B-C50C-407E-A947-70E740481C1C}">
-                <a14:useLocalDpi xmlns:a14="http://schemas.microsoft.com/office/drawing/2010/main" val="0"/>
-              </a:ext>
-            </a:extLst>
-          </a:blip>
-          <a:srcRect/>
-          <a:stretch>
-            <a:fillRect/>
-          </a:stretch>
+        <p:blipFill rotWithShape="1">
+          <a:blip r:embed="rId2"/>
+          <a:srcRect l="28574" t="7013" r="29185" b="14151"/>
+          <a:stretch/>
         </p:blipFill>
-        <p:spPr bwMode="auto">
+        <p:spPr>
           <a:xfrm>
-            <a:off x="297532" y="1916832"/>
-            <a:ext cx="6362700" cy="4505325"/>
+            <a:off x="1331640" y="1484784"/>
+            <a:ext cx="4104456" cy="4708053"/>
           </a:xfrm>
           <a:prstGeom prst="rect">
             <a:avLst/>
           </a:prstGeom>
-          <a:noFill/>
-          <a:extLst>
-            <a:ext uri="{909E8E84-426E-40DD-AFC4-6F175D3DCCD1}">
-              <a14:hiddenFill xmlns:a14="http://schemas.microsoft.com/office/drawing/2010/main">
-                <a:solidFill>
-                  <a:srgbClr val="FFFFFF"/>
-                </a:solidFill>
-              </a14:hiddenFill>
-            </a:ext>
-          </a:extLst>
         </p:spPr>
       </p:pic>
+      <p:sp>
+        <p:nvSpPr>
+          <p:cNvPr id="4" name="타원 3"/>
+          <p:cNvSpPr/>
+          <p:nvPr/>
+        </p:nvSpPr>
+        <p:spPr>
+          <a:xfrm>
+            <a:off x="323528" y="1484784"/>
+            <a:ext cx="288032" cy="288032"/>
+          </a:xfrm>
+          <a:prstGeom prst="ellipse">
+            <a:avLst/>
+          </a:prstGeom>
+          <a:noFill/>
+          <a:ln>
+            <a:solidFill>
+              <a:srgbClr val="FF0000"/>
+            </a:solidFill>
+          </a:ln>
+        </p:spPr>
+        <p:style>
+          <a:lnRef idx="2">
+            <a:schemeClr val="accent1">
+              <a:shade val="50000"/>
+            </a:schemeClr>
+          </a:lnRef>
+          <a:fillRef idx="1">
+            <a:schemeClr val="accent1"/>
+          </a:fillRef>
+          <a:effectRef idx="0">
+            <a:schemeClr val="accent1"/>
+          </a:effectRef>
+          <a:fontRef idx="minor">
+            <a:schemeClr val="lt1"/>
+          </a:fontRef>
+        </p:style>
+        <p:txBody>
+          <a:bodyPr rtlCol="0" anchor="ctr"/>
+          <a:lstStyle/>
+          <a:p>
+            <a:pPr algn="ctr"/>
+            <a:r>
+              <a:rPr lang="en-US" altLang="ko-KR" sz="1200" dirty="0" smtClean="0">
+                <a:solidFill>
+                  <a:srgbClr val="FF0000"/>
+                </a:solidFill>
+              </a:rPr>
+              <a:t>1</a:t>
+            </a:r>
+            <a:endParaRPr lang="ko-KR" altLang="en-US" sz="1200" dirty="0">
+              <a:solidFill>
+                <a:srgbClr val="FF0000"/>
+              </a:solidFill>
+            </a:endParaRPr>
+          </a:p>
+        </p:txBody>
+      </p:sp>
+      <p:sp>
+        <p:nvSpPr>
+          <p:cNvPr id="7" name="타원 6"/>
+          <p:cNvSpPr/>
+          <p:nvPr/>
+        </p:nvSpPr>
+        <p:spPr>
+          <a:xfrm>
+            <a:off x="1763688" y="5157192"/>
+            <a:ext cx="288032" cy="288032"/>
+          </a:xfrm>
+          <a:prstGeom prst="ellipse">
+            <a:avLst/>
+          </a:prstGeom>
+          <a:noFill/>
+          <a:ln>
+            <a:solidFill>
+              <a:srgbClr val="FF0000"/>
+            </a:solidFill>
+          </a:ln>
+        </p:spPr>
+        <p:style>
+          <a:lnRef idx="2">
+            <a:schemeClr val="accent1">
+              <a:shade val="50000"/>
+            </a:schemeClr>
+          </a:lnRef>
+          <a:fillRef idx="1">
+            <a:schemeClr val="accent1"/>
+          </a:fillRef>
+          <a:effectRef idx="0">
+            <a:schemeClr val="accent1"/>
+          </a:effectRef>
+          <a:fontRef idx="minor">
+            <a:schemeClr val="lt1"/>
+          </a:fontRef>
+        </p:style>
+        <p:txBody>
+          <a:bodyPr rtlCol="0" anchor="ctr"/>
+          <a:lstStyle/>
+          <a:p>
+            <a:pPr algn="ctr"/>
+            <a:r>
+              <a:rPr lang="en-US" altLang="ko-KR" sz="1200" dirty="0">
+                <a:solidFill>
+                  <a:srgbClr val="FF0000"/>
+                </a:solidFill>
+              </a:rPr>
+              <a:t>2</a:t>
+            </a:r>
+            <a:endParaRPr lang="ko-KR" altLang="en-US" sz="1200" dirty="0">
+              <a:solidFill>
+                <a:srgbClr val="FF0000"/>
+              </a:solidFill>
+            </a:endParaRPr>
+          </a:p>
+        </p:txBody>
+      </p:sp>
     </p:spTree>
     <p:extLst>
       <p:ext uri="{BB962C8B-B14F-4D97-AF65-F5344CB8AC3E}">
-        <p14:creationId xmlns:p14="http://schemas.microsoft.com/office/powerpoint/2010/main" val="2327204956"/>
+        <p14:creationId xmlns:p14="http://schemas.microsoft.com/office/powerpoint/2010/main" val="3283031612"/>
       </p:ext>
     </p:extLst>
   </p:cSld>
@@ -6574,8 +6964,8 @@
 </p:sld>
 </file>
 
-<file path=ppt/slides/slide2.xml><?xml version="1.0" encoding="utf-8"?>
-<p:sld xmlns:a="http://schemas.openxmlformats.org/drawingml/2006/main" xmlns:r="http://schemas.openxmlformats.org/officeDocument/2006/relationships" xmlns:p="http://schemas.openxmlformats.org/presentationml/2006/main" showMasterSp="0">
+<file path=ppt/slides/slide3.xml><?xml version="1.0" encoding="utf-8"?>
+<p:sld xmlns:a="http://schemas.openxmlformats.org/drawingml/2006/main" xmlns:r="http://schemas.openxmlformats.org/officeDocument/2006/relationships" xmlns:p="http://schemas.openxmlformats.org/presentationml/2006/main">
   <p:cSld>
     <p:spTree>
       <p:nvGrpSpPr>
@@ -6591,6 +6981,30 @@
           <a:chExt cx="0" cy="0"/>
         </a:xfrm>
       </p:grpSpPr>
+      <p:pic>
+        <p:nvPicPr>
+          <p:cNvPr id="2" name="그림 1"/>
+          <p:cNvPicPr>
+            <a:picLocks noChangeAspect="1"/>
+          </p:cNvPicPr>
+          <p:nvPr/>
+        </p:nvPicPr>
+        <p:blipFill>
+          <a:blip r:embed="rId2"/>
+          <a:stretch>
+            <a:fillRect/>
+          </a:stretch>
+        </p:blipFill>
+        <p:spPr>
+          <a:xfrm>
+            <a:off x="1115616" y="2174167"/>
+            <a:ext cx="4676775" cy="3733800"/>
+          </a:xfrm>
+          <a:prstGeom prst="rect">
+            <a:avLst/>
+          </a:prstGeom>
+        </p:spPr>
+      </p:pic>
       <p:graphicFrame>
         <p:nvGraphicFramePr>
           <p:cNvPr id="29" name="표 28"/>
@@ -6600,7 +7014,7 @@
           <p:nvPr>
             <p:extLst>
               <p:ext uri="{D42A27DB-BD31-4B8C-83A1-F6EECF244321}">
-                <p14:modId xmlns:p14="http://schemas.microsoft.com/office/powerpoint/2010/main" val="2307967807"/>
+                <p14:modId xmlns:p14="http://schemas.microsoft.com/office/powerpoint/2010/main" val="732122988"/>
               </p:ext>
             </p:extLst>
           </p:nvPr>
@@ -6699,8 +7113,19 @@
                           <a:latin typeface="+mn-ea"/>
                           <a:ea typeface="+mn-ea"/>
                         </a:rPr>
-                        <a:t> 페이지 타이틀</a:t>
-                      </a:r>
+                        <a:t> </a:t>
+                      </a:r>
+                      <a:r>
+                        <a:rPr lang="ko-KR" altLang="en-US" sz="1400" dirty="0" smtClean="0">
+                          <a:latin typeface="+mn-ea"/>
+                          <a:ea typeface="+mn-ea"/>
+                        </a:rPr>
+                        <a:t>사용자의 감정 선택</a:t>
+                      </a:r>
+                      <a:endParaRPr lang="ko-KR" altLang="en-US" sz="1400" dirty="0">
+                        <a:latin typeface="+mn-ea"/>
+                        <a:ea typeface="+mn-ea"/>
+                      </a:endParaRPr>
                     </a:p>
                   </a:txBody>
                   <a:tcPr/>
@@ -6791,7 +7216,7 @@
           <p:nvPr>
             <p:extLst>
               <p:ext uri="{D42A27DB-BD31-4B8C-83A1-F6EECF244321}">
-                <p14:modId xmlns:p14="http://schemas.microsoft.com/office/powerpoint/2010/main" val="3515978496"/>
+                <p14:modId xmlns:p14="http://schemas.microsoft.com/office/powerpoint/2010/main" val="3013934896"/>
               </p:ext>
             </p:extLst>
           </p:nvPr>
@@ -6859,23 +7284,11 @@
                       <a:pPr algn="ctr" latinLnBrk="1"/>
                       <a:r>
                         <a:rPr lang="ko-KR" altLang="en-US" sz="1400" dirty="0" smtClean="0"/>
-                        <a:t>로그인</a:t>
-                      </a:r>
-                      <a:r>
-                        <a:rPr lang="en-US" altLang="ko-KR" sz="1400" dirty="0" smtClean="0"/>
-                        <a:t>(</a:t>
-                      </a:r>
-                      <a:r>
-                        <a:rPr lang="ko-KR" altLang="en-US" sz="1400" dirty="0" smtClean="0"/>
-                        <a:t>첫 페이지</a:t>
-                      </a:r>
-                      <a:r>
-                        <a:rPr lang="en-US" altLang="ko-KR" sz="1400" dirty="0" smtClean="0"/>
-                        <a:t>)</a:t>
-                      </a:r>
-                      <a:r>
-                        <a:rPr lang="ko-KR" altLang="en-US" sz="1400" dirty="0" smtClean="0"/>
-                        <a:t> </a:t>
+                        <a:t>감정 선택 </a:t>
+                      </a:r>
+                      <a:r>
+                        <a:rPr lang="ko-KR" altLang="en-US" sz="1400" dirty="0" err="1" smtClean="0"/>
+                        <a:t>모달창</a:t>
                       </a:r>
                       <a:endParaRPr lang="ko-KR" altLang="en-US" sz="1400" dirty="0"/>
                     </a:p>
@@ -6933,8 +7346,28 @@
                     <a:bodyPr/>
                     <a:lstStyle/>
                     <a:p>
-                      <a:pPr algn="ctr" latinLnBrk="1"/>
-                      <a:endParaRPr lang="ko-KR" altLang="en-US" sz="1400" dirty="0"/>
+                      <a:pPr marL="0" marR="0" indent="0" algn="ctr" defTabSz="914400" rtl="0" eaLnBrk="1" fontAlgn="auto" latinLnBrk="1" hangingPunct="1">
+                        <a:lnSpc>
+                          <a:spcPct val="100000"/>
+                        </a:lnSpc>
+                        <a:spcBef>
+                          <a:spcPts val="0"/>
+                        </a:spcBef>
+                        <a:spcAft>
+                          <a:spcPts val="0"/>
+                        </a:spcAft>
+                        <a:buClrTx/>
+                        <a:buSzTx/>
+                        <a:buFontTx/>
+                        <a:buNone/>
+                        <a:tabLst/>
+                        <a:defRPr/>
+                      </a:pPr>
+                      <a:r>
+                        <a:rPr lang="en-US" altLang="ko-KR" sz="1400" dirty="0" smtClean="0"/>
+                        <a:t>2021/05/04</a:t>
+                      </a:r>
+                      <a:endParaRPr lang="ko-KR" altLang="en-US" sz="1400" dirty="0" smtClean="0"/>
                     </a:p>
                   </a:txBody>
                   <a:tcPr/>
@@ -7034,33 +7467,68 @@
           </a:graphicData>
         </a:graphic>
       </p:graphicFrame>
-      <p:pic>
-        <p:nvPicPr>
-          <p:cNvPr id="2" name="그림 1"/>
-          <p:cNvPicPr>
-            <a:picLocks noChangeAspect="1"/>
-          </p:cNvPicPr>
+      <p:sp>
+        <p:nvSpPr>
+          <p:cNvPr id="5" name="타원 4"/>
+          <p:cNvSpPr/>
           <p:nvPr/>
-        </p:nvPicPr>
-        <p:blipFill rotWithShape="1">
-          <a:blip r:embed="rId2"/>
-          <a:srcRect l="28574" t="7013" r="29185" b="14151"/>
-          <a:stretch/>
-        </p:blipFill>
+        </p:nvSpPr>
         <p:spPr>
           <a:xfrm>
-            <a:off x="1331640" y="1484784"/>
-            <a:ext cx="4104456" cy="4708053"/>
+            <a:off x="1475656" y="3068960"/>
+            <a:ext cx="288032" cy="288032"/>
           </a:xfrm>
-          <a:prstGeom prst="rect">
+          <a:prstGeom prst="ellipse">
             <a:avLst/>
           </a:prstGeom>
+          <a:noFill/>
+          <a:ln>
+            <a:solidFill>
+              <a:srgbClr val="FF0000"/>
+            </a:solidFill>
+          </a:ln>
         </p:spPr>
-      </p:pic>
+        <p:style>
+          <a:lnRef idx="2">
+            <a:schemeClr val="accent1">
+              <a:shade val="50000"/>
+            </a:schemeClr>
+          </a:lnRef>
+          <a:fillRef idx="1">
+            <a:schemeClr val="accent1"/>
+          </a:fillRef>
+          <a:effectRef idx="0">
+            <a:schemeClr val="accent1"/>
+          </a:effectRef>
+          <a:fontRef idx="minor">
+            <a:schemeClr val="lt1"/>
+          </a:fontRef>
+        </p:style>
+        <p:txBody>
+          <a:bodyPr rtlCol="0" anchor="ctr"/>
+          <a:lstStyle/>
+          <a:p>
+            <a:pPr algn="ctr"/>
+            <a:r>
+              <a:rPr lang="en-US" altLang="ko-KR" sz="1200" dirty="0" smtClean="0">
+                <a:solidFill>
+                  <a:srgbClr val="FF0000"/>
+                </a:solidFill>
+              </a:rPr>
+              <a:t>1</a:t>
+            </a:r>
+            <a:endParaRPr lang="ko-KR" altLang="en-US" sz="1200" dirty="0">
+              <a:solidFill>
+                <a:srgbClr val="FF0000"/>
+              </a:solidFill>
+            </a:endParaRPr>
+          </a:p>
+        </p:txBody>
+      </p:sp>
     </p:spTree>
     <p:extLst>
       <p:ext uri="{BB962C8B-B14F-4D97-AF65-F5344CB8AC3E}">
-        <p14:creationId xmlns:p14="http://schemas.microsoft.com/office/powerpoint/2010/main" val="3283031612"/>
+        <p14:creationId xmlns:p14="http://schemas.microsoft.com/office/powerpoint/2010/main" val="1508457362"/>
       </p:ext>
     </p:extLst>
   </p:cSld>
@@ -7070,7 +7538,7 @@
 </p:sld>
 </file>
 
-<file path=ppt/slides/slide3.xml><?xml version="1.0" encoding="utf-8"?>
+<file path=ppt/slides/slide4.xml><?xml version="1.0" encoding="utf-8"?>
 <p:sld xmlns:a="http://schemas.openxmlformats.org/drawingml/2006/main" xmlns:r="http://schemas.openxmlformats.org/officeDocument/2006/relationships" xmlns:p="http://schemas.openxmlformats.org/presentationml/2006/main">
   <p:cSld>
     <p:spTree>
@@ -7096,7 +7564,7 @@
           <p:nvPr>
             <p:extLst>
               <p:ext uri="{D42A27DB-BD31-4B8C-83A1-F6EECF244321}">
-                <p14:modId xmlns:p14="http://schemas.microsoft.com/office/powerpoint/2010/main" val="732122988"/>
+                <p14:modId xmlns:p14="http://schemas.microsoft.com/office/powerpoint/2010/main" val="626655543"/>
               </p:ext>
             </p:extLst>
           </p:nvPr>
@@ -7182,27 +7650,61 @@
                     <a:bodyPr/>
                     <a:lstStyle/>
                     <a:p>
-                      <a:pPr algn="l" latinLnBrk="1"/>
-                      <a:r>
-                        <a:rPr lang="en-US" altLang="ko-KR" sz="1400" dirty="0">
-                          <a:latin typeface="+mn-ea"/>
-                          <a:ea typeface="+mn-ea"/>
-                        </a:rPr>
-                        <a:t>1.</a:t>
-                      </a:r>
-                      <a:r>
-                        <a:rPr lang="ko-KR" altLang="en-US" sz="1400" dirty="0">
-                          <a:latin typeface="+mn-ea"/>
-                          <a:ea typeface="+mn-ea"/>
-                        </a:rPr>
-                        <a:t> </a:t>
-                      </a:r>
+                      <a:pPr marL="342900" indent="-342900" algn="l" latinLnBrk="1">
+                        <a:buAutoNum type="arabicPeriod"/>
+                      </a:pPr>
                       <a:r>
                         <a:rPr lang="ko-KR" altLang="en-US" sz="1400" dirty="0" smtClean="0">
                           <a:latin typeface="+mn-ea"/>
                           <a:ea typeface="+mn-ea"/>
                         </a:rPr>
-                        <a:t>사용자의 감정 선택</a:t>
+                        <a:t>영화 제목 </a:t>
+                      </a:r>
+                      <a:r>
+                        <a:rPr lang="ko-KR" altLang="en-US" sz="1400" dirty="0" err="1" smtClean="0">
+                          <a:latin typeface="+mn-ea"/>
+                          <a:ea typeface="+mn-ea"/>
+                        </a:rPr>
+                        <a:t>검색창</a:t>
+                      </a:r>
+                      <a:endParaRPr lang="en-US" altLang="ko-KR" sz="1400" dirty="0" smtClean="0">
+                        <a:latin typeface="+mn-ea"/>
+                        <a:ea typeface="+mn-ea"/>
+                      </a:endParaRPr>
+                    </a:p>
+                    <a:p>
+                      <a:pPr marL="342900" indent="-342900" algn="l" latinLnBrk="1">
+                        <a:buAutoNum type="arabicPeriod"/>
+                      </a:pPr>
+                      <a:r>
+                        <a:rPr lang="ko-KR" altLang="en-US" sz="1400" dirty="0" smtClean="0">
+                          <a:latin typeface="+mn-ea"/>
+                          <a:ea typeface="+mn-ea"/>
+                        </a:rPr>
+                        <a:t>영화 카테고리</a:t>
+                      </a:r>
+                      <a:endParaRPr lang="en-US" altLang="ko-KR" sz="1400" dirty="0" smtClean="0">
+                        <a:latin typeface="+mn-ea"/>
+                        <a:ea typeface="+mn-ea"/>
+                      </a:endParaRPr>
+                    </a:p>
+                    <a:p>
+                      <a:pPr marL="342900" indent="-342900" algn="l" latinLnBrk="1">
+                        <a:buAutoNum type="arabicPeriod"/>
+                      </a:pPr>
+                      <a:r>
+                        <a:rPr lang="ko-KR" altLang="en-US" sz="1400" dirty="0" err="1" smtClean="0">
+                          <a:latin typeface="+mn-ea"/>
+                          <a:ea typeface="+mn-ea"/>
+                        </a:rPr>
+                        <a:t>마이페이지</a:t>
+                      </a:r>
+                      <a:r>
+                        <a:rPr lang="ko-KR" altLang="en-US" sz="1400" dirty="0" smtClean="0">
+                          <a:latin typeface="+mn-ea"/>
+                          <a:ea typeface="+mn-ea"/>
+                        </a:rPr>
+                        <a:t> 이동</a:t>
                       </a:r>
                       <a:endParaRPr lang="ko-KR" altLang="en-US" sz="1400" dirty="0">
                         <a:latin typeface="+mn-ea"/>
@@ -7298,7 +7800,7 @@
           <p:nvPr>
             <p:extLst>
               <p:ext uri="{D42A27DB-BD31-4B8C-83A1-F6EECF244321}">
-                <p14:modId xmlns:p14="http://schemas.microsoft.com/office/powerpoint/2010/main" val="1856379278"/>
+                <p14:modId xmlns:p14="http://schemas.microsoft.com/office/powerpoint/2010/main" val="3985996151"/>
               </p:ext>
             </p:extLst>
           </p:nvPr>
@@ -7366,11 +7868,23 @@
                       <a:pPr algn="ctr" latinLnBrk="1"/>
                       <a:r>
                         <a:rPr lang="ko-KR" altLang="en-US" sz="1400" dirty="0" smtClean="0"/>
-                        <a:t>감정 선택 </a:t>
+                        <a:t>영화 제목 </a:t>
                       </a:r>
                       <a:r>
                         <a:rPr lang="ko-KR" altLang="en-US" sz="1400" dirty="0" err="1" smtClean="0"/>
-                        <a:t>모달창</a:t>
+                        <a:t>검색창</a:t>
+                      </a:r>
+                      <a:r>
+                        <a:rPr lang="en-US" altLang="ko-KR" sz="1400" dirty="0" smtClean="0"/>
+                        <a:t>(</a:t>
+                      </a:r>
+                      <a:r>
+                        <a:rPr lang="ko-KR" altLang="en-US" sz="1400" dirty="0" err="1" smtClean="0"/>
+                        <a:t>메인페이지</a:t>
+                      </a:r>
+                      <a:r>
+                        <a:rPr lang="en-US" altLang="ko-KR" sz="1400" dirty="0" smtClean="0"/>
+                        <a:t>)</a:t>
                       </a:r>
                       <a:endParaRPr lang="ko-KR" altLang="en-US" sz="1400" dirty="0"/>
                     </a:p>
@@ -7428,8 +7942,28 @@
                     <a:bodyPr/>
                     <a:lstStyle/>
                     <a:p>
-                      <a:pPr algn="ctr" latinLnBrk="1"/>
-                      <a:endParaRPr lang="ko-KR" altLang="en-US" sz="1400" dirty="0"/>
+                      <a:pPr marL="0" marR="0" indent="0" algn="ctr" defTabSz="914400" rtl="0" eaLnBrk="1" fontAlgn="auto" latinLnBrk="1" hangingPunct="1">
+                        <a:lnSpc>
+                          <a:spcPct val="100000"/>
+                        </a:lnSpc>
+                        <a:spcBef>
+                          <a:spcPts val="0"/>
+                        </a:spcBef>
+                        <a:spcAft>
+                          <a:spcPts val="0"/>
+                        </a:spcAft>
+                        <a:buClrTx/>
+                        <a:buSzTx/>
+                        <a:buFontTx/>
+                        <a:buNone/>
+                        <a:tabLst/>
+                        <a:defRPr/>
+                      </a:pPr>
+                      <a:r>
+                        <a:rPr lang="en-US" altLang="ko-KR" sz="1400" dirty="0" smtClean="0"/>
+                        <a:t>2021/05/04</a:t>
+                      </a:r>
+                      <a:endParaRPr lang="ko-KR" altLang="en-US" sz="1400" dirty="0" smtClean="0"/>
                     </a:p>
                   </a:txBody>
                   <a:tcPr/>
@@ -7531,32 +8065,212 @@
       </p:graphicFrame>
       <p:pic>
         <p:nvPicPr>
-          <p:cNvPr id="3" name="그림 2"/>
+          <p:cNvPr id="2" name="그림 1"/>
           <p:cNvPicPr>
             <a:picLocks noChangeAspect="1"/>
           </p:cNvPicPr>
           <p:nvPr/>
         </p:nvPicPr>
         <p:blipFill>
-          <a:blip r:embed="rId2"/>
+          <a:blip r:embed="rId2">
+            <a:extLst>
+              <a:ext uri="{28A0092B-C50C-407E-A947-70E740481C1C}">
+                <a14:useLocalDpi xmlns:a14="http://schemas.microsoft.com/office/drawing/2010/main" val="0"/>
+              </a:ext>
+            </a:extLst>
+          </a:blip>
           <a:stretch>
             <a:fillRect/>
           </a:stretch>
         </p:blipFill>
         <p:spPr>
           <a:xfrm>
-            <a:off x="395536" y="1883654"/>
-            <a:ext cx="6200775" cy="4314825"/>
+            <a:off x="251520" y="2033127"/>
+            <a:ext cx="6472369" cy="4015879"/>
           </a:xfrm>
           <a:prstGeom prst="rect">
             <a:avLst/>
           </a:prstGeom>
         </p:spPr>
       </p:pic>
+      <p:sp>
+        <p:nvSpPr>
+          <p:cNvPr id="5" name="타원 4"/>
+          <p:cNvSpPr/>
+          <p:nvPr/>
+        </p:nvSpPr>
+        <p:spPr>
+          <a:xfrm>
+            <a:off x="1547664" y="3645024"/>
+            <a:ext cx="288032" cy="288032"/>
+          </a:xfrm>
+          <a:prstGeom prst="ellipse">
+            <a:avLst/>
+          </a:prstGeom>
+          <a:noFill/>
+          <a:ln>
+            <a:solidFill>
+              <a:srgbClr val="FF0000"/>
+            </a:solidFill>
+          </a:ln>
+        </p:spPr>
+        <p:style>
+          <a:lnRef idx="2">
+            <a:schemeClr val="accent1">
+              <a:shade val="50000"/>
+            </a:schemeClr>
+          </a:lnRef>
+          <a:fillRef idx="1">
+            <a:schemeClr val="accent1"/>
+          </a:fillRef>
+          <a:effectRef idx="0">
+            <a:schemeClr val="accent1"/>
+          </a:effectRef>
+          <a:fontRef idx="minor">
+            <a:schemeClr val="lt1"/>
+          </a:fontRef>
+        </p:style>
+        <p:txBody>
+          <a:bodyPr rtlCol="0" anchor="ctr"/>
+          <a:lstStyle/>
+          <a:p>
+            <a:pPr algn="ctr"/>
+            <a:r>
+              <a:rPr lang="en-US" altLang="ko-KR" sz="1200" dirty="0" smtClean="0">
+                <a:solidFill>
+                  <a:srgbClr val="FF0000"/>
+                </a:solidFill>
+              </a:rPr>
+              <a:t>1</a:t>
+            </a:r>
+            <a:endParaRPr lang="ko-KR" altLang="en-US" sz="1200" dirty="0">
+              <a:solidFill>
+                <a:srgbClr val="FF0000"/>
+              </a:solidFill>
+            </a:endParaRPr>
+          </a:p>
+        </p:txBody>
+      </p:sp>
+      <p:sp>
+        <p:nvSpPr>
+          <p:cNvPr id="6" name="타원 5"/>
+          <p:cNvSpPr/>
+          <p:nvPr/>
+        </p:nvSpPr>
+        <p:spPr>
+          <a:xfrm>
+            <a:off x="1547664" y="2211169"/>
+            <a:ext cx="288032" cy="288032"/>
+          </a:xfrm>
+          <a:prstGeom prst="ellipse">
+            <a:avLst/>
+          </a:prstGeom>
+          <a:noFill/>
+          <a:ln>
+            <a:solidFill>
+              <a:srgbClr val="FF0000"/>
+            </a:solidFill>
+          </a:ln>
+        </p:spPr>
+        <p:style>
+          <a:lnRef idx="2">
+            <a:schemeClr val="accent1">
+              <a:shade val="50000"/>
+            </a:schemeClr>
+          </a:lnRef>
+          <a:fillRef idx="1">
+            <a:schemeClr val="accent1"/>
+          </a:fillRef>
+          <a:effectRef idx="0">
+            <a:schemeClr val="accent1"/>
+          </a:effectRef>
+          <a:fontRef idx="minor">
+            <a:schemeClr val="lt1"/>
+          </a:fontRef>
+        </p:style>
+        <p:txBody>
+          <a:bodyPr rtlCol="0" anchor="ctr"/>
+          <a:lstStyle/>
+          <a:p>
+            <a:pPr algn="ctr"/>
+            <a:r>
+              <a:rPr lang="en-US" altLang="ko-KR" sz="1200" dirty="0" smtClean="0">
+                <a:solidFill>
+                  <a:srgbClr val="FF0000"/>
+                </a:solidFill>
+              </a:rPr>
+              <a:t>2</a:t>
+            </a:r>
+            <a:endParaRPr lang="ko-KR" altLang="en-US" sz="1200" dirty="0">
+              <a:solidFill>
+                <a:srgbClr val="FF0000"/>
+              </a:solidFill>
+            </a:endParaRPr>
+          </a:p>
+        </p:txBody>
+      </p:sp>
+      <p:sp>
+        <p:nvSpPr>
+          <p:cNvPr id="7" name="타원 6"/>
+          <p:cNvSpPr/>
+          <p:nvPr/>
+        </p:nvSpPr>
+        <p:spPr>
+          <a:xfrm>
+            <a:off x="5292080" y="2211169"/>
+            <a:ext cx="288032" cy="288032"/>
+          </a:xfrm>
+          <a:prstGeom prst="ellipse">
+            <a:avLst/>
+          </a:prstGeom>
+          <a:noFill/>
+          <a:ln>
+            <a:solidFill>
+              <a:srgbClr val="FF0000"/>
+            </a:solidFill>
+          </a:ln>
+        </p:spPr>
+        <p:style>
+          <a:lnRef idx="2">
+            <a:schemeClr val="accent1">
+              <a:shade val="50000"/>
+            </a:schemeClr>
+          </a:lnRef>
+          <a:fillRef idx="1">
+            <a:schemeClr val="accent1"/>
+          </a:fillRef>
+          <a:effectRef idx="0">
+            <a:schemeClr val="accent1"/>
+          </a:effectRef>
+          <a:fontRef idx="minor">
+            <a:schemeClr val="lt1"/>
+          </a:fontRef>
+        </p:style>
+        <p:txBody>
+          <a:bodyPr rtlCol="0" anchor="ctr"/>
+          <a:lstStyle/>
+          <a:p>
+            <a:pPr algn="ctr"/>
+            <a:r>
+              <a:rPr lang="en-US" altLang="ko-KR" sz="1200" dirty="0">
+                <a:solidFill>
+                  <a:srgbClr val="FF0000"/>
+                </a:solidFill>
+              </a:rPr>
+              <a:t>3</a:t>
+            </a:r>
+            <a:endParaRPr lang="ko-KR" altLang="en-US" sz="1200" dirty="0">
+              <a:solidFill>
+                <a:srgbClr val="FF0000"/>
+              </a:solidFill>
+            </a:endParaRPr>
+          </a:p>
+        </p:txBody>
+      </p:sp>
     </p:spTree>
     <p:extLst>
       <p:ext uri="{BB962C8B-B14F-4D97-AF65-F5344CB8AC3E}">
-        <p14:creationId xmlns:p14="http://schemas.microsoft.com/office/powerpoint/2010/main" val="1508457362"/>
+        <p14:creationId xmlns:p14="http://schemas.microsoft.com/office/powerpoint/2010/main" val="2887922442"/>
       </p:ext>
     </p:extLst>
   </p:cSld>
@@ -7566,7 +8280,7 @@
 </p:sld>
 </file>
 
-<file path=ppt/slides/slide4.xml><?xml version="1.0" encoding="utf-8"?>
+<file path=ppt/slides/slide5.xml><?xml version="1.0" encoding="utf-8"?>
 <p:sld xmlns:a="http://schemas.openxmlformats.org/drawingml/2006/main" xmlns:r="http://schemas.openxmlformats.org/officeDocument/2006/relationships" xmlns:p="http://schemas.openxmlformats.org/presentationml/2006/main">
   <p:cSld>
     <p:spTree>
@@ -7592,7 +8306,7 @@
           <p:nvPr>
             <p:extLst>
               <p:ext uri="{D42A27DB-BD31-4B8C-83A1-F6EECF244321}">
-                <p14:modId xmlns:p14="http://schemas.microsoft.com/office/powerpoint/2010/main" val="3110114634"/>
+                <p14:modId xmlns:p14="http://schemas.microsoft.com/office/powerpoint/2010/main" val="3972960774"/>
               </p:ext>
             </p:extLst>
           </p:nvPr>
@@ -7678,34 +8392,77 @@
                     <a:bodyPr/>
                     <a:lstStyle/>
                     <a:p>
-                      <a:pPr algn="l" latinLnBrk="1"/>
-                      <a:r>
-                        <a:rPr lang="en-US" altLang="ko-KR" sz="1400" dirty="0">
-                          <a:latin typeface="+mn-ea"/>
-                          <a:ea typeface="+mn-ea"/>
-                        </a:rPr>
-                        <a:t>1.</a:t>
-                      </a:r>
-                      <a:r>
-                        <a:rPr lang="ko-KR" altLang="en-US" sz="1400" dirty="0">
-                          <a:latin typeface="+mn-ea"/>
-                          <a:ea typeface="+mn-ea"/>
-                        </a:rPr>
-                        <a:t> </a:t>
-                      </a:r>
+                      <a:pPr marL="342900" indent="-342900" algn="l" latinLnBrk="1">
+                        <a:buAutoNum type="arabicPeriod"/>
+                      </a:pPr>
                       <a:r>
                         <a:rPr lang="ko-KR" altLang="en-US" sz="1400" dirty="0" smtClean="0">
                           <a:latin typeface="+mn-ea"/>
                           <a:ea typeface="+mn-ea"/>
                         </a:rPr>
-                        <a:t>영화 제목 </a:t>
+                        <a:t>사진이나 제목 </a:t>
                       </a:r>
                       <a:r>
                         <a:rPr lang="ko-KR" altLang="en-US" sz="1400" dirty="0" err="1" smtClean="0">
                           <a:latin typeface="+mn-ea"/>
                           <a:ea typeface="+mn-ea"/>
                         </a:rPr>
-                        <a:t>검색창</a:t>
+                        <a:t>클릭시</a:t>
+                      </a:r>
+                      <a:r>
+                        <a:rPr lang="ko-KR" altLang="en-US" sz="1400" dirty="0" smtClean="0">
+                          <a:latin typeface="+mn-ea"/>
+                          <a:ea typeface="+mn-ea"/>
+                        </a:rPr>
+                        <a:t> 영화 상세 페이지로 이동</a:t>
+                      </a:r>
+                      <a:endParaRPr lang="en-US" altLang="ko-KR" sz="1400" dirty="0" smtClean="0">
+                        <a:latin typeface="+mn-ea"/>
+                        <a:ea typeface="+mn-ea"/>
+                      </a:endParaRPr>
+                    </a:p>
+                    <a:p>
+                      <a:pPr marL="342900" indent="-342900" algn="l" latinLnBrk="1">
+                        <a:buAutoNum type="arabicPeriod"/>
+                      </a:pPr>
+                      <a:r>
+                        <a:rPr lang="ko-KR" altLang="en-US" sz="1400" dirty="0" smtClean="0">
+                          <a:latin typeface="+mn-ea"/>
+                          <a:ea typeface="+mn-ea"/>
+                        </a:rPr>
+                        <a:t>찜 확인</a:t>
+                      </a:r>
+                      <a:endParaRPr lang="en-US" altLang="ko-KR" sz="1400" dirty="0" smtClean="0">
+                        <a:latin typeface="+mn-ea"/>
+                        <a:ea typeface="+mn-ea"/>
+                      </a:endParaRPr>
+                    </a:p>
+                    <a:p>
+                      <a:pPr marL="342900" indent="-342900" algn="l" latinLnBrk="1">
+                        <a:buAutoNum type="arabicPeriod"/>
+                      </a:pPr>
+                      <a:r>
+                        <a:rPr lang="ko-KR" altLang="en-US" sz="1400" dirty="0" smtClean="0">
+                          <a:latin typeface="+mn-ea"/>
+                          <a:ea typeface="+mn-ea"/>
+                        </a:rPr>
+                        <a:t>검색</a:t>
+                      </a:r>
+                      <a:endParaRPr lang="en-US" altLang="ko-KR" sz="1400" dirty="0" smtClean="0">
+                        <a:latin typeface="+mn-ea"/>
+                        <a:ea typeface="+mn-ea"/>
+                      </a:endParaRPr>
+                    </a:p>
+                    <a:p>
+                      <a:pPr marL="342900" indent="-342900" algn="l" latinLnBrk="1">
+                        <a:buAutoNum type="arabicPeriod"/>
+                      </a:pPr>
+                      <a:r>
+                        <a:rPr lang="ko-KR" altLang="en-US" sz="1400" dirty="0" smtClean="0">
+                          <a:latin typeface="+mn-ea"/>
+                          <a:ea typeface="+mn-ea"/>
+                        </a:rPr>
+                        <a:t>장르 카테고리</a:t>
                       </a:r>
                       <a:endParaRPr lang="ko-KR" altLang="en-US" sz="1400" dirty="0">
                         <a:latin typeface="+mn-ea"/>
@@ -7792,6 +8549,30 @@
           </a:graphicData>
         </a:graphic>
       </p:graphicFrame>
+      <p:pic>
+        <p:nvPicPr>
+          <p:cNvPr id="4" name="그림 3"/>
+          <p:cNvPicPr>
+            <a:picLocks noChangeAspect="1"/>
+          </p:cNvPicPr>
+          <p:nvPr/>
+        </p:nvPicPr>
+        <p:blipFill>
+          <a:blip r:embed="rId2"/>
+          <a:stretch>
+            <a:fillRect/>
+          </a:stretch>
+        </p:blipFill>
+        <p:spPr>
+          <a:xfrm>
+            <a:off x="323528" y="2048188"/>
+            <a:ext cx="6378905" cy="3929151"/>
+          </a:xfrm>
+          <a:prstGeom prst="rect">
+            <a:avLst/>
+          </a:prstGeom>
+        </p:spPr>
+      </p:pic>
       <p:graphicFrame>
         <p:nvGraphicFramePr>
           <p:cNvPr id="27" name="표 26"/>
@@ -7801,7 +8582,7 @@
           <p:nvPr>
             <p:extLst>
               <p:ext uri="{D42A27DB-BD31-4B8C-83A1-F6EECF244321}">
-                <p14:modId xmlns:p14="http://schemas.microsoft.com/office/powerpoint/2010/main" val="2853288877"/>
+                <p14:modId xmlns:p14="http://schemas.microsoft.com/office/powerpoint/2010/main" val="3164717155"/>
               </p:ext>
             </p:extLst>
           </p:nvPr>
@@ -7869,23 +8650,7 @@
                       <a:pPr algn="ctr" latinLnBrk="1"/>
                       <a:r>
                         <a:rPr lang="ko-KR" altLang="en-US" sz="1400" dirty="0" smtClean="0"/>
-                        <a:t>영화 제목 </a:t>
-                      </a:r>
-                      <a:r>
-                        <a:rPr lang="ko-KR" altLang="en-US" sz="1400" dirty="0" err="1" smtClean="0"/>
-                        <a:t>검색창</a:t>
-                      </a:r>
-                      <a:r>
-                        <a:rPr lang="en-US" altLang="ko-KR" sz="1400" dirty="0" smtClean="0"/>
-                        <a:t>(</a:t>
-                      </a:r>
-                      <a:r>
-                        <a:rPr lang="ko-KR" altLang="en-US" sz="1400" dirty="0" err="1" smtClean="0"/>
-                        <a:t>메인페이지</a:t>
-                      </a:r>
-                      <a:r>
-                        <a:rPr lang="en-US" altLang="ko-KR" sz="1400" dirty="0" smtClean="0"/>
-                        <a:t>)</a:t>
+                        <a:t>영화 목록 창</a:t>
                       </a:r>
                       <a:endParaRPr lang="ko-KR" altLang="en-US" sz="1400" dirty="0"/>
                     </a:p>
@@ -7943,8 +8708,28 @@
                     <a:bodyPr/>
                     <a:lstStyle/>
                     <a:p>
-                      <a:pPr algn="ctr" latinLnBrk="1"/>
-                      <a:endParaRPr lang="ko-KR" altLang="en-US" sz="1400" dirty="0"/>
+                      <a:pPr marL="0" marR="0" indent="0" algn="ctr" defTabSz="914400" rtl="0" eaLnBrk="1" fontAlgn="auto" latinLnBrk="1" hangingPunct="1">
+                        <a:lnSpc>
+                          <a:spcPct val="100000"/>
+                        </a:lnSpc>
+                        <a:spcBef>
+                          <a:spcPts val="0"/>
+                        </a:spcBef>
+                        <a:spcAft>
+                          <a:spcPts val="0"/>
+                        </a:spcAft>
+                        <a:buClrTx/>
+                        <a:buSzTx/>
+                        <a:buFontTx/>
+                        <a:buNone/>
+                        <a:tabLst/>
+                        <a:defRPr/>
+                      </a:pPr>
+                      <a:r>
+                        <a:rPr lang="en-US" altLang="ko-KR" sz="1400" dirty="0" smtClean="0"/>
+                        <a:t>2021/05/04</a:t>
+                      </a:r>
+                      <a:endParaRPr lang="ko-KR" altLang="en-US" sz="1400" dirty="0" smtClean="0"/>
                     </a:p>
                   </a:txBody>
                   <a:tcPr/>
@@ -8044,40 +8829,242 @@
           </a:graphicData>
         </a:graphic>
       </p:graphicFrame>
-      <p:pic>
-        <p:nvPicPr>
-          <p:cNvPr id="2" name="그림 1"/>
-          <p:cNvPicPr>
-            <a:picLocks noChangeAspect="1"/>
-          </p:cNvPicPr>
+      <p:sp>
+        <p:nvSpPr>
+          <p:cNvPr id="5" name="타원 4"/>
+          <p:cNvSpPr/>
           <p:nvPr/>
-        </p:nvPicPr>
-        <p:blipFill>
-          <a:blip r:embed="rId2">
-            <a:extLst>
-              <a:ext uri="{28A0092B-C50C-407E-A947-70E740481C1C}">
-                <a14:useLocalDpi xmlns:a14="http://schemas.microsoft.com/office/drawing/2010/main" val="0"/>
-              </a:ext>
-            </a:extLst>
-          </a:blip>
-          <a:stretch>
-            <a:fillRect/>
-          </a:stretch>
-        </p:blipFill>
+        </p:nvSpPr>
         <p:spPr>
           <a:xfrm>
-            <a:off x="251520" y="2033127"/>
-            <a:ext cx="6472369" cy="4015879"/>
+            <a:off x="1187624" y="2996952"/>
+            <a:ext cx="288032" cy="288032"/>
           </a:xfrm>
-          <a:prstGeom prst="rect">
+          <a:prstGeom prst="ellipse">
             <a:avLst/>
           </a:prstGeom>
+          <a:noFill/>
+          <a:ln>
+            <a:solidFill>
+              <a:srgbClr val="FF0000"/>
+            </a:solidFill>
+          </a:ln>
         </p:spPr>
-      </p:pic>
+        <p:style>
+          <a:lnRef idx="2">
+            <a:schemeClr val="accent1">
+              <a:shade val="50000"/>
+            </a:schemeClr>
+          </a:lnRef>
+          <a:fillRef idx="1">
+            <a:schemeClr val="accent1"/>
+          </a:fillRef>
+          <a:effectRef idx="0">
+            <a:schemeClr val="accent1"/>
+          </a:effectRef>
+          <a:fontRef idx="minor">
+            <a:schemeClr val="lt1"/>
+          </a:fontRef>
+        </p:style>
+        <p:txBody>
+          <a:bodyPr rtlCol="0" anchor="ctr"/>
+          <a:lstStyle/>
+          <a:p>
+            <a:pPr algn="ctr"/>
+            <a:r>
+              <a:rPr lang="en-US" altLang="ko-KR" sz="1200" dirty="0" smtClean="0">
+                <a:solidFill>
+                  <a:srgbClr val="FF0000"/>
+                </a:solidFill>
+              </a:rPr>
+              <a:t>1</a:t>
+            </a:r>
+            <a:endParaRPr lang="ko-KR" altLang="en-US" sz="1200" dirty="0">
+              <a:solidFill>
+                <a:srgbClr val="FF0000"/>
+              </a:solidFill>
+            </a:endParaRPr>
+          </a:p>
+        </p:txBody>
+      </p:sp>
+      <p:sp>
+        <p:nvSpPr>
+          <p:cNvPr id="7" name="타원 6"/>
+          <p:cNvSpPr/>
+          <p:nvPr/>
+        </p:nvSpPr>
+        <p:spPr>
+          <a:xfrm>
+            <a:off x="1979712" y="3724732"/>
+            <a:ext cx="288032" cy="288032"/>
+          </a:xfrm>
+          <a:prstGeom prst="ellipse">
+            <a:avLst/>
+          </a:prstGeom>
+          <a:noFill/>
+          <a:ln>
+            <a:solidFill>
+              <a:srgbClr val="FF0000"/>
+            </a:solidFill>
+          </a:ln>
+        </p:spPr>
+        <p:style>
+          <a:lnRef idx="2">
+            <a:schemeClr val="accent1">
+              <a:shade val="50000"/>
+            </a:schemeClr>
+          </a:lnRef>
+          <a:fillRef idx="1">
+            <a:schemeClr val="accent1"/>
+          </a:fillRef>
+          <a:effectRef idx="0">
+            <a:schemeClr val="accent1"/>
+          </a:effectRef>
+          <a:fontRef idx="minor">
+            <a:schemeClr val="lt1"/>
+          </a:fontRef>
+        </p:style>
+        <p:txBody>
+          <a:bodyPr rtlCol="0" anchor="ctr"/>
+          <a:lstStyle/>
+          <a:p>
+            <a:pPr algn="ctr"/>
+            <a:r>
+              <a:rPr lang="en-US" altLang="ko-KR" sz="1200" dirty="0">
+                <a:solidFill>
+                  <a:srgbClr val="FF0000"/>
+                </a:solidFill>
+              </a:rPr>
+              <a:t>2</a:t>
+            </a:r>
+            <a:endParaRPr lang="ko-KR" altLang="en-US" sz="1200" dirty="0">
+              <a:solidFill>
+                <a:srgbClr val="FF0000"/>
+              </a:solidFill>
+            </a:endParaRPr>
+          </a:p>
+        </p:txBody>
+      </p:sp>
+      <p:sp>
+        <p:nvSpPr>
+          <p:cNvPr id="10" name="타원 9"/>
+          <p:cNvSpPr/>
+          <p:nvPr/>
+        </p:nvSpPr>
+        <p:spPr>
+          <a:xfrm>
+            <a:off x="1979712" y="2598428"/>
+            <a:ext cx="288032" cy="288032"/>
+          </a:xfrm>
+          <a:prstGeom prst="ellipse">
+            <a:avLst/>
+          </a:prstGeom>
+          <a:noFill/>
+          <a:ln>
+            <a:solidFill>
+              <a:srgbClr val="FF0000"/>
+            </a:solidFill>
+          </a:ln>
+        </p:spPr>
+        <p:style>
+          <a:lnRef idx="2">
+            <a:schemeClr val="accent1">
+              <a:shade val="50000"/>
+            </a:schemeClr>
+          </a:lnRef>
+          <a:fillRef idx="1">
+            <a:schemeClr val="accent1"/>
+          </a:fillRef>
+          <a:effectRef idx="0">
+            <a:schemeClr val="accent1"/>
+          </a:effectRef>
+          <a:fontRef idx="minor">
+            <a:schemeClr val="lt1"/>
+          </a:fontRef>
+        </p:style>
+        <p:txBody>
+          <a:bodyPr rtlCol="0" anchor="ctr"/>
+          <a:lstStyle/>
+          <a:p>
+            <a:pPr algn="ctr"/>
+            <a:r>
+              <a:rPr lang="en-US" altLang="ko-KR" sz="1200" dirty="0">
+                <a:solidFill>
+                  <a:srgbClr val="FF0000"/>
+                </a:solidFill>
+              </a:rPr>
+              <a:t>3</a:t>
+            </a:r>
+            <a:endParaRPr lang="ko-KR" altLang="en-US" sz="1200" dirty="0">
+              <a:solidFill>
+                <a:srgbClr val="FF0000"/>
+              </a:solidFill>
+            </a:endParaRPr>
+          </a:p>
+        </p:txBody>
+      </p:sp>
+      <p:sp>
+        <p:nvSpPr>
+          <p:cNvPr id="13" name="타원 12"/>
+          <p:cNvSpPr/>
+          <p:nvPr/>
+        </p:nvSpPr>
+        <p:spPr>
+          <a:xfrm>
+            <a:off x="323528" y="3385652"/>
+            <a:ext cx="288032" cy="288032"/>
+          </a:xfrm>
+          <a:prstGeom prst="ellipse">
+            <a:avLst/>
+          </a:prstGeom>
+          <a:noFill/>
+          <a:ln>
+            <a:solidFill>
+              <a:srgbClr val="FF0000"/>
+            </a:solidFill>
+          </a:ln>
+        </p:spPr>
+        <p:style>
+          <a:lnRef idx="2">
+            <a:schemeClr val="accent1">
+              <a:shade val="50000"/>
+            </a:schemeClr>
+          </a:lnRef>
+          <a:fillRef idx="1">
+            <a:schemeClr val="accent1"/>
+          </a:fillRef>
+          <a:effectRef idx="0">
+            <a:schemeClr val="accent1"/>
+          </a:effectRef>
+          <a:fontRef idx="minor">
+            <a:schemeClr val="lt1"/>
+          </a:fontRef>
+        </p:style>
+        <p:txBody>
+          <a:bodyPr rtlCol="0" anchor="ctr"/>
+          <a:lstStyle/>
+          <a:p>
+            <a:pPr algn="ctr"/>
+            <a:r>
+              <a:rPr lang="en-US" altLang="ko-KR" sz="1200" dirty="0" smtClean="0">
+                <a:solidFill>
+                  <a:srgbClr val="FF0000"/>
+                </a:solidFill>
+              </a:rPr>
+              <a:t>4</a:t>
+            </a:r>
+            <a:endParaRPr lang="ko-KR" altLang="en-US" sz="1200" dirty="0">
+              <a:solidFill>
+                <a:srgbClr val="FF0000"/>
+              </a:solidFill>
+            </a:endParaRPr>
+          </a:p>
+        </p:txBody>
+      </p:sp>
     </p:spTree>
     <p:extLst>
       <p:ext uri="{BB962C8B-B14F-4D97-AF65-F5344CB8AC3E}">
-        <p14:creationId xmlns:p14="http://schemas.microsoft.com/office/powerpoint/2010/main" val="2887922442"/>
+        <p14:creationId xmlns:p14="http://schemas.microsoft.com/office/powerpoint/2010/main" val="2658417597"/>
       </p:ext>
     </p:extLst>
   </p:cSld>
@@ -8087,7 +9074,7 @@
 </p:sld>
 </file>
 
-<file path=ppt/slides/slide5.xml><?xml version="1.0" encoding="utf-8"?>
+<file path=ppt/slides/slide6.xml><?xml version="1.0" encoding="utf-8"?>
 <p:sld xmlns:a="http://schemas.openxmlformats.org/drawingml/2006/main" xmlns:r="http://schemas.openxmlformats.org/officeDocument/2006/relationships" xmlns:p="http://schemas.openxmlformats.org/presentationml/2006/main">
   <p:cSld>
     <p:spTree>
@@ -8113,7 +9100,7 @@
           <p:nvPr>
             <p:extLst>
               <p:ext uri="{D42A27DB-BD31-4B8C-83A1-F6EECF244321}">
-                <p14:modId xmlns:p14="http://schemas.microsoft.com/office/powerpoint/2010/main" val="480622814"/>
+                <p14:modId xmlns:p14="http://schemas.microsoft.com/office/powerpoint/2010/main" val="1915747608"/>
               </p:ext>
             </p:extLst>
           </p:nvPr>
@@ -8215,18 +9202,277 @@
                         <a:t> </a:t>
                       </a:r>
                       <a:r>
+                        <a:rPr lang="ko-KR" altLang="en-US" sz="1400" dirty="0" smtClean="0">
+                          <a:latin typeface="+mn-ea"/>
+                          <a:ea typeface="+mn-ea"/>
+                        </a:rPr>
+                        <a:t>영화 플랫폼</a:t>
+                      </a:r>
+                      <a:r>
+                        <a:rPr lang="en-US" altLang="ko-KR" sz="1400" dirty="0" smtClean="0">
+                          <a:latin typeface="+mn-ea"/>
+                          <a:ea typeface="+mn-ea"/>
+                        </a:rPr>
+                        <a:t>(</a:t>
+                      </a:r>
+                      <a:r>
                         <a:rPr lang="ko-KR" altLang="en-US" sz="1400" dirty="0" err="1" smtClean="0">
                           <a:latin typeface="+mn-ea"/>
                           <a:ea typeface="+mn-ea"/>
                         </a:rPr>
-                        <a:t>영화목록</a:t>
+                        <a:t>넷플릭스</a:t>
+                      </a:r>
+                      <a:r>
+                        <a:rPr lang="en-US" altLang="ko-KR" sz="1400" dirty="0" smtClean="0">
+                          <a:latin typeface="+mn-ea"/>
+                          <a:ea typeface="+mn-ea"/>
+                        </a:rPr>
+                        <a:t>, </a:t>
+                      </a:r>
+                      <a:r>
+                        <a:rPr lang="ko-KR" altLang="en-US" sz="1400" dirty="0" err="1" smtClean="0">
+                          <a:latin typeface="+mn-ea"/>
+                          <a:ea typeface="+mn-ea"/>
+                        </a:rPr>
+                        <a:t>왓챠</a:t>
                       </a:r>
                       <a:r>
                         <a:rPr lang="ko-KR" altLang="en-US" sz="1400" dirty="0" smtClean="0">
                           <a:latin typeface="+mn-ea"/>
                           <a:ea typeface="+mn-ea"/>
                         </a:rPr>
-                        <a:t> 보여줌</a:t>
+                        <a:t> 등</a:t>
+                      </a:r>
+                      <a:r>
+                        <a:rPr lang="en-US" altLang="ko-KR" sz="1400" dirty="0" smtClean="0">
+                          <a:latin typeface="+mn-ea"/>
+                          <a:ea typeface="+mn-ea"/>
+                        </a:rPr>
+                        <a:t>)</a:t>
+                      </a:r>
+                      <a:r>
+                        <a:rPr lang="en-US" altLang="ko-KR" sz="1400" baseline="0" dirty="0" smtClean="0">
+                          <a:latin typeface="+mn-ea"/>
+                          <a:ea typeface="+mn-ea"/>
+                        </a:rPr>
+                        <a:t> </a:t>
+                      </a:r>
+                      <a:r>
+                        <a:rPr lang="ko-KR" altLang="en-US" sz="1400" baseline="0" dirty="0" smtClean="0">
+                          <a:latin typeface="+mn-ea"/>
+                          <a:ea typeface="+mn-ea"/>
+                        </a:rPr>
+                        <a:t>이동</a:t>
+                      </a:r>
+                      <a:endParaRPr lang="en-US" altLang="ko-KR" sz="1400" baseline="0" dirty="0" smtClean="0">
+                        <a:latin typeface="+mn-ea"/>
+                        <a:ea typeface="+mn-ea"/>
+                      </a:endParaRPr>
+                    </a:p>
+                    <a:p>
+                      <a:pPr algn="l" latinLnBrk="1"/>
+                      <a:r>
+                        <a:rPr lang="en-US" altLang="ko-KR" sz="1400" baseline="0" dirty="0" smtClean="0">
+                          <a:latin typeface="+mn-ea"/>
+                          <a:ea typeface="+mn-ea"/>
+                        </a:rPr>
+                        <a:t>2. </a:t>
+                      </a:r>
+                      <a:r>
+                        <a:rPr lang="ko-KR" altLang="en-US" sz="1400" baseline="0" dirty="0" smtClean="0">
+                          <a:latin typeface="+mn-ea"/>
+                          <a:ea typeface="+mn-ea"/>
+                        </a:rPr>
+                        <a:t>감독</a:t>
+                      </a:r>
+                      <a:r>
+                        <a:rPr lang="en-US" altLang="ko-KR" sz="1400" baseline="0" dirty="0" smtClean="0">
+                          <a:latin typeface="+mn-ea"/>
+                          <a:ea typeface="+mn-ea"/>
+                        </a:rPr>
+                        <a:t>,</a:t>
+                      </a:r>
+                      <a:r>
+                        <a:rPr lang="ko-KR" altLang="en-US" sz="1400" baseline="0" dirty="0" smtClean="0">
+                          <a:latin typeface="+mn-ea"/>
+                          <a:ea typeface="+mn-ea"/>
+                        </a:rPr>
+                        <a:t>주연 </a:t>
+                      </a:r>
+                      <a:r>
+                        <a:rPr lang="ko-KR" altLang="en-US" sz="1400" baseline="0" dirty="0" err="1" smtClean="0">
+                          <a:latin typeface="+mn-ea"/>
+                          <a:ea typeface="+mn-ea"/>
+                        </a:rPr>
+                        <a:t>클릭시</a:t>
+                      </a:r>
+                      <a:r>
+                        <a:rPr lang="ko-KR" altLang="en-US" sz="1400" baseline="0" dirty="0" smtClean="0">
+                          <a:latin typeface="+mn-ea"/>
+                          <a:ea typeface="+mn-ea"/>
+                        </a:rPr>
+                        <a:t> 관련 영화 목록으로 이동</a:t>
+                      </a:r>
+                      <a:endParaRPr lang="en-US" altLang="ko-KR" sz="1400" baseline="0" dirty="0" smtClean="0">
+                        <a:latin typeface="+mn-ea"/>
+                        <a:ea typeface="+mn-ea"/>
+                      </a:endParaRPr>
+                    </a:p>
+                    <a:p>
+                      <a:pPr algn="l" latinLnBrk="1"/>
+                      <a:r>
+                        <a:rPr lang="en-US" altLang="ko-KR" sz="1400" baseline="0" dirty="0" smtClean="0">
+                          <a:latin typeface="+mn-ea"/>
+                          <a:ea typeface="+mn-ea"/>
+                        </a:rPr>
+                        <a:t>3. </a:t>
+                      </a:r>
+                      <a:r>
+                        <a:rPr lang="ko-KR" altLang="en-US" sz="1400" baseline="0" dirty="0" err="1" smtClean="0">
+                          <a:latin typeface="+mn-ea"/>
+                          <a:ea typeface="+mn-ea"/>
+                        </a:rPr>
+                        <a:t>한줄평</a:t>
+                      </a:r>
+                      <a:r>
+                        <a:rPr lang="ko-KR" altLang="en-US" sz="1400" baseline="0" dirty="0" smtClean="0">
+                          <a:latin typeface="+mn-ea"/>
+                          <a:ea typeface="+mn-ea"/>
+                        </a:rPr>
+                        <a:t> </a:t>
+                      </a:r>
+                      <a:r>
+                        <a:rPr lang="ko-KR" altLang="en-US" sz="1400" baseline="0" dirty="0" err="1" smtClean="0">
+                          <a:latin typeface="+mn-ea"/>
+                          <a:ea typeface="+mn-ea"/>
+                        </a:rPr>
+                        <a:t>입력칸</a:t>
+                      </a:r>
+                      <a:endParaRPr lang="en-US" altLang="ko-KR" sz="1400" baseline="0" dirty="0" smtClean="0">
+                        <a:latin typeface="+mn-ea"/>
+                        <a:ea typeface="+mn-ea"/>
+                      </a:endParaRPr>
+                    </a:p>
+                    <a:p>
+                      <a:pPr algn="l" latinLnBrk="1"/>
+                      <a:r>
+                        <a:rPr lang="en-US" altLang="ko-KR" sz="1400" baseline="0" dirty="0" smtClean="0">
+                          <a:latin typeface="+mn-ea"/>
+                          <a:ea typeface="+mn-ea"/>
+                        </a:rPr>
+                        <a:t>4. </a:t>
+                      </a:r>
+                      <a:r>
+                        <a:rPr lang="ko-KR" altLang="en-US" sz="1400" baseline="0" dirty="0" smtClean="0">
+                          <a:latin typeface="+mn-ea"/>
+                          <a:ea typeface="+mn-ea"/>
+                        </a:rPr>
+                        <a:t>노래 플랫폼</a:t>
+                      </a:r>
+                      <a:r>
+                        <a:rPr lang="en-US" altLang="ko-KR" sz="1400" baseline="0" dirty="0" smtClean="0">
+                          <a:latin typeface="+mn-ea"/>
+                          <a:ea typeface="+mn-ea"/>
+                        </a:rPr>
+                        <a:t>(</a:t>
+                      </a:r>
+                      <a:r>
+                        <a:rPr lang="ko-KR" altLang="en-US" sz="1400" baseline="0" dirty="0" smtClean="0">
+                          <a:latin typeface="+mn-ea"/>
+                          <a:ea typeface="+mn-ea"/>
+                        </a:rPr>
+                        <a:t>멜론</a:t>
+                      </a:r>
+                      <a:r>
+                        <a:rPr lang="en-US" altLang="ko-KR" sz="1400" baseline="0" dirty="0" smtClean="0">
+                          <a:latin typeface="+mn-ea"/>
+                          <a:ea typeface="+mn-ea"/>
+                        </a:rPr>
+                        <a:t>, </a:t>
+                      </a:r>
+                      <a:r>
+                        <a:rPr lang="ko-KR" altLang="en-US" sz="1400" baseline="0" dirty="0" smtClean="0">
+                          <a:latin typeface="+mn-ea"/>
+                          <a:ea typeface="+mn-ea"/>
+                        </a:rPr>
+                        <a:t>지니 등</a:t>
+                      </a:r>
+                      <a:r>
+                        <a:rPr lang="en-US" altLang="ko-KR" sz="1400" baseline="0" dirty="0" smtClean="0">
+                          <a:latin typeface="+mn-ea"/>
+                          <a:ea typeface="+mn-ea"/>
+                        </a:rPr>
+                        <a:t>) </a:t>
+                      </a:r>
+                      <a:r>
+                        <a:rPr lang="ko-KR" altLang="en-US" sz="1400" baseline="0" dirty="0" smtClean="0">
+                          <a:latin typeface="+mn-ea"/>
+                          <a:ea typeface="+mn-ea"/>
+                        </a:rPr>
+                        <a:t>이동</a:t>
+                      </a:r>
+                      <a:endParaRPr lang="en-US" altLang="ko-KR" sz="1400" baseline="0" dirty="0" smtClean="0">
+                        <a:latin typeface="+mn-ea"/>
+                        <a:ea typeface="+mn-ea"/>
+                      </a:endParaRPr>
+                    </a:p>
+                    <a:p>
+                      <a:pPr algn="l" latinLnBrk="1"/>
+                      <a:r>
+                        <a:rPr lang="en-US" altLang="ko-KR" sz="1400" baseline="0" dirty="0" smtClean="0">
+                          <a:latin typeface="+mn-ea"/>
+                          <a:ea typeface="+mn-ea"/>
+                        </a:rPr>
+                        <a:t>5. </a:t>
+                      </a:r>
+                      <a:r>
+                        <a:rPr lang="ko-KR" altLang="en-US" sz="1400" baseline="0" dirty="0" err="1" smtClean="0">
+                          <a:latin typeface="+mn-ea"/>
+                          <a:ea typeface="+mn-ea"/>
+                        </a:rPr>
+                        <a:t>감상포인트</a:t>
+                      </a:r>
+                      <a:r>
+                        <a:rPr lang="ko-KR" altLang="en-US" sz="1400" baseline="0" dirty="0" smtClean="0">
+                          <a:latin typeface="+mn-ea"/>
+                          <a:ea typeface="+mn-ea"/>
+                        </a:rPr>
+                        <a:t> </a:t>
+                      </a:r>
+                      <a:r>
+                        <a:rPr lang="ko-KR" altLang="en-US" sz="1400" baseline="0" dirty="0" smtClean="0">
+                          <a:latin typeface="+mn-ea"/>
+                          <a:ea typeface="+mn-ea"/>
+                        </a:rPr>
+                        <a:t>그래프</a:t>
+                      </a:r>
+                      <a:endParaRPr lang="en-US" altLang="ko-KR" sz="1400" baseline="0" dirty="0" smtClean="0">
+                        <a:latin typeface="+mn-ea"/>
+                        <a:ea typeface="+mn-ea"/>
+                      </a:endParaRPr>
+                    </a:p>
+                    <a:p>
+                      <a:pPr algn="l" latinLnBrk="1"/>
+                      <a:r>
+                        <a:rPr lang="en-US" altLang="ko-KR" sz="1400" baseline="0" dirty="0" smtClean="0">
+                          <a:latin typeface="+mn-ea"/>
+                          <a:ea typeface="+mn-ea"/>
+                        </a:rPr>
+                        <a:t>6. </a:t>
+                      </a:r>
+                      <a:r>
+                        <a:rPr lang="ko-KR" altLang="en-US" sz="1400" baseline="0" smtClean="0">
+                          <a:latin typeface="+mn-ea"/>
+                          <a:ea typeface="+mn-ea"/>
+                        </a:rPr>
+                        <a:t>유저들의 한줄평</a:t>
+                      </a:r>
+                      <a:r>
+                        <a:rPr lang="ko-KR" altLang="en-US" sz="1400" baseline="0" dirty="0" smtClean="0">
+                          <a:latin typeface="+mn-ea"/>
+                          <a:ea typeface="+mn-ea"/>
+                        </a:rPr>
+                        <a:t> 보기</a:t>
                       </a:r>
                       <a:endParaRPr lang="ko-KR" altLang="en-US" sz="1400" dirty="0">
                         <a:latin typeface="+mn-ea"/>
@@ -8313,6 +9559,30 @@
           </a:graphicData>
         </a:graphic>
       </p:graphicFrame>
+      <p:pic>
+        <p:nvPicPr>
+          <p:cNvPr id="2" name="그림 1"/>
+          <p:cNvPicPr>
+            <a:picLocks noChangeAspect="1"/>
+          </p:cNvPicPr>
+          <p:nvPr/>
+        </p:nvPicPr>
+        <p:blipFill>
+          <a:blip r:embed="rId2"/>
+          <a:stretch>
+            <a:fillRect/>
+          </a:stretch>
+        </p:blipFill>
+        <p:spPr>
+          <a:xfrm>
+            <a:off x="611560" y="1511204"/>
+            <a:ext cx="5544616" cy="5059726"/>
+          </a:xfrm>
+          <a:prstGeom prst="rect">
+            <a:avLst/>
+          </a:prstGeom>
+        </p:spPr>
+      </p:pic>
       <p:graphicFrame>
         <p:nvGraphicFramePr>
           <p:cNvPr id="27" name="표 26"/>
@@ -8322,7 +9592,7 @@
           <p:nvPr>
             <p:extLst>
               <p:ext uri="{D42A27DB-BD31-4B8C-83A1-F6EECF244321}">
-                <p14:modId xmlns:p14="http://schemas.microsoft.com/office/powerpoint/2010/main" val="1619608046"/>
+                <p14:modId xmlns:p14="http://schemas.microsoft.com/office/powerpoint/2010/main" val="2567999147"/>
               </p:ext>
             </p:extLst>
           </p:nvPr>
@@ -8390,7 +9660,7 @@
                       <a:pPr algn="ctr" latinLnBrk="1"/>
                       <a:r>
                         <a:rPr lang="ko-KR" altLang="en-US" sz="1400" dirty="0" smtClean="0"/>
-                        <a:t>영화 목록 창</a:t>
+                        <a:t>영화 상세 페이지</a:t>
                       </a:r>
                       <a:endParaRPr lang="ko-KR" altLang="en-US" sz="1400" dirty="0"/>
                     </a:p>
@@ -8448,8 +9718,28 @@
                     <a:bodyPr/>
                     <a:lstStyle/>
                     <a:p>
-                      <a:pPr algn="ctr" latinLnBrk="1"/>
-                      <a:endParaRPr lang="ko-KR" altLang="en-US" sz="1400" dirty="0"/>
+                      <a:pPr marL="0" marR="0" indent="0" algn="ctr" defTabSz="914400" rtl="0" eaLnBrk="1" fontAlgn="auto" latinLnBrk="1" hangingPunct="1">
+                        <a:lnSpc>
+                          <a:spcPct val="100000"/>
+                        </a:lnSpc>
+                        <a:spcBef>
+                          <a:spcPts val="0"/>
+                        </a:spcBef>
+                        <a:spcAft>
+                          <a:spcPts val="0"/>
+                        </a:spcAft>
+                        <a:buClrTx/>
+                        <a:buSzTx/>
+                        <a:buFontTx/>
+                        <a:buNone/>
+                        <a:tabLst/>
+                        <a:defRPr/>
+                      </a:pPr>
+                      <a:r>
+                        <a:rPr lang="en-US" altLang="ko-KR" sz="1400" dirty="0" smtClean="0"/>
+                        <a:t>2021/05/04</a:t>
+                      </a:r>
+                      <a:endParaRPr lang="ko-KR" altLang="en-US" sz="1400" dirty="0" smtClean="0"/>
                     </a:p>
                   </a:txBody>
                   <a:tcPr/>
@@ -8549,40 +9839,358 @@
           </a:graphicData>
         </a:graphic>
       </p:graphicFrame>
-      <p:pic>
-        <p:nvPicPr>
-          <p:cNvPr id="2" name="그림 1"/>
-          <p:cNvPicPr>
-            <a:picLocks noChangeAspect="1"/>
-          </p:cNvPicPr>
+      <p:sp>
+        <p:nvSpPr>
+          <p:cNvPr id="6" name="타원 5"/>
+          <p:cNvSpPr/>
           <p:nvPr/>
-        </p:nvPicPr>
-        <p:blipFill>
-          <a:blip r:embed="rId2">
-            <a:extLst>
-              <a:ext uri="{28A0092B-C50C-407E-A947-70E740481C1C}">
-                <a14:useLocalDpi xmlns:a14="http://schemas.microsoft.com/office/drawing/2010/main" val="0"/>
-              </a:ext>
-            </a:extLst>
-          </a:blip>
-          <a:stretch>
-            <a:fillRect/>
-          </a:stretch>
-        </p:blipFill>
+        </p:nvSpPr>
         <p:spPr>
           <a:xfrm>
-            <a:off x="251520" y="1916832"/>
-            <a:ext cx="6373301" cy="4034196"/>
+            <a:off x="611560" y="4293096"/>
+            <a:ext cx="288032" cy="288032"/>
           </a:xfrm>
-          <a:prstGeom prst="rect">
+          <a:prstGeom prst="ellipse">
             <a:avLst/>
           </a:prstGeom>
+          <a:noFill/>
+          <a:ln>
+            <a:solidFill>
+              <a:srgbClr val="FF0000"/>
+            </a:solidFill>
+          </a:ln>
         </p:spPr>
-      </p:pic>
+        <p:style>
+          <a:lnRef idx="2">
+            <a:schemeClr val="accent1">
+              <a:shade val="50000"/>
+            </a:schemeClr>
+          </a:lnRef>
+          <a:fillRef idx="1">
+            <a:schemeClr val="accent1"/>
+          </a:fillRef>
+          <a:effectRef idx="0">
+            <a:schemeClr val="accent1"/>
+          </a:effectRef>
+          <a:fontRef idx="minor">
+            <a:schemeClr val="lt1"/>
+          </a:fontRef>
+        </p:style>
+        <p:txBody>
+          <a:bodyPr rtlCol="0" anchor="ctr"/>
+          <a:lstStyle/>
+          <a:p>
+            <a:pPr algn="ctr"/>
+            <a:r>
+              <a:rPr lang="en-US" altLang="ko-KR" sz="1200" dirty="0" smtClean="0">
+                <a:solidFill>
+                  <a:srgbClr val="FF0000"/>
+                </a:solidFill>
+              </a:rPr>
+              <a:t>1</a:t>
+            </a:r>
+            <a:endParaRPr lang="ko-KR" altLang="en-US" sz="1200" dirty="0">
+              <a:solidFill>
+                <a:srgbClr val="FF0000"/>
+              </a:solidFill>
+            </a:endParaRPr>
+          </a:p>
+        </p:txBody>
+      </p:sp>
+      <p:sp>
+        <p:nvSpPr>
+          <p:cNvPr id="7" name="타원 6"/>
+          <p:cNvSpPr/>
+          <p:nvPr/>
+        </p:nvSpPr>
+        <p:spPr>
+          <a:xfrm>
+            <a:off x="2699792" y="2924944"/>
+            <a:ext cx="288032" cy="288032"/>
+          </a:xfrm>
+          <a:prstGeom prst="ellipse">
+            <a:avLst/>
+          </a:prstGeom>
+          <a:noFill/>
+          <a:ln>
+            <a:solidFill>
+              <a:srgbClr val="FF0000"/>
+            </a:solidFill>
+          </a:ln>
+        </p:spPr>
+        <p:style>
+          <a:lnRef idx="2">
+            <a:schemeClr val="accent1">
+              <a:shade val="50000"/>
+            </a:schemeClr>
+          </a:lnRef>
+          <a:fillRef idx="1">
+            <a:schemeClr val="accent1"/>
+          </a:fillRef>
+          <a:effectRef idx="0">
+            <a:schemeClr val="accent1"/>
+          </a:effectRef>
+          <a:fontRef idx="minor">
+            <a:schemeClr val="lt1"/>
+          </a:fontRef>
+        </p:style>
+        <p:txBody>
+          <a:bodyPr rtlCol="0" anchor="ctr"/>
+          <a:lstStyle/>
+          <a:p>
+            <a:pPr algn="ctr"/>
+            <a:r>
+              <a:rPr lang="en-US" altLang="ko-KR" sz="1200" dirty="0">
+                <a:solidFill>
+                  <a:srgbClr val="FF0000"/>
+                </a:solidFill>
+              </a:rPr>
+              <a:t>2</a:t>
+            </a:r>
+            <a:endParaRPr lang="ko-KR" altLang="en-US" sz="1200" dirty="0">
+              <a:solidFill>
+                <a:srgbClr val="FF0000"/>
+              </a:solidFill>
+            </a:endParaRPr>
+          </a:p>
+        </p:txBody>
+      </p:sp>
+      <p:sp>
+        <p:nvSpPr>
+          <p:cNvPr id="8" name="타원 7"/>
+          <p:cNvSpPr/>
+          <p:nvPr/>
+        </p:nvSpPr>
+        <p:spPr>
+          <a:xfrm>
+            <a:off x="2051720" y="4869160"/>
+            <a:ext cx="288032" cy="288032"/>
+          </a:xfrm>
+          <a:prstGeom prst="ellipse">
+            <a:avLst/>
+          </a:prstGeom>
+          <a:noFill/>
+          <a:ln>
+            <a:solidFill>
+              <a:srgbClr val="FF0000"/>
+            </a:solidFill>
+          </a:ln>
+        </p:spPr>
+        <p:style>
+          <a:lnRef idx="2">
+            <a:schemeClr val="accent1">
+              <a:shade val="50000"/>
+            </a:schemeClr>
+          </a:lnRef>
+          <a:fillRef idx="1">
+            <a:schemeClr val="accent1"/>
+          </a:fillRef>
+          <a:effectRef idx="0">
+            <a:schemeClr val="accent1"/>
+          </a:effectRef>
+          <a:fontRef idx="minor">
+            <a:schemeClr val="lt1"/>
+          </a:fontRef>
+        </p:style>
+        <p:txBody>
+          <a:bodyPr rtlCol="0" anchor="ctr"/>
+          <a:lstStyle/>
+          <a:p>
+            <a:pPr algn="ctr"/>
+            <a:r>
+              <a:rPr lang="en-US" altLang="ko-KR" sz="1200" dirty="0">
+                <a:solidFill>
+                  <a:srgbClr val="FF0000"/>
+                </a:solidFill>
+              </a:rPr>
+              <a:t>3</a:t>
+            </a:r>
+            <a:endParaRPr lang="ko-KR" altLang="en-US" sz="1200" dirty="0">
+              <a:solidFill>
+                <a:srgbClr val="FF0000"/>
+              </a:solidFill>
+            </a:endParaRPr>
+          </a:p>
+        </p:txBody>
+      </p:sp>
+      <p:sp>
+        <p:nvSpPr>
+          <p:cNvPr id="9" name="타원 8"/>
+          <p:cNvSpPr/>
+          <p:nvPr/>
+        </p:nvSpPr>
+        <p:spPr>
+          <a:xfrm>
+            <a:off x="3707904" y="3758429"/>
+            <a:ext cx="288032" cy="288032"/>
+          </a:xfrm>
+          <a:prstGeom prst="ellipse">
+            <a:avLst/>
+          </a:prstGeom>
+          <a:noFill/>
+          <a:ln>
+            <a:solidFill>
+              <a:srgbClr val="FF0000"/>
+            </a:solidFill>
+          </a:ln>
+        </p:spPr>
+        <p:style>
+          <a:lnRef idx="2">
+            <a:schemeClr val="accent1">
+              <a:shade val="50000"/>
+            </a:schemeClr>
+          </a:lnRef>
+          <a:fillRef idx="1">
+            <a:schemeClr val="accent1"/>
+          </a:fillRef>
+          <a:effectRef idx="0">
+            <a:schemeClr val="accent1"/>
+          </a:effectRef>
+          <a:fontRef idx="minor">
+            <a:schemeClr val="lt1"/>
+          </a:fontRef>
+        </p:style>
+        <p:txBody>
+          <a:bodyPr rtlCol="0" anchor="ctr"/>
+          <a:lstStyle/>
+          <a:p>
+            <a:pPr algn="ctr"/>
+            <a:r>
+              <a:rPr lang="en-US" altLang="ko-KR" sz="1200" dirty="0">
+                <a:solidFill>
+                  <a:srgbClr val="FF0000"/>
+                </a:solidFill>
+              </a:rPr>
+              <a:t>4</a:t>
+            </a:r>
+            <a:endParaRPr lang="ko-KR" altLang="en-US" sz="1200" dirty="0">
+              <a:solidFill>
+                <a:srgbClr val="FF0000"/>
+              </a:solidFill>
+            </a:endParaRPr>
+          </a:p>
+        </p:txBody>
+      </p:sp>
+      <p:sp>
+        <p:nvSpPr>
+          <p:cNvPr id="10" name="타원 9"/>
+          <p:cNvSpPr/>
+          <p:nvPr/>
+        </p:nvSpPr>
+        <p:spPr>
+          <a:xfrm>
+            <a:off x="2548109" y="4434543"/>
+            <a:ext cx="288032" cy="288032"/>
+          </a:xfrm>
+          <a:prstGeom prst="ellipse">
+            <a:avLst/>
+          </a:prstGeom>
+          <a:noFill/>
+          <a:ln>
+            <a:solidFill>
+              <a:srgbClr val="FF0000"/>
+            </a:solidFill>
+          </a:ln>
+        </p:spPr>
+        <p:style>
+          <a:lnRef idx="2">
+            <a:schemeClr val="accent1">
+              <a:shade val="50000"/>
+            </a:schemeClr>
+          </a:lnRef>
+          <a:fillRef idx="1">
+            <a:schemeClr val="accent1"/>
+          </a:fillRef>
+          <a:effectRef idx="0">
+            <a:schemeClr val="accent1"/>
+          </a:effectRef>
+          <a:fontRef idx="minor">
+            <a:schemeClr val="lt1"/>
+          </a:fontRef>
+        </p:style>
+        <p:txBody>
+          <a:bodyPr rtlCol="0" anchor="ctr"/>
+          <a:lstStyle/>
+          <a:p>
+            <a:pPr algn="ctr"/>
+            <a:r>
+              <a:rPr lang="en-US" altLang="ko-KR" sz="1200" dirty="0" smtClean="0">
+                <a:solidFill>
+                  <a:srgbClr val="FF0000"/>
+                </a:solidFill>
+              </a:rPr>
+              <a:t>5</a:t>
+            </a:r>
+            <a:endParaRPr lang="ko-KR" altLang="en-US" sz="1200" dirty="0">
+              <a:solidFill>
+                <a:srgbClr val="FF0000"/>
+              </a:solidFill>
+            </a:endParaRPr>
+          </a:p>
+        </p:txBody>
+      </p:sp>
+      <p:sp>
+        <p:nvSpPr>
+          <p:cNvPr id="11" name="타원 10"/>
+          <p:cNvSpPr/>
+          <p:nvPr/>
+        </p:nvSpPr>
+        <p:spPr>
+          <a:xfrm>
+            <a:off x="2042497" y="5447118"/>
+            <a:ext cx="288032" cy="288032"/>
+          </a:xfrm>
+          <a:prstGeom prst="ellipse">
+            <a:avLst/>
+          </a:prstGeom>
+          <a:noFill/>
+          <a:ln>
+            <a:solidFill>
+              <a:srgbClr val="FF0000"/>
+            </a:solidFill>
+          </a:ln>
+        </p:spPr>
+        <p:style>
+          <a:lnRef idx="2">
+            <a:schemeClr val="accent1">
+              <a:shade val="50000"/>
+            </a:schemeClr>
+          </a:lnRef>
+          <a:fillRef idx="1">
+            <a:schemeClr val="accent1"/>
+          </a:fillRef>
+          <a:effectRef idx="0">
+            <a:schemeClr val="accent1"/>
+          </a:effectRef>
+          <a:fontRef idx="minor">
+            <a:schemeClr val="lt1"/>
+          </a:fontRef>
+        </p:style>
+        <p:txBody>
+          <a:bodyPr rtlCol="0" anchor="ctr"/>
+          <a:lstStyle/>
+          <a:p>
+            <a:pPr algn="ctr"/>
+            <a:r>
+              <a:rPr lang="en-US" altLang="ko-KR" sz="1200" dirty="0">
+                <a:solidFill>
+                  <a:srgbClr val="FF0000"/>
+                </a:solidFill>
+              </a:rPr>
+              <a:t>6</a:t>
+            </a:r>
+            <a:endParaRPr lang="ko-KR" altLang="en-US" sz="1200" dirty="0">
+              <a:solidFill>
+                <a:srgbClr val="FF0000"/>
+              </a:solidFill>
+            </a:endParaRPr>
+          </a:p>
+        </p:txBody>
+      </p:sp>
     </p:spTree>
     <p:extLst>
       <p:ext uri="{BB962C8B-B14F-4D97-AF65-F5344CB8AC3E}">
-        <p14:creationId xmlns:p14="http://schemas.microsoft.com/office/powerpoint/2010/main" val="2658417597"/>
+        <p14:creationId xmlns:p14="http://schemas.microsoft.com/office/powerpoint/2010/main" val="2910621045"/>
       </p:ext>
     </p:extLst>
   </p:cSld>
@@ -8592,7 +10200,7 @@
 </p:sld>
 </file>
 
-<file path=ppt/slides/slide6.xml><?xml version="1.0" encoding="utf-8"?>
+<file path=ppt/slides/slide7.xml><?xml version="1.0" encoding="utf-8"?>
 <p:sld xmlns:a="http://schemas.openxmlformats.org/drawingml/2006/main" xmlns:r="http://schemas.openxmlformats.org/officeDocument/2006/relationships" xmlns:p="http://schemas.openxmlformats.org/presentationml/2006/main">
   <p:cSld>
     <p:spTree>
@@ -8616,7 +10224,11 @@
             <a:graphicFrameLocks noGrp="1"/>
           </p:cNvGraphicFramePr>
           <p:nvPr>
-            <p:extLst/>
+            <p:extLst>
+              <p:ext uri="{D42A27DB-BD31-4B8C-83A1-F6EECF244321}">
+                <p14:modId xmlns:p14="http://schemas.microsoft.com/office/powerpoint/2010/main" val="2682049837"/>
+              </p:ext>
+            </p:extLst>
           </p:nvPr>
         </p:nvGraphicFramePr>
         <p:xfrm>
@@ -8700,29 +10312,68 @@
                     <a:bodyPr/>
                     <a:lstStyle/>
                     <a:p>
-                      <a:pPr algn="l" latinLnBrk="1"/>
-                      <a:r>
-                        <a:rPr lang="en-US" altLang="ko-KR" sz="1400" dirty="0">
+                      <a:pPr marL="342900" indent="-342900" algn="l" latinLnBrk="1">
+                        <a:buAutoNum type="arabicPeriod"/>
+                      </a:pPr>
+                      <a:r>
+                        <a:rPr lang="ko-KR" altLang="en-US" sz="1400" dirty="0" smtClean="0">
                           <a:latin typeface="+mn-ea"/>
                           <a:ea typeface="+mn-ea"/>
                         </a:rPr>
-                        <a:t>1.</a:t>
-                      </a:r>
-                      <a:r>
-                        <a:rPr lang="ko-KR" altLang="en-US" sz="1400" dirty="0">
+                        <a:t>아이디</a:t>
+                      </a:r>
+                      <a:r>
+                        <a:rPr lang="en-US" altLang="ko-KR" sz="1400" dirty="0" smtClean="0">
+                          <a:latin typeface="+mn-ea"/>
+                          <a:ea typeface="+mn-ea"/>
+                        </a:rPr>
+                        <a:t>,</a:t>
+                      </a:r>
+                      <a:r>
+                        <a:rPr lang="en-US" altLang="ko-KR" sz="1400" baseline="0" dirty="0" smtClean="0">
                           <a:latin typeface="+mn-ea"/>
                           <a:ea typeface="+mn-ea"/>
                         </a:rPr>
                         <a:t> </a:t>
                       </a:r>
                       <a:r>
-                        <a:rPr lang="ko-KR" altLang="en-US" sz="1400" dirty="0" smtClean="0">
+                        <a:rPr lang="ko-KR" altLang="en-US" sz="1400" baseline="0" dirty="0" smtClean="0">
                           <a:latin typeface="+mn-ea"/>
                           <a:ea typeface="+mn-ea"/>
                         </a:rPr>
-                        <a:t>사용자의 감정 선택</a:t>
-                      </a:r>
-                      <a:endParaRPr lang="ko-KR" altLang="en-US" sz="1400" dirty="0">
+                        <a:t>비번</a:t>
+                      </a:r>
+                      <a:r>
+                        <a:rPr lang="en-US" altLang="ko-KR" sz="1400" baseline="0" dirty="0" smtClean="0">
+                          <a:latin typeface="+mn-ea"/>
+                          <a:ea typeface="+mn-ea"/>
+                        </a:rPr>
+                        <a:t>, </a:t>
+                      </a:r>
+                      <a:r>
+                        <a:rPr lang="ko-KR" altLang="en-US" sz="1400" baseline="0" dirty="0" smtClean="0">
+                          <a:latin typeface="+mn-ea"/>
+                          <a:ea typeface="+mn-ea"/>
+                        </a:rPr>
+                        <a:t>메일 정규식 확인</a:t>
+                      </a:r>
+                      <a:endParaRPr lang="en-US" altLang="ko-KR" sz="1400" baseline="0" dirty="0" smtClean="0">
+                        <a:latin typeface="+mn-ea"/>
+                        <a:ea typeface="+mn-ea"/>
+                      </a:endParaRPr>
+                    </a:p>
+                    <a:p>
+                      <a:pPr marL="342900" indent="-342900" algn="l" latinLnBrk="1">
+                        <a:buAutoNum type="arabicPeriod"/>
+                      </a:pPr>
+                      <a:r>
+                        <a:rPr lang="ko-KR" altLang="en-US" sz="1400" baseline="0" dirty="0" smtClean="0">
+                          <a:latin typeface="+mn-ea"/>
+                          <a:ea typeface="+mn-ea"/>
+                        </a:rPr>
+                        <a:t>이미지 등록</a:t>
+                      </a:r>
+                      <a:endParaRPr lang="en-US" altLang="ko-KR" sz="1400" baseline="0" dirty="0" smtClean="0">
                         <a:latin typeface="+mn-ea"/>
                         <a:ea typeface="+mn-ea"/>
                       </a:endParaRPr>
@@ -8814,7 +10465,11 @@
             <a:graphicFrameLocks noGrp="1"/>
           </p:cNvGraphicFramePr>
           <p:nvPr>
-            <p:extLst/>
+            <p:extLst>
+              <p:ext uri="{D42A27DB-BD31-4B8C-83A1-F6EECF244321}">
+                <p14:modId xmlns:p14="http://schemas.microsoft.com/office/powerpoint/2010/main" val="2768178780"/>
+              </p:ext>
+            </p:extLst>
           </p:nvPr>
         </p:nvGraphicFramePr>
         <p:xfrm>
@@ -8880,11 +10535,7 @@
                       <a:pPr algn="ctr" latinLnBrk="1"/>
                       <a:r>
                         <a:rPr lang="ko-KR" altLang="en-US" sz="1400" dirty="0" smtClean="0"/>
-                        <a:t>감정 선택 </a:t>
-                      </a:r>
-                      <a:r>
-                        <a:rPr lang="ko-KR" altLang="en-US" sz="1400" dirty="0" err="1" smtClean="0"/>
-                        <a:t>모달창</a:t>
+                        <a:t>회원가입</a:t>
                       </a:r>
                       <a:endParaRPr lang="ko-KR" altLang="en-US" sz="1400" dirty="0"/>
                     </a:p>
@@ -8942,8 +10593,28 @@
                     <a:bodyPr/>
                     <a:lstStyle/>
                     <a:p>
-                      <a:pPr algn="ctr" latinLnBrk="1"/>
-                      <a:endParaRPr lang="ko-KR" altLang="en-US" sz="1400" dirty="0"/>
+                      <a:pPr marL="0" marR="0" indent="0" algn="ctr" defTabSz="914400" rtl="0" eaLnBrk="1" fontAlgn="auto" latinLnBrk="1" hangingPunct="1">
+                        <a:lnSpc>
+                          <a:spcPct val="100000"/>
+                        </a:lnSpc>
+                        <a:spcBef>
+                          <a:spcPts val="0"/>
+                        </a:spcBef>
+                        <a:spcAft>
+                          <a:spcPts val="0"/>
+                        </a:spcAft>
+                        <a:buClrTx/>
+                        <a:buSzTx/>
+                        <a:buFontTx/>
+                        <a:buNone/>
+                        <a:tabLst/>
+                        <a:defRPr/>
+                      </a:pPr>
+                      <a:r>
+                        <a:rPr lang="en-US" altLang="ko-KR" sz="1400" dirty="0" smtClean="0"/>
+                        <a:t>2021/05/04</a:t>
+                      </a:r>
+                      <a:endParaRPr lang="ko-KR" altLang="en-US" sz="1400" dirty="0" smtClean="0"/>
                     </a:p>
                   </a:txBody>
                   <a:tcPr/>
@@ -9043,10 +10714,150 @@
           </a:graphicData>
         </a:graphic>
       </p:graphicFrame>
+      <p:pic>
+        <p:nvPicPr>
+          <p:cNvPr id="2" name="그림 1"/>
+          <p:cNvPicPr>
+            <a:picLocks noChangeAspect="1"/>
+          </p:cNvPicPr>
+          <p:nvPr/>
+        </p:nvPicPr>
+        <p:blipFill>
+          <a:blip r:embed="rId2"/>
+          <a:stretch>
+            <a:fillRect/>
+          </a:stretch>
+        </p:blipFill>
+        <p:spPr>
+          <a:xfrm>
+            <a:off x="899592" y="1660361"/>
+            <a:ext cx="4896544" cy="4761412"/>
+          </a:xfrm>
+          <a:prstGeom prst="rect">
+            <a:avLst/>
+          </a:prstGeom>
+        </p:spPr>
+      </p:pic>
+      <p:sp>
+        <p:nvSpPr>
+          <p:cNvPr id="5" name="타원 4"/>
+          <p:cNvSpPr/>
+          <p:nvPr/>
+        </p:nvSpPr>
+        <p:spPr>
+          <a:xfrm>
+            <a:off x="4788024" y="5445224"/>
+            <a:ext cx="288032" cy="288032"/>
+          </a:xfrm>
+          <a:prstGeom prst="ellipse">
+            <a:avLst/>
+          </a:prstGeom>
+          <a:noFill/>
+          <a:ln>
+            <a:solidFill>
+              <a:srgbClr val="FF0000"/>
+            </a:solidFill>
+          </a:ln>
+        </p:spPr>
+        <p:style>
+          <a:lnRef idx="2">
+            <a:schemeClr val="accent1">
+              <a:shade val="50000"/>
+            </a:schemeClr>
+          </a:lnRef>
+          <a:fillRef idx="1">
+            <a:schemeClr val="accent1"/>
+          </a:fillRef>
+          <a:effectRef idx="0">
+            <a:schemeClr val="accent1"/>
+          </a:effectRef>
+          <a:fontRef idx="minor">
+            <a:schemeClr val="lt1"/>
+          </a:fontRef>
+        </p:style>
+        <p:txBody>
+          <a:bodyPr rtlCol="0" anchor="ctr"/>
+          <a:lstStyle/>
+          <a:p>
+            <a:pPr algn="ctr"/>
+            <a:r>
+              <a:rPr lang="en-US" altLang="ko-KR" sz="1200" dirty="0" smtClean="0">
+                <a:solidFill>
+                  <a:srgbClr val="FF0000"/>
+                </a:solidFill>
+              </a:rPr>
+              <a:t>2</a:t>
+            </a:r>
+            <a:endParaRPr lang="ko-KR" altLang="en-US" sz="1200" dirty="0">
+              <a:solidFill>
+                <a:srgbClr val="FF0000"/>
+              </a:solidFill>
+            </a:endParaRPr>
+          </a:p>
+        </p:txBody>
+      </p:sp>
+      <p:sp>
+        <p:nvSpPr>
+          <p:cNvPr id="6" name="타원 5"/>
+          <p:cNvSpPr/>
+          <p:nvPr/>
+        </p:nvSpPr>
+        <p:spPr>
+          <a:xfrm>
+            <a:off x="5292080" y="2132856"/>
+            <a:ext cx="288032" cy="288032"/>
+          </a:xfrm>
+          <a:prstGeom prst="ellipse">
+            <a:avLst/>
+          </a:prstGeom>
+          <a:noFill/>
+          <a:ln>
+            <a:solidFill>
+              <a:srgbClr val="FF0000"/>
+            </a:solidFill>
+          </a:ln>
+        </p:spPr>
+        <p:style>
+          <a:lnRef idx="2">
+            <a:schemeClr val="accent1">
+              <a:shade val="50000"/>
+            </a:schemeClr>
+          </a:lnRef>
+          <a:fillRef idx="1">
+            <a:schemeClr val="accent1"/>
+          </a:fillRef>
+          <a:effectRef idx="0">
+            <a:schemeClr val="accent1"/>
+          </a:effectRef>
+          <a:fontRef idx="minor">
+            <a:schemeClr val="lt1"/>
+          </a:fontRef>
+        </p:style>
+        <p:txBody>
+          <a:bodyPr rtlCol="0" anchor="ctr"/>
+          <a:lstStyle/>
+          <a:p>
+            <a:pPr algn="ctr"/>
+            <a:r>
+              <a:rPr lang="en-US" altLang="ko-KR" sz="1200" dirty="0" smtClean="0">
+                <a:solidFill>
+                  <a:srgbClr val="FF0000"/>
+                </a:solidFill>
+              </a:rPr>
+              <a:t>1</a:t>
+            </a:r>
+            <a:endParaRPr lang="ko-KR" altLang="en-US" sz="1200" dirty="0">
+              <a:solidFill>
+                <a:srgbClr val="FF0000"/>
+              </a:solidFill>
+            </a:endParaRPr>
+          </a:p>
+        </p:txBody>
+      </p:sp>
     </p:spTree>
     <p:extLst>
       <p:ext uri="{BB962C8B-B14F-4D97-AF65-F5344CB8AC3E}">
-        <p14:creationId xmlns:p14="http://schemas.microsoft.com/office/powerpoint/2010/main" val="2910621045"/>
+        <p14:creationId xmlns:p14="http://schemas.microsoft.com/office/powerpoint/2010/main" val="681417695"/>
       </p:ext>
     </p:extLst>
   </p:cSld>
@@ -9056,7 +10867,7 @@
 </p:sld>
 </file>
 
-<file path=ppt/slides/slide7.xml><?xml version="1.0" encoding="utf-8"?>
+<file path=ppt/slides/slide8.xml><?xml version="1.0" encoding="utf-8"?>
 <p:sld xmlns:a="http://schemas.openxmlformats.org/drawingml/2006/main" xmlns:r="http://schemas.openxmlformats.org/officeDocument/2006/relationships" xmlns:p="http://schemas.openxmlformats.org/presentationml/2006/main">
   <p:cSld>
     <p:spTree>
@@ -9080,7 +10891,11 @@
             <a:graphicFrameLocks noGrp="1"/>
           </p:cNvGraphicFramePr>
           <p:nvPr>
-            <p:extLst/>
+            <p:extLst>
+              <p:ext uri="{D42A27DB-BD31-4B8C-83A1-F6EECF244321}">
+                <p14:modId xmlns:p14="http://schemas.microsoft.com/office/powerpoint/2010/main" val="4002384791"/>
+              </p:ext>
+            </p:extLst>
           </p:nvPr>
         </p:nvGraphicFramePr>
         <p:xfrm>
@@ -9164,27 +10979,68 @@
                     <a:bodyPr/>
                     <a:lstStyle/>
                     <a:p>
-                      <a:pPr algn="l" latinLnBrk="1"/>
-                      <a:r>
-                        <a:rPr lang="en-US" altLang="ko-KR" sz="1400" dirty="0">
+                      <a:pPr marL="342900" indent="-342900" algn="l" latinLnBrk="1">
+                        <a:buAutoNum type="arabicPeriod"/>
+                      </a:pPr>
+                      <a:r>
+                        <a:rPr lang="ko-KR" altLang="en-US" sz="1400" dirty="0" err="1" smtClean="0">
                           <a:latin typeface="+mn-ea"/>
                           <a:ea typeface="+mn-ea"/>
                         </a:rPr>
-                        <a:t>1.</a:t>
-                      </a:r>
-                      <a:r>
-                        <a:rPr lang="ko-KR" altLang="en-US" sz="1400" dirty="0">
-                          <a:latin typeface="+mn-ea"/>
-                          <a:ea typeface="+mn-ea"/>
-                        </a:rPr>
-                        <a:t> </a:t>
+                        <a:t>찜보기</a:t>
                       </a:r>
                       <a:r>
                         <a:rPr lang="ko-KR" altLang="en-US" sz="1400" dirty="0" smtClean="0">
                           <a:latin typeface="+mn-ea"/>
                           <a:ea typeface="+mn-ea"/>
                         </a:rPr>
-                        <a:t>사용자의 감정 선택</a:t>
+                        <a:t> 목록으로 이동</a:t>
+                      </a:r>
+                      <a:endParaRPr lang="en-US" altLang="ko-KR" sz="1400" dirty="0" smtClean="0">
+                        <a:latin typeface="+mn-ea"/>
+                        <a:ea typeface="+mn-ea"/>
+                      </a:endParaRPr>
+                    </a:p>
+                    <a:p>
+                      <a:pPr marL="342900" indent="-342900" algn="l" latinLnBrk="1">
+                        <a:buAutoNum type="arabicPeriod"/>
+                      </a:pPr>
+                      <a:r>
+                        <a:rPr lang="ko-KR" altLang="en-US" sz="1400" dirty="0" err="1" smtClean="0">
+                          <a:latin typeface="+mn-ea"/>
+                          <a:ea typeface="+mn-ea"/>
+                        </a:rPr>
+                        <a:t>한줄평</a:t>
+                      </a:r>
+                      <a:r>
+                        <a:rPr lang="ko-KR" altLang="en-US" sz="1400" dirty="0" smtClean="0">
+                          <a:latin typeface="+mn-ea"/>
+                          <a:ea typeface="+mn-ea"/>
+                        </a:rPr>
+                        <a:t> 목록 이동</a:t>
+                      </a:r>
+                      <a:endParaRPr lang="en-US" altLang="ko-KR" sz="1400" dirty="0" smtClean="0">
+                        <a:latin typeface="+mn-ea"/>
+                        <a:ea typeface="+mn-ea"/>
+                      </a:endParaRPr>
+                    </a:p>
+                    <a:p>
+                      <a:pPr marL="342900" indent="-342900" algn="l" latinLnBrk="1">
+                        <a:buAutoNum type="arabicPeriod"/>
+                      </a:pPr>
+                      <a:r>
+                        <a:rPr lang="ko-KR" altLang="en-US" sz="1400" dirty="0" err="1" smtClean="0">
+                          <a:latin typeface="+mn-ea"/>
+                          <a:ea typeface="+mn-ea"/>
+                        </a:rPr>
+                        <a:t>수정페이지</a:t>
+                      </a:r>
+                      <a:r>
+                        <a:rPr lang="ko-KR" altLang="en-US" sz="1400" baseline="0" dirty="0" smtClean="0">
+                          <a:latin typeface="+mn-ea"/>
+                          <a:ea typeface="+mn-ea"/>
+                        </a:rPr>
+                        <a:t> 이동</a:t>
                       </a:r>
                       <a:endParaRPr lang="ko-KR" altLang="en-US" sz="1400" dirty="0">
                         <a:latin typeface="+mn-ea"/>
@@ -9278,7 +11134,11 @@
             <a:graphicFrameLocks noGrp="1"/>
           </p:cNvGraphicFramePr>
           <p:nvPr>
-            <p:extLst/>
+            <p:extLst>
+              <p:ext uri="{D42A27DB-BD31-4B8C-83A1-F6EECF244321}">
+                <p14:modId xmlns:p14="http://schemas.microsoft.com/office/powerpoint/2010/main" val="3115935938"/>
+              </p:ext>
+            </p:extLst>
           </p:nvPr>
         </p:nvGraphicFramePr>
         <p:xfrm>
@@ -9343,12 +11203,8 @@
                     <a:p>
                       <a:pPr algn="ctr" latinLnBrk="1"/>
                       <a:r>
-                        <a:rPr lang="ko-KR" altLang="en-US" sz="1400" dirty="0" smtClean="0"/>
-                        <a:t>감정 선택 </a:t>
-                      </a:r>
-                      <a:r>
                         <a:rPr lang="ko-KR" altLang="en-US" sz="1400" dirty="0" err="1" smtClean="0"/>
-                        <a:t>모달창</a:t>
+                        <a:t>마이페이지</a:t>
                       </a:r>
                       <a:endParaRPr lang="ko-KR" altLang="en-US" sz="1400" dirty="0"/>
                     </a:p>
@@ -9406,8 +11262,28 @@
                     <a:bodyPr/>
                     <a:lstStyle/>
                     <a:p>
-                      <a:pPr algn="ctr" latinLnBrk="1"/>
-                      <a:endParaRPr lang="ko-KR" altLang="en-US" sz="1400" dirty="0"/>
+                      <a:pPr marL="0" marR="0" indent="0" algn="ctr" defTabSz="914400" rtl="0" eaLnBrk="1" fontAlgn="auto" latinLnBrk="1" hangingPunct="1">
+                        <a:lnSpc>
+                          <a:spcPct val="100000"/>
+                        </a:lnSpc>
+                        <a:spcBef>
+                          <a:spcPts val="0"/>
+                        </a:spcBef>
+                        <a:spcAft>
+                          <a:spcPts val="0"/>
+                        </a:spcAft>
+                        <a:buClrTx/>
+                        <a:buSzTx/>
+                        <a:buFontTx/>
+                        <a:buNone/>
+                        <a:tabLst/>
+                        <a:defRPr/>
+                      </a:pPr>
+                      <a:r>
+                        <a:rPr lang="en-US" altLang="ko-KR" sz="1400" dirty="0" smtClean="0"/>
+                        <a:t>2021/05/04</a:t>
+                      </a:r>
+                      <a:endParaRPr lang="ko-KR" altLang="en-US" sz="1400" dirty="0" smtClean="0"/>
                     </a:p>
                   </a:txBody>
                   <a:tcPr/>
@@ -9507,10 +11383,208 @@
           </a:graphicData>
         </a:graphic>
       </p:graphicFrame>
+      <p:pic>
+        <p:nvPicPr>
+          <p:cNvPr id="2" name="그림 1"/>
+          <p:cNvPicPr>
+            <a:picLocks noChangeAspect="1"/>
+          </p:cNvPicPr>
+          <p:nvPr/>
+        </p:nvPicPr>
+        <p:blipFill>
+          <a:blip r:embed="rId2"/>
+          <a:stretch>
+            <a:fillRect/>
+          </a:stretch>
+        </p:blipFill>
+        <p:spPr>
+          <a:xfrm>
+            <a:off x="179512" y="1354317"/>
+            <a:ext cx="5372100" cy="3752850"/>
+          </a:xfrm>
+          <a:prstGeom prst="rect">
+            <a:avLst/>
+          </a:prstGeom>
+        </p:spPr>
+      </p:pic>
+      <p:sp>
+        <p:nvSpPr>
+          <p:cNvPr id="5" name="타원 4"/>
+          <p:cNvSpPr/>
+          <p:nvPr/>
+        </p:nvSpPr>
+        <p:spPr>
+          <a:xfrm>
+            <a:off x="3059832" y="4005064"/>
+            <a:ext cx="288032" cy="288032"/>
+          </a:xfrm>
+          <a:prstGeom prst="ellipse">
+            <a:avLst/>
+          </a:prstGeom>
+          <a:noFill/>
+          <a:ln>
+            <a:solidFill>
+              <a:srgbClr val="FF0000"/>
+            </a:solidFill>
+          </a:ln>
+        </p:spPr>
+        <p:style>
+          <a:lnRef idx="2">
+            <a:schemeClr val="accent1">
+              <a:shade val="50000"/>
+            </a:schemeClr>
+          </a:lnRef>
+          <a:fillRef idx="1">
+            <a:schemeClr val="accent1"/>
+          </a:fillRef>
+          <a:effectRef idx="0">
+            <a:schemeClr val="accent1"/>
+          </a:effectRef>
+          <a:fontRef idx="minor">
+            <a:schemeClr val="lt1"/>
+          </a:fontRef>
+        </p:style>
+        <p:txBody>
+          <a:bodyPr rtlCol="0" anchor="ctr"/>
+          <a:lstStyle/>
+          <a:p>
+            <a:pPr algn="ctr"/>
+            <a:r>
+              <a:rPr lang="en-US" altLang="ko-KR" sz="1200" dirty="0" smtClean="0">
+                <a:solidFill>
+                  <a:srgbClr val="FF0000"/>
+                </a:solidFill>
+              </a:rPr>
+              <a:t>1</a:t>
+            </a:r>
+            <a:endParaRPr lang="ko-KR" altLang="en-US" sz="1200" dirty="0">
+              <a:solidFill>
+                <a:srgbClr val="FF0000"/>
+              </a:solidFill>
+            </a:endParaRPr>
+          </a:p>
+        </p:txBody>
+      </p:sp>
+      <p:sp>
+        <p:nvSpPr>
+          <p:cNvPr id="8" name="타원 7"/>
+          <p:cNvSpPr/>
+          <p:nvPr/>
+        </p:nvSpPr>
+        <p:spPr>
+          <a:xfrm>
+            <a:off x="4017690" y="4005064"/>
+            <a:ext cx="288032" cy="288032"/>
+          </a:xfrm>
+          <a:prstGeom prst="ellipse">
+            <a:avLst/>
+          </a:prstGeom>
+          <a:noFill/>
+          <a:ln>
+            <a:solidFill>
+              <a:srgbClr val="FF0000"/>
+            </a:solidFill>
+          </a:ln>
+        </p:spPr>
+        <p:style>
+          <a:lnRef idx="2">
+            <a:schemeClr val="accent1">
+              <a:shade val="50000"/>
+            </a:schemeClr>
+          </a:lnRef>
+          <a:fillRef idx="1">
+            <a:schemeClr val="accent1"/>
+          </a:fillRef>
+          <a:effectRef idx="0">
+            <a:schemeClr val="accent1"/>
+          </a:effectRef>
+          <a:fontRef idx="minor">
+            <a:schemeClr val="lt1"/>
+          </a:fontRef>
+        </p:style>
+        <p:txBody>
+          <a:bodyPr rtlCol="0" anchor="ctr"/>
+          <a:lstStyle/>
+          <a:p>
+            <a:pPr algn="ctr"/>
+            <a:r>
+              <a:rPr lang="en-US" altLang="ko-KR" sz="1200" dirty="0" smtClean="0">
+                <a:solidFill>
+                  <a:srgbClr val="FF0000"/>
+                </a:solidFill>
+              </a:rPr>
+              <a:t>2</a:t>
+            </a:r>
+            <a:endParaRPr lang="ko-KR" altLang="en-US" sz="1200" dirty="0">
+              <a:solidFill>
+                <a:srgbClr val="FF0000"/>
+              </a:solidFill>
+            </a:endParaRPr>
+          </a:p>
+        </p:txBody>
+      </p:sp>
+      <p:sp>
+        <p:nvSpPr>
+          <p:cNvPr id="9" name="타원 8"/>
+          <p:cNvSpPr/>
+          <p:nvPr/>
+        </p:nvSpPr>
+        <p:spPr>
+          <a:xfrm>
+            <a:off x="5148064" y="3987647"/>
+            <a:ext cx="288032" cy="290399"/>
+          </a:xfrm>
+          <a:prstGeom prst="ellipse">
+            <a:avLst/>
+          </a:prstGeom>
+          <a:noFill/>
+          <a:ln>
+            <a:solidFill>
+              <a:srgbClr val="FF0000"/>
+            </a:solidFill>
+          </a:ln>
+        </p:spPr>
+        <p:style>
+          <a:lnRef idx="2">
+            <a:schemeClr val="accent1">
+              <a:shade val="50000"/>
+            </a:schemeClr>
+          </a:lnRef>
+          <a:fillRef idx="1">
+            <a:schemeClr val="accent1"/>
+          </a:fillRef>
+          <a:effectRef idx="0">
+            <a:schemeClr val="accent1"/>
+          </a:effectRef>
+          <a:fontRef idx="minor">
+            <a:schemeClr val="lt1"/>
+          </a:fontRef>
+        </p:style>
+        <p:txBody>
+          <a:bodyPr rtlCol="0" anchor="ctr"/>
+          <a:lstStyle/>
+          <a:p>
+            <a:pPr algn="ctr"/>
+            <a:r>
+              <a:rPr lang="en-US" altLang="ko-KR" sz="1200" dirty="0" smtClean="0">
+                <a:solidFill>
+                  <a:srgbClr val="FF0000"/>
+                </a:solidFill>
+              </a:rPr>
+              <a:t>3</a:t>
+            </a:r>
+            <a:endParaRPr lang="ko-KR" altLang="en-US" sz="1200" dirty="0">
+              <a:solidFill>
+                <a:srgbClr val="FF0000"/>
+              </a:solidFill>
+            </a:endParaRPr>
+          </a:p>
+        </p:txBody>
+      </p:sp>
     </p:spTree>
     <p:extLst>
       <p:ext uri="{BB962C8B-B14F-4D97-AF65-F5344CB8AC3E}">
-        <p14:creationId xmlns:p14="http://schemas.microsoft.com/office/powerpoint/2010/main" val="681417695"/>
+        <p14:creationId xmlns:p14="http://schemas.microsoft.com/office/powerpoint/2010/main" val="4071277950"/>
       </p:ext>
     </p:extLst>
   </p:cSld>
@@ -9520,7 +11594,7 @@
 </p:sld>
 </file>
 
-<file path=ppt/slides/slide8.xml><?xml version="1.0" encoding="utf-8"?>
+<file path=ppt/slides/slide9.xml><?xml version="1.0" encoding="utf-8"?>
 <p:sld xmlns:a="http://schemas.openxmlformats.org/drawingml/2006/main" xmlns:r="http://schemas.openxmlformats.org/officeDocument/2006/relationships" xmlns:p="http://schemas.openxmlformats.org/presentationml/2006/main">
   <p:cSld>
     <p:spTree>
@@ -9544,7 +11618,11 @@
             <a:graphicFrameLocks noGrp="1"/>
           </p:cNvGraphicFramePr>
           <p:nvPr>
-            <p:extLst/>
+            <p:extLst>
+              <p:ext uri="{D42A27DB-BD31-4B8C-83A1-F6EECF244321}">
+                <p14:modId xmlns:p14="http://schemas.microsoft.com/office/powerpoint/2010/main" val="3579235949"/>
+              </p:ext>
+            </p:extLst>
           </p:nvPr>
         </p:nvGraphicFramePr>
         <p:xfrm>
@@ -9634,21 +11712,21 @@
                           <a:latin typeface="+mn-ea"/>
                           <a:ea typeface="+mn-ea"/>
                         </a:rPr>
-                        <a:t>1.</a:t>
-                      </a:r>
-                      <a:r>
-                        <a:rPr lang="ko-KR" altLang="en-US" sz="1400" dirty="0">
+                        <a:t>1</a:t>
+                      </a:r>
+                      <a:r>
+                        <a:rPr lang="en-US" altLang="ko-KR" sz="1400" dirty="0" smtClean="0">
                           <a:latin typeface="+mn-ea"/>
                           <a:ea typeface="+mn-ea"/>
                         </a:rPr>
-                        <a:t> </a:t>
-                      </a:r>
-                      <a:r>
-                        <a:rPr lang="ko-KR" altLang="en-US" sz="1400" dirty="0" smtClean="0">
+                        <a:t>.</a:t>
+                      </a:r>
+                      <a:r>
+                        <a:rPr lang="ko-KR" altLang="en-US" sz="1400" baseline="0" dirty="0" smtClean="0">
                           <a:latin typeface="+mn-ea"/>
                           <a:ea typeface="+mn-ea"/>
                         </a:rPr>
-                        <a:t>사용자의 감정 선택</a:t>
+                        <a:t> 정보 수정</a:t>
                       </a:r>
                       <a:endParaRPr lang="ko-KR" altLang="en-US" sz="1400" dirty="0">
                         <a:latin typeface="+mn-ea"/>
@@ -9742,7 +11820,11 @@
             <a:graphicFrameLocks noGrp="1"/>
           </p:cNvGraphicFramePr>
           <p:nvPr>
-            <p:extLst/>
+            <p:extLst>
+              <p:ext uri="{D42A27DB-BD31-4B8C-83A1-F6EECF244321}">
+                <p14:modId xmlns:p14="http://schemas.microsoft.com/office/powerpoint/2010/main" val="4093412022"/>
+              </p:ext>
+            </p:extLst>
           </p:nvPr>
         </p:nvGraphicFramePr>
         <p:xfrm>
@@ -9807,12 +11889,12 @@
                     <a:p>
                       <a:pPr algn="ctr" latinLnBrk="1"/>
                       <a:r>
+                        <a:rPr lang="ko-KR" altLang="en-US" sz="1400" dirty="0" err="1" smtClean="0"/>
+                        <a:t>마이페이지</a:t>
+                      </a:r>
+                      <a:r>
                         <a:rPr lang="ko-KR" altLang="en-US" sz="1400" dirty="0" smtClean="0"/>
-                        <a:t>감정 선택 </a:t>
-                      </a:r>
-                      <a:r>
-                        <a:rPr lang="ko-KR" altLang="en-US" sz="1400" dirty="0" err="1" smtClean="0"/>
-                        <a:t>모달창</a:t>
+                        <a:t> 수정</a:t>
                       </a:r>
                       <a:endParaRPr lang="ko-KR" altLang="en-US" sz="1400" dirty="0"/>
                     </a:p>
@@ -9870,8 +11952,28 @@
                     <a:bodyPr/>
                     <a:lstStyle/>
                     <a:p>
-                      <a:pPr algn="ctr" latinLnBrk="1"/>
-                      <a:endParaRPr lang="ko-KR" altLang="en-US" sz="1400" dirty="0"/>
+                      <a:pPr marL="0" marR="0" indent="0" algn="ctr" defTabSz="914400" rtl="0" eaLnBrk="1" fontAlgn="auto" latinLnBrk="1" hangingPunct="1">
+                        <a:lnSpc>
+                          <a:spcPct val="100000"/>
+                        </a:lnSpc>
+                        <a:spcBef>
+                          <a:spcPts val="0"/>
+                        </a:spcBef>
+                        <a:spcAft>
+                          <a:spcPts val="0"/>
+                        </a:spcAft>
+                        <a:buClrTx/>
+                        <a:buSzTx/>
+                        <a:buFontTx/>
+                        <a:buNone/>
+                        <a:tabLst/>
+                        <a:defRPr/>
+                      </a:pPr>
+                      <a:r>
+                        <a:rPr lang="en-US" altLang="ko-KR" sz="1400" dirty="0" smtClean="0"/>
+                        <a:t>2021/05/04</a:t>
+                      </a:r>
+                      <a:endParaRPr lang="ko-KR" altLang="en-US" sz="1400" dirty="0" smtClean="0"/>
                     </a:p>
                   </a:txBody>
                   <a:tcPr/>
@@ -9971,470 +12073,88 @@
           </a:graphicData>
         </a:graphic>
       </p:graphicFrame>
-    </p:spTree>
-    <p:extLst>
-      <p:ext uri="{BB962C8B-B14F-4D97-AF65-F5344CB8AC3E}">
-        <p14:creationId xmlns:p14="http://schemas.microsoft.com/office/powerpoint/2010/main" val="4071277950"/>
-      </p:ext>
-    </p:extLst>
-  </p:cSld>
-  <p:clrMapOvr>
-    <a:masterClrMapping/>
-  </p:clrMapOvr>
-</p:sld>
-</file>
-
-<file path=ppt/slides/slide9.xml><?xml version="1.0" encoding="utf-8"?>
-<p:sld xmlns:a="http://schemas.openxmlformats.org/drawingml/2006/main" xmlns:r="http://schemas.openxmlformats.org/officeDocument/2006/relationships" xmlns:p="http://schemas.openxmlformats.org/presentationml/2006/main">
-  <p:cSld>
-    <p:spTree>
-      <p:nvGrpSpPr>
-        <p:cNvPr id="1" name=""/>
-        <p:cNvGrpSpPr/>
-        <p:nvPr/>
-      </p:nvGrpSpPr>
-      <p:grpSpPr>
-        <a:xfrm>
-          <a:off x="0" y="0"/>
-          <a:ext cx="0" cy="0"/>
-          <a:chOff x="0" y="0"/>
-          <a:chExt cx="0" cy="0"/>
-        </a:xfrm>
-      </p:grpSpPr>
-      <p:graphicFrame>
-        <p:nvGraphicFramePr>
-          <p:cNvPr id="29" name="표 28"/>
-          <p:cNvGraphicFramePr>
-            <a:graphicFrameLocks noGrp="1"/>
-          </p:cNvGraphicFramePr>
-          <p:nvPr>
-            <p:extLst/>
-          </p:nvPr>
-        </p:nvGraphicFramePr>
-        <p:xfrm>
-          <a:off x="107504" y="1340767"/>
-          <a:ext cx="8926314" cy="5400601"/>
-        </p:xfrm>
-        <a:graphic>
-          <a:graphicData uri="http://schemas.openxmlformats.org/drawingml/2006/table">
-            <a:tbl>
-              <a:tblPr firstRow="1" bandRow="1">
-                <a:tableStyleId>{5940675A-B579-460E-94D1-54222C63F5DA}</a:tableStyleId>
-              </a:tblPr>
-              <a:tblGrid>
-                <a:gridCol w="6694067">
-                  <a:extLst>
-                    <a:ext uri="{9D8B030D-6E8A-4147-A177-3AD203B41FA5}">
-                      <a16:colId xmlns:a16="http://schemas.microsoft.com/office/drawing/2014/main" val="20000"/>
-                    </a:ext>
-                  </a:extLst>
-                </a:gridCol>
-                <a:gridCol w="2232247">
-                  <a:extLst>
-                    <a:ext uri="{9D8B030D-6E8A-4147-A177-3AD203B41FA5}">
-                      <a16:colId xmlns:a16="http://schemas.microsoft.com/office/drawing/2014/main" val="20001"/>
-                    </a:ext>
-                  </a:extLst>
-                </a:gridCol>
-              </a:tblGrid>
-              <a:tr h="308280">
-                <a:tc rowSpan="4">
-                  <a:txBody>
-                    <a:bodyPr/>
-                    <a:lstStyle/>
-                    <a:p>
-                      <a:pPr algn="ctr" latinLnBrk="1"/>
-                      <a:endParaRPr lang="ko-KR" altLang="en-US" sz="1400" dirty="0">
-                        <a:latin typeface="+mn-ea"/>
-                        <a:ea typeface="+mn-ea"/>
-                      </a:endParaRPr>
-                    </a:p>
-                  </a:txBody>
-                  <a:tcPr/>
-                </a:tc>
-                <a:tc>
-                  <a:txBody>
-                    <a:bodyPr/>
-                    <a:lstStyle/>
-                    <a:p>
-                      <a:pPr algn="ctr" latinLnBrk="1"/>
-                      <a:r>
-                        <a:rPr lang="ko-KR" altLang="en-US" sz="1400" dirty="0">
-                          <a:latin typeface="+mn-ea"/>
-                          <a:ea typeface="+mn-ea"/>
-                        </a:rPr>
-                        <a:t>기 능</a:t>
-                      </a:r>
-                    </a:p>
-                  </a:txBody>
-                  <a:tcPr/>
-                </a:tc>
-                <a:extLst>
-                  <a:ext uri="{0D108BD9-81ED-4DB2-BD59-A6C34878D82A}">
-                    <a16:rowId xmlns:a16="http://schemas.microsoft.com/office/drawing/2014/main" val="10000"/>
-                  </a:ext>
-                </a:extLst>
-              </a:tr>
-              <a:tr h="3478885">
-                <a:tc vMerge="1">
-                  <a:txBody>
-                    <a:bodyPr/>
-                    <a:lstStyle/>
-                    <a:p>
-                      <a:pPr latinLnBrk="1"/>
-                      <a:endParaRPr lang="ko-KR" altLang="en-US" dirty="0"/>
-                    </a:p>
-                  </a:txBody>
-                  <a:tcPr/>
-                </a:tc>
-                <a:tc>
-                  <a:txBody>
-                    <a:bodyPr/>
-                    <a:lstStyle/>
-                    <a:p>
-                      <a:pPr algn="l" latinLnBrk="1"/>
-                      <a:r>
-                        <a:rPr lang="en-US" altLang="ko-KR" sz="1400" dirty="0">
-                          <a:latin typeface="+mn-ea"/>
-                          <a:ea typeface="+mn-ea"/>
-                        </a:rPr>
-                        <a:t>1.</a:t>
-                      </a:r>
-                      <a:r>
-                        <a:rPr lang="ko-KR" altLang="en-US" sz="1400" dirty="0">
-                          <a:latin typeface="+mn-ea"/>
-                          <a:ea typeface="+mn-ea"/>
-                        </a:rPr>
-                        <a:t> </a:t>
-                      </a:r>
-                      <a:r>
-                        <a:rPr lang="ko-KR" altLang="en-US" sz="1400" dirty="0" smtClean="0">
-                          <a:latin typeface="+mn-ea"/>
-                          <a:ea typeface="+mn-ea"/>
-                        </a:rPr>
-                        <a:t>사용자의 감정 선택</a:t>
-                      </a:r>
-                      <a:endParaRPr lang="ko-KR" altLang="en-US" sz="1400" dirty="0">
-                        <a:latin typeface="+mn-ea"/>
-                        <a:ea typeface="+mn-ea"/>
-                      </a:endParaRPr>
-                    </a:p>
-                  </a:txBody>
-                  <a:tcPr/>
-                </a:tc>
-                <a:extLst>
-                  <a:ext uri="{0D108BD9-81ED-4DB2-BD59-A6C34878D82A}">
-                    <a16:rowId xmlns:a16="http://schemas.microsoft.com/office/drawing/2014/main" val="10001"/>
-                  </a:ext>
-                </a:extLst>
-              </a:tr>
-              <a:tr h="308280">
-                <a:tc vMerge="1">
-                  <a:txBody>
-                    <a:bodyPr/>
-                    <a:lstStyle/>
-                    <a:p>
-                      <a:pPr latinLnBrk="1"/>
-                      <a:endParaRPr lang="ko-KR" altLang="en-US" dirty="0"/>
-                    </a:p>
-                  </a:txBody>
-                  <a:tcPr/>
-                </a:tc>
-                <a:tc>
-                  <a:txBody>
-                    <a:bodyPr/>
-                    <a:lstStyle/>
-                    <a:p>
-                      <a:pPr algn="ctr" latinLnBrk="1"/>
-                      <a:r>
-                        <a:rPr lang="ko-KR" altLang="en-US" sz="1400" dirty="0">
-                          <a:latin typeface="+mn-ea"/>
-                          <a:ea typeface="+mn-ea"/>
-                        </a:rPr>
-                        <a:t>비 고</a:t>
-                      </a:r>
-                    </a:p>
-                  </a:txBody>
-                  <a:tcPr/>
-                </a:tc>
-                <a:extLst>
-                  <a:ext uri="{0D108BD9-81ED-4DB2-BD59-A6C34878D82A}">
-                    <a16:rowId xmlns:a16="http://schemas.microsoft.com/office/drawing/2014/main" val="10002"/>
-                  </a:ext>
-                </a:extLst>
-              </a:tr>
-              <a:tr h="1305156">
-                <a:tc vMerge="1">
-                  <a:txBody>
-                    <a:bodyPr/>
-                    <a:lstStyle/>
-                    <a:p>
-                      <a:pPr latinLnBrk="1"/>
-                      <a:endParaRPr lang="ko-KR" altLang="en-US" dirty="0"/>
-                    </a:p>
-                  </a:txBody>
-                  <a:tcPr/>
-                </a:tc>
-                <a:tc>
-                  <a:txBody>
-                    <a:bodyPr/>
-                    <a:lstStyle/>
-                    <a:p>
-                      <a:pPr algn="l" latinLnBrk="1"/>
-                      <a:endParaRPr lang="ko-KR" altLang="en-US" sz="1400" dirty="0">
-                        <a:latin typeface="+mn-ea"/>
-                        <a:ea typeface="+mn-ea"/>
-                      </a:endParaRPr>
-                    </a:p>
-                  </a:txBody>
-                  <a:tcPr/>
-                </a:tc>
-                <a:extLst>
-                  <a:ext uri="{0D108BD9-81ED-4DB2-BD59-A6C34878D82A}">
-                    <a16:rowId xmlns:a16="http://schemas.microsoft.com/office/drawing/2014/main" val="10003"/>
-                  </a:ext>
-                </a:extLst>
-              </a:tr>
-            </a:tbl>
-          </a:graphicData>
-        </a:graphic>
-      </p:graphicFrame>
-      <p:graphicFrame>
-        <p:nvGraphicFramePr>
-          <p:cNvPr id="27" name="표 26"/>
-          <p:cNvGraphicFramePr>
-            <a:graphicFrameLocks noGrp="1"/>
-          </p:cNvGraphicFramePr>
-          <p:nvPr>
-            <p:extLst/>
-          </p:nvPr>
-        </p:nvGraphicFramePr>
-        <p:xfrm>
-          <a:off x="107504" y="156239"/>
-          <a:ext cx="8928992" cy="1112520"/>
-        </p:xfrm>
-        <a:graphic>
-          <a:graphicData uri="http://schemas.openxmlformats.org/drawingml/2006/table">
-            <a:tbl>
-              <a:tblPr firstRow="1" bandRow="1">
-                <a:tableStyleId>{5940675A-B579-460E-94D1-54222C63F5DA}</a:tableStyleId>
-              </a:tblPr>
-              <a:tblGrid>
-                <a:gridCol w="1152128">
-                  <a:extLst>
-                    <a:ext uri="{9D8B030D-6E8A-4147-A177-3AD203B41FA5}">
-                      <a16:colId xmlns:a16="http://schemas.microsoft.com/office/drawing/2014/main" val="20000"/>
-                    </a:ext>
-                  </a:extLst>
-                </a:gridCol>
-                <a:gridCol w="3312368">
-                  <a:extLst>
-                    <a:ext uri="{9D8B030D-6E8A-4147-A177-3AD203B41FA5}">
-                      <a16:colId xmlns:a16="http://schemas.microsoft.com/office/drawing/2014/main" val="20001"/>
-                    </a:ext>
-                  </a:extLst>
-                </a:gridCol>
-                <a:gridCol w="1152128">
-                  <a:extLst>
-                    <a:ext uri="{9D8B030D-6E8A-4147-A177-3AD203B41FA5}">
-                      <a16:colId xmlns:a16="http://schemas.microsoft.com/office/drawing/2014/main" val="20002"/>
-                    </a:ext>
-                  </a:extLst>
-                </a:gridCol>
-                <a:gridCol w="3312368">
-                  <a:extLst>
-                    <a:ext uri="{9D8B030D-6E8A-4147-A177-3AD203B41FA5}">
-                      <a16:colId xmlns:a16="http://schemas.microsoft.com/office/drawing/2014/main" val="20003"/>
-                    </a:ext>
-                  </a:extLst>
-                </a:gridCol>
-              </a:tblGrid>
-              <a:tr h="370840">
-                <a:tc>
-                  <a:txBody>
-                    <a:bodyPr/>
-                    <a:lstStyle/>
-                    <a:p>
-                      <a:pPr algn="ctr" latinLnBrk="1"/>
-                      <a:r>
-                        <a:rPr lang="ko-KR" altLang="en-US" sz="1400" dirty="0"/>
-                        <a:t>기 능 명</a:t>
-                      </a:r>
-                    </a:p>
-                  </a:txBody>
-                  <a:tcPr/>
-                </a:tc>
-                <a:tc>
-                  <a:txBody>
-                    <a:bodyPr/>
-                    <a:lstStyle/>
-                    <a:p>
-                      <a:pPr algn="ctr" latinLnBrk="1"/>
-                      <a:r>
-                        <a:rPr lang="ko-KR" altLang="en-US" sz="1400" dirty="0" smtClean="0"/>
-                        <a:t>감정 선택 </a:t>
-                      </a:r>
-                      <a:r>
-                        <a:rPr lang="ko-KR" altLang="en-US" sz="1400" dirty="0" err="1" smtClean="0"/>
-                        <a:t>모달창</a:t>
-                      </a:r>
-                      <a:endParaRPr lang="ko-KR" altLang="en-US" sz="1400" dirty="0"/>
-                    </a:p>
-                  </a:txBody>
-                  <a:tcPr/>
-                </a:tc>
-                <a:tc>
-                  <a:txBody>
-                    <a:bodyPr/>
-                    <a:lstStyle/>
-                    <a:p>
-                      <a:pPr algn="ctr" latinLnBrk="1"/>
-                      <a:r>
-                        <a:rPr lang="ko-KR" altLang="en-US" sz="1400" dirty="0"/>
-                        <a:t>담당자</a:t>
-                      </a:r>
-                    </a:p>
-                  </a:txBody>
-                  <a:tcPr/>
-                </a:tc>
-                <a:tc>
-                  <a:txBody>
-                    <a:bodyPr/>
-                    <a:lstStyle/>
-                    <a:p>
-                      <a:pPr algn="ctr" latinLnBrk="1"/>
-                      <a:endParaRPr lang="ko-KR" altLang="en-US" sz="1400" dirty="0"/>
-                    </a:p>
-                  </a:txBody>
-                  <a:tcPr/>
-                </a:tc>
-                <a:extLst>
-                  <a:ext uri="{0D108BD9-81ED-4DB2-BD59-A6C34878D82A}">
-                    <a16:rowId xmlns:a16="http://schemas.microsoft.com/office/drawing/2014/main" val="10000"/>
-                  </a:ext>
-                </a:extLst>
-              </a:tr>
-              <a:tr h="370840">
-                <a:tc>
-                  <a:txBody>
-                    <a:bodyPr/>
-                    <a:lstStyle/>
-                    <a:p>
-                      <a:pPr algn="ctr" latinLnBrk="1"/>
-                      <a:r>
-                        <a:rPr lang="ko-KR" altLang="en-US" sz="1400" dirty="0"/>
-                        <a:t>작성일자</a:t>
-                      </a:r>
-                    </a:p>
-                  </a:txBody>
-                  <a:tcPr/>
-                </a:tc>
-                <a:tc>
-                  <a:txBody>
-                    <a:bodyPr/>
-                    <a:lstStyle/>
-                    <a:p>
-                      <a:pPr algn="ctr" latinLnBrk="1"/>
-                      <a:endParaRPr lang="ko-KR" altLang="en-US" sz="1400" dirty="0"/>
-                    </a:p>
-                  </a:txBody>
-                  <a:tcPr/>
-                </a:tc>
-                <a:tc>
-                  <a:txBody>
-                    <a:bodyPr/>
-                    <a:lstStyle/>
-                    <a:p>
-                      <a:pPr algn="ctr" latinLnBrk="1"/>
-                      <a:r>
-                        <a:rPr lang="en-US" altLang="ko-KR" sz="1400" dirty="0" smtClean="0"/>
-                        <a:t> Request</a:t>
-                      </a:r>
-                      <a:endParaRPr lang="ko-KR" altLang="en-US" sz="1400" dirty="0"/>
-                    </a:p>
-                  </a:txBody>
-                  <a:tcPr/>
-                </a:tc>
-                <a:tc>
-                  <a:txBody>
-                    <a:bodyPr/>
-                    <a:lstStyle/>
-                    <a:p>
-                      <a:pPr algn="ctr" latinLnBrk="1"/>
-                      <a:endParaRPr lang="ko-KR" altLang="en-US" sz="1400" dirty="0"/>
-                    </a:p>
-                  </a:txBody>
-                  <a:tcPr/>
-                </a:tc>
-                <a:extLst>
-                  <a:ext uri="{0D108BD9-81ED-4DB2-BD59-A6C34878D82A}">
-                    <a16:rowId xmlns:a16="http://schemas.microsoft.com/office/drawing/2014/main" val="10001"/>
-                  </a:ext>
-                </a:extLst>
-              </a:tr>
-              <a:tr h="370840">
-                <a:tc>
-                  <a:txBody>
-                    <a:bodyPr/>
-                    <a:lstStyle/>
-                    <a:p>
-                      <a:pPr algn="ctr" latinLnBrk="1"/>
-                      <a:r>
-                        <a:rPr lang="en-US" altLang="ko-KR" sz="1400" dirty="0"/>
-                        <a:t>Controller</a:t>
-                      </a:r>
-                      <a:endParaRPr lang="ko-KR" altLang="en-US" sz="1400" dirty="0"/>
-                    </a:p>
-                  </a:txBody>
-                  <a:tcPr/>
-                </a:tc>
-                <a:tc>
-                  <a:txBody>
-                    <a:bodyPr/>
-                    <a:lstStyle/>
-                    <a:p>
-                      <a:pPr algn="ctr" latinLnBrk="1"/>
-                      <a:endParaRPr lang="ko-KR" altLang="en-US" sz="1400" dirty="0"/>
-                    </a:p>
-                  </a:txBody>
-                  <a:tcPr/>
-                </a:tc>
-                <a:tc>
-                  <a:txBody>
-                    <a:bodyPr/>
-                    <a:lstStyle/>
-                    <a:p>
-                      <a:pPr algn="ctr" latinLnBrk="1"/>
-                      <a:r>
-                        <a:rPr lang="en-US" altLang="ko-KR" sz="1400" dirty="0"/>
-                        <a:t>View</a:t>
-                      </a:r>
-                      <a:endParaRPr lang="ko-KR" altLang="en-US" sz="1400" dirty="0"/>
-                    </a:p>
-                  </a:txBody>
-                  <a:tcPr/>
-                </a:tc>
-                <a:tc>
-                  <a:txBody>
-                    <a:bodyPr/>
-                    <a:lstStyle/>
-                    <a:p>
-                      <a:pPr algn="ctr" latinLnBrk="1"/>
-                      <a:endParaRPr lang="ko-KR" altLang="en-US" sz="1400" dirty="0"/>
-                    </a:p>
-                  </a:txBody>
-                  <a:tcPr/>
-                </a:tc>
-                <a:extLst>
-                  <a:ext uri="{0D108BD9-81ED-4DB2-BD59-A6C34878D82A}">
-                    <a16:rowId xmlns:a16="http://schemas.microsoft.com/office/drawing/2014/main" val="10002"/>
-                  </a:ext>
-                </a:extLst>
-              </a:tr>
-            </a:tbl>
-          </a:graphicData>
-        </a:graphic>
-      </p:graphicFrame>
+      <p:pic>
+        <p:nvPicPr>
+          <p:cNvPr id="2" name="그림 1"/>
+          <p:cNvPicPr>
+            <a:picLocks noChangeAspect="1"/>
+          </p:cNvPicPr>
+          <p:nvPr/>
+        </p:nvPicPr>
+        <p:blipFill>
+          <a:blip r:embed="rId2"/>
+          <a:stretch>
+            <a:fillRect/>
+          </a:stretch>
+        </p:blipFill>
+        <p:spPr>
+          <a:xfrm>
+            <a:off x="179512" y="1484784"/>
+            <a:ext cx="5056277" cy="4032448"/>
+          </a:xfrm>
+          <a:prstGeom prst="rect">
+            <a:avLst/>
+          </a:prstGeom>
+        </p:spPr>
+      </p:pic>
+      <p:sp>
+        <p:nvSpPr>
+          <p:cNvPr id="5" name="타원 4"/>
+          <p:cNvSpPr/>
+          <p:nvPr/>
+        </p:nvSpPr>
+        <p:spPr>
+          <a:xfrm>
+            <a:off x="4716016" y="3140968"/>
+            <a:ext cx="288032" cy="288032"/>
+          </a:xfrm>
+          <a:prstGeom prst="ellipse">
+            <a:avLst/>
+          </a:prstGeom>
+          <a:noFill/>
+          <a:ln>
+            <a:solidFill>
+              <a:srgbClr val="FF0000"/>
+            </a:solidFill>
+          </a:ln>
+        </p:spPr>
+        <p:style>
+          <a:lnRef idx="2">
+            <a:schemeClr val="accent1">
+              <a:shade val="50000"/>
+            </a:schemeClr>
+          </a:lnRef>
+          <a:fillRef idx="1">
+            <a:schemeClr val="accent1"/>
+          </a:fillRef>
+          <a:effectRef idx="0">
+            <a:schemeClr val="accent1"/>
+          </a:effectRef>
+          <a:fontRef idx="minor">
+            <a:schemeClr val="lt1"/>
+          </a:fontRef>
+        </p:style>
+        <p:txBody>
+          <a:bodyPr rtlCol="0" anchor="ctr"/>
+          <a:lstStyle/>
+          <a:p>
+            <a:pPr algn="ctr"/>
+            <a:r>
+              <a:rPr lang="en-US" altLang="ko-KR" sz="1200" dirty="0" smtClean="0">
+                <a:solidFill>
+                  <a:srgbClr val="FF0000"/>
+                </a:solidFill>
+              </a:rPr>
+              <a:t>1</a:t>
+            </a:r>
+            <a:endParaRPr lang="ko-KR" altLang="en-US" sz="1200" dirty="0">
+              <a:solidFill>
+                <a:srgbClr val="FF0000"/>
+              </a:solidFill>
+            </a:endParaRPr>
+          </a:p>
+        </p:txBody>
+      </p:sp>
     </p:spTree>
     <p:extLst>
       <p:ext uri="{BB962C8B-B14F-4D97-AF65-F5344CB8AC3E}">

--- a/gitTest/doc/스토리보드.pptx
+++ b/gitTest/doc/스토리보드.pptx
@@ -11,15 +11,15 @@
     <p:sldId id="737" r:id="rId2"/>
     <p:sldId id="738" r:id="rId3"/>
     <p:sldId id="740" r:id="rId4"/>
-    <p:sldId id="741" r:id="rId5"/>
-    <p:sldId id="742" r:id="rId6"/>
-    <p:sldId id="743" r:id="rId7"/>
-    <p:sldId id="744" r:id="rId8"/>
-    <p:sldId id="745" r:id="rId9"/>
-    <p:sldId id="746" r:id="rId10"/>
-    <p:sldId id="747" r:id="rId11"/>
-    <p:sldId id="748" r:id="rId12"/>
-    <p:sldId id="749" r:id="rId13"/>
+    <p:sldId id="749" r:id="rId5"/>
+    <p:sldId id="741" r:id="rId6"/>
+    <p:sldId id="742" r:id="rId7"/>
+    <p:sldId id="743" r:id="rId8"/>
+    <p:sldId id="744" r:id="rId9"/>
+    <p:sldId id="745" r:id="rId10"/>
+    <p:sldId id="746" r:id="rId11"/>
+    <p:sldId id="747" r:id="rId12"/>
+    <p:sldId id="748" r:id="rId13"/>
     <p:sldId id="750" r:id="rId14"/>
   </p:sldIdLst>
   <p:sldSz cx="9144000" cy="6858000" type="screen4x3"/>
@@ -220,7 +220,7 @@
           <a:p>
             <a:fld id="{474E43AB-D65E-4692-9979-1CB25FBEE8F0}" type="datetimeFigureOut">
               <a:rPr lang="ko-KR" altLang="en-US" smtClean="0"/>
-              <a:t>2021-05-04</a:t>
+              <a:t>2021-05-06</a:t>
             </a:fld>
             <a:endParaRPr lang="ko-KR" altLang="en-US"/>
           </a:p>
@@ -630,7 +630,7 @@
           <a:p>
             <a:fld id="{C4B1E9EF-E936-4E4D-835D-44E73345338A}" type="datetimeFigureOut">
               <a:rPr lang="ko-KR" altLang="en-US" smtClean="0"/>
-              <a:t>2021-05-04</a:t>
+              <a:t>2021-05-06</a:t>
             </a:fld>
             <a:endParaRPr lang="ko-KR" altLang="en-US"/>
           </a:p>
@@ -989,7 +989,7 @@
           <a:p>
             <a:fld id="{C4B1E9EF-E936-4E4D-835D-44E73345338A}" type="datetimeFigureOut">
               <a:rPr lang="ko-KR" altLang="en-US" smtClean="0"/>
-              <a:t>2021-05-04</a:t>
+              <a:t>2021-05-06</a:t>
             </a:fld>
             <a:endParaRPr lang="ko-KR" altLang="en-US"/>
           </a:p>
@@ -1164,7 +1164,7 @@
           <a:p>
             <a:fld id="{C4B1E9EF-E936-4E4D-835D-44E73345338A}" type="datetimeFigureOut">
               <a:rPr lang="ko-KR" altLang="en-US" smtClean="0"/>
-              <a:t>2021-05-04</a:t>
+              <a:t>2021-05-06</a:t>
             </a:fld>
             <a:endParaRPr lang="ko-KR" altLang="en-US"/>
           </a:p>
@@ -1399,7 +1399,7 @@
           <a:p>
             <a:fld id="{C4B1E9EF-E936-4E4D-835D-44E73345338A}" type="datetimeFigureOut">
               <a:rPr lang="ko-KR" altLang="en-US" smtClean="0"/>
-              <a:t>2021-05-04</a:t>
+              <a:t>2021-05-06</a:t>
             </a:fld>
             <a:endParaRPr lang="ko-KR" altLang="en-US"/>
           </a:p>
@@ -1668,7 +1668,7 @@
           <a:p>
             <a:fld id="{C4B1E9EF-E936-4E4D-835D-44E73345338A}" type="datetimeFigureOut">
               <a:rPr lang="ko-KR" altLang="en-US" smtClean="0"/>
-              <a:t>2021-05-04</a:t>
+              <a:t>2021-05-06</a:t>
             </a:fld>
             <a:endParaRPr lang="ko-KR" altLang="en-US"/>
           </a:p>
@@ -1888,7 +1888,7 @@
           <a:p>
             <a:fld id="{C4B1E9EF-E936-4E4D-835D-44E73345338A}" type="datetimeFigureOut">
               <a:rPr lang="ko-KR" altLang="en-US" smtClean="0"/>
-              <a:t>2021-05-04</a:t>
+              <a:t>2021-05-06</a:t>
             </a:fld>
             <a:endParaRPr lang="ko-KR" altLang="en-US"/>
           </a:p>
@@ -2240,7 +2240,7 @@
           <a:p>
             <a:fld id="{C4B1E9EF-E936-4E4D-835D-44E73345338A}" type="datetimeFigureOut">
               <a:rPr lang="ko-KR" altLang="en-US" smtClean="0"/>
-              <a:t>2021-05-04</a:t>
+              <a:t>2021-05-06</a:t>
             </a:fld>
             <a:endParaRPr lang="ko-KR" altLang="en-US"/>
           </a:p>
@@ -2472,7 +2472,7 @@
           <a:p>
             <a:fld id="{C4B1E9EF-E936-4E4D-835D-44E73345338A}" type="datetimeFigureOut">
               <a:rPr lang="ko-KR" altLang="en-US" smtClean="0"/>
-              <a:t>2021-05-04</a:t>
+              <a:t>2021-05-06</a:t>
             </a:fld>
             <a:endParaRPr lang="ko-KR" altLang="en-US"/>
           </a:p>
@@ -2612,7 +2612,7 @@
           <a:p>
             <a:fld id="{C4B1E9EF-E936-4E4D-835D-44E73345338A}" type="datetimeFigureOut">
               <a:rPr lang="ko-KR" altLang="en-US" smtClean="0"/>
-              <a:t>2021-05-04</a:t>
+              <a:t>2021-05-06</a:t>
             </a:fld>
             <a:endParaRPr lang="ko-KR" altLang="en-US"/>
           </a:p>
@@ -2889,7 +2889,7 @@
           <a:p>
             <a:fld id="{C4B1E9EF-E936-4E4D-835D-44E73345338A}" type="datetimeFigureOut">
               <a:rPr lang="ko-KR" altLang="en-US" smtClean="0"/>
-              <a:t>2021-05-04</a:t>
+              <a:t>2021-05-06</a:t>
             </a:fld>
             <a:endParaRPr lang="ko-KR" altLang="en-US"/>
           </a:p>
@@ -3296,7 +3296,7 @@
           <a:p>
             <a:fld id="{C4B1E9EF-E936-4E4D-835D-44E73345338A}" type="datetimeFigureOut">
               <a:rPr lang="ko-KR" altLang="en-US" smtClean="0"/>
-              <a:t>2021-05-04</a:t>
+              <a:t>2021-05-06</a:t>
             </a:fld>
             <a:endParaRPr lang="ko-KR" altLang="en-US"/>
           </a:p>
@@ -3634,7 +3634,7 @@
           <a:p>
             <a:fld id="{C4B1E9EF-E936-4E4D-835D-44E73345338A}" type="datetimeFigureOut">
               <a:rPr lang="ko-KR" altLang="en-US" smtClean="0"/>
-              <a:t>2021-05-04</a:t>
+              <a:t>2021-05-06</a:t>
             </a:fld>
             <a:endParaRPr lang="ko-KR" altLang="en-US"/>
           </a:p>
@@ -4283,6 +4283,580 @@
           <p:nvPr>
             <p:extLst>
               <p:ext uri="{D42A27DB-BD31-4B8C-83A1-F6EECF244321}">
+                <p14:modId xmlns:p14="http://schemas.microsoft.com/office/powerpoint/2010/main" val="3579235949"/>
+              </p:ext>
+            </p:extLst>
+          </p:nvPr>
+        </p:nvGraphicFramePr>
+        <p:xfrm>
+          <a:off x="107504" y="1340767"/>
+          <a:ext cx="8926314" cy="5400601"/>
+        </p:xfrm>
+        <a:graphic>
+          <a:graphicData uri="http://schemas.openxmlformats.org/drawingml/2006/table">
+            <a:tbl>
+              <a:tblPr firstRow="1" bandRow="1">
+                <a:tableStyleId>{5940675A-B579-460E-94D1-54222C63F5DA}</a:tableStyleId>
+              </a:tblPr>
+              <a:tblGrid>
+                <a:gridCol w="6694067">
+                  <a:extLst>
+                    <a:ext uri="{9D8B030D-6E8A-4147-A177-3AD203B41FA5}">
+                      <a16:colId xmlns:a16="http://schemas.microsoft.com/office/drawing/2014/main" val="20000"/>
+                    </a:ext>
+                  </a:extLst>
+                </a:gridCol>
+                <a:gridCol w="2232247">
+                  <a:extLst>
+                    <a:ext uri="{9D8B030D-6E8A-4147-A177-3AD203B41FA5}">
+                      <a16:colId xmlns:a16="http://schemas.microsoft.com/office/drawing/2014/main" val="20001"/>
+                    </a:ext>
+                  </a:extLst>
+                </a:gridCol>
+              </a:tblGrid>
+              <a:tr h="308280">
+                <a:tc rowSpan="4">
+                  <a:txBody>
+                    <a:bodyPr/>
+                    <a:lstStyle/>
+                    <a:p>
+                      <a:pPr algn="ctr" latinLnBrk="1"/>
+                      <a:endParaRPr lang="ko-KR" altLang="en-US" sz="1400" dirty="0">
+                        <a:latin typeface="+mn-ea"/>
+                        <a:ea typeface="+mn-ea"/>
+                      </a:endParaRPr>
+                    </a:p>
+                  </a:txBody>
+                  <a:tcPr/>
+                </a:tc>
+                <a:tc>
+                  <a:txBody>
+                    <a:bodyPr/>
+                    <a:lstStyle/>
+                    <a:p>
+                      <a:pPr algn="ctr" latinLnBrk="1"/>
+                      <a:r>
+                        <a:rPr lang="ko-KR" altLang="en-US" sz="1400" dirty="0">
+                          <a:latin typeface="+mn-ea"/>
+                          <a:ea typeface="+mn-ea"/>
+                        </a:rPr>
+                        <a:t>기 능</a:t>
+                      </a:r>
+                    </a:p>
+                  </a:txBody>
+                  <a:tcPr/>
+                </a:tc>
+                <a:extLst>
+                  <a:ext uri="{0D108BD9-81ED-4DB2-BD59-A6C34878D82A}">
+                    <a16:rowId xmlns:a16="http://schemas.microsoft.com/office/drawing/2014/main" val="10000"/>
+                  </a:ext>
+                </a:extLst>
+              </a:tr>
+              <a:tr h="3478885">
+                <a:tc vMerge="1">
+                  <a:txBody>
+                    <a:bodyPr/>
+                    <a:lstStyle/>
+                    <a:p>
+                      <a:pPr latinLnBrk="1"/>
+                      <a:endParaRPr lang="ko-KR" altLang="en-US" dirty="0"/>
+                    </a:p>
+                  </a:txBody>
+                  <a:tcPr/>
+                </a:tc>
+                <a:tc>
+                  <a:txBody>
+                    <a:bodyPr/>
+                    <a:lstStyle/>
+                    <a:p>
+                      <a:pPr algn="l" latinLnBrk="1"/>
+                      <a:r>
+                        <a:rPr lang="en-US" altLang="ko-KR" sz="1400" dirty="0">
+                          <a:latin typeface="+mn-ea"/>
+                          <a:ea typeface="+mn-ea"/>
+                        </a:rPr>
+                        <a:t>1</a:t>
+                      </a:r>
+                      <a:r>
+                        <a:rPr lang="en-US" altLang="ko-KR" sz="1400" dirty="0" smtClean="0">
+                          <a:latin typeface="+mn-ea"/>
+                          <a:ea typeface="+mn-ea"/>
+                        </a:rPr>
+                        <a:t>.</a:t>
+                      </a:r>
+                      <a:r>
+                        <a:rPr lang="ko-KR" altLang="en-US" sz="1400" baseline="0" dirty="0" smtClean="0">
+                          <a:latin typeface="+mn-ea"/>
+                          <a:ea typeface="+mn-ea"/>
+                        </a:rPr>
+                        <a:t> 정보 수정</a:t>
+                      </a:r>
+                      <a:endParaRPr lang="ko-KR" altLang="en-US" sz="1400" dirty="0">
+                        <a:latin typeface="+mn-ea"/>
+                        <a:ea typeface="+mn-ea"/>
+                      </a:endParaRPr>
+                    </a:p>
+                  </a:txBody>
+                  <a:tcPr/>
+                </a:tc>
+                <a:extLst>
+                  <a:ext uri="{0D108BD9-81ED-4DB2-BD59-A6C34878D82A}">
+                    <a16:rowId xmlns:a16="http://schemas.microsoft.com/office/drawing/2014/main" val="10001"/>
+                  </a:ext>
+                </a:extLst>
+              </a:tr>
+              <a:tr h="308280">
+                <a:tc vMerge="1">
+                  <a:txBody>
+                    <a:bodyPr/>
+                    <a:lstStyle/>
+                    <a:p>
+                      <a:pPr latinLnBrk="1"/>
+                      <a:endParaRPr lang="ko-KR" altLang="en-US" dirty="0"/>
+                    </a:p>
+                  </a:txBody>
+                  <a:tcPr/>
+                </a:tc>
+                <a:tc>
+                  <a:txBody>
+                    <a:bodyPr/>
+                    <a:lstStyle/>
+                    <a:p>
+                      <a:pPr algn="ctr" latinLnBrk="1"/>
+                      <a:r>
+                        <a:rPr lang="ko-KR" altLang="en-US" sz="1400" dirty="0">
+                          <a:latin typeface="+mn-ea"/>
+                          <a:ea typeface="+mn-ea"/>
+                        </a:rPr>
+                        <a:t>비 고</a:t>
+                      </a:r>
+                    </a:p>
+                  </a:txBody>
+                  <a:tcPr/>
+                </a:tc>
+                <a:extLst>
+                  <a:ext uri="{0D108BD9-81ED-4DB2-BD59-A6C34878D82A}">
+                    <a16:rowId xmlns:a16="http://schemas.microsoft.com/office/drawing/2014/main" val="10002"/>
+                  </a:ext>
+                </a:extLst>
+              </a:tr>
+              <a:tr h="1305156">
+                <a:tc vMerge="1">
+                  <a:txBody>
+                    <a:bodyPr/>
+                    <a:lstStyle/>
+                    <a:p>
+                      <a:pPr latinLnBrk="1"/>
+                      <a:endParaRPr lang="ko-KR" altLang="en-US" dirty="0"/>
+                    </a:p>
+                  </a:txBody>
+                  <a:tcPr/>
+                </a:tc>
+                <a:tc>
+                  <a:txBody>
+                    <a:bodyPr/>
+                    <a:lstStyle/>
+                    <a:p>
+                      <a:pPr algn="l" latinLnBrk="1"/>
+                      <a:endParaRPr lang="ko-KR" altLang="en-US" sz="1400" dirty="0">
+                        <a:latin typeface="+mn-ea"/>
+                        <a:ea typeface="+mn-ea"/>
+                      </a:endParaRPr>
+                    </a:p>
+                  </a:txBody>
+                  <a:tcPr/>
+                </a:tc>
+                <a:extLst>
+                  <a:ext uri="{0D108BD9-81ED-4DB2-BD59-A6C34878D82A}">
+                    <a16:rowId xmlns:a16="http://schemas.microsoft.com/office/drawing/2014/main" val="10003"/>
+                  </a:ext>
+                </a:extLst>
+              </a:tr>
+            </a:tbl>
+          </a:graphicData>
+        </a:graphic>
+      </p:graphicFrame>
+      <p:graphicFrame>
+        <p:nvGraphicFramePr>
+          <p:cNvPr id="27" name="표 26"/>
+          <p:cNvGraphicFramePr>
+            <a:graphicFrameLocks noGrp="1"/>
+          </p:cNvGraphicFramePr>
+          <p:nvPr>
+            <p:extLst>
+              <p:ext uri="{D42A27DB-BD31-4B8C-83A1-F6EECF244321}">
+                <p14:modId xmlns:p14="http://schemas.microsoft.com/office/powerpoint/2010/main" val="4093412022"/>
+              </p:ext>
+            </p:extLst>
+          </p:nvPr>
+        </p:nvGraphicFramePr>
+        <p:xfrm>
+          <a:off x="107504" y="156239"/>
+          <a:ext cx="8928992" cy="1112520"/>
+        </p:xfrm>
+        <a:graphic>
+          <a:graphicData uri="http://schemas.openxmlformats.org/drawingml/2006/table">
+            <a:tbl>
+              <a:tblPr firstRow="1" bandRow="1">
+                <a:tableStyleId>{5940675A-B579-460E-94D1-54222C63F5DA}</a:tableStyleId>
+              </a:tblPr>
+              <a:tblGrid>
+                <a:gridCol w="1152128">
+                  <a:extLst>
+                    <a:ext uri="{9D8B030D-6E8A-4147-A177-3AD203B41FA5}">
+                      <a16:colId xmlns:a16="http://schemas.microsoft.com/office/drawing/2014/main" val="20000"/>
+                    </a:ext>
+                  </a:extLst>
+                </a:gridCol>
+                <a:gridCol w="3312368">
+                  <a:extLst>
+                    <a:ext uri="{9D8B030D-6E8A-4147-A177-3AD203B41FA5}">
+                      <a16:colId xmlns:a16="http://schemas.microsoft.com/office/drawing/2014/main" val="20001"/>
+                    </a:ext>
+                  </a:extLst>
+                </a:gridCol>
+                <a:gridCol w="1152128">
+                  <a:extLst>
+                    <a:ext uri="{9D8B030D-6E8A-4147-A177-3AD203B41FA5}">
+                      <a16:colId xmlns:a16="http://schemas.microsoft.com/office/drawing/2014/main" val="20002"/>
+                    </a:ext>
+                  </a:extLst>
+                </a:gridCol>
+                <a:gridCol w="3312368">
+                  <a:extLst>
+                    <a:ext uri="{9D8B030D-6E8A-4147-A177-3AD203B41FA5}">
+                      <a16:colId xmlns:a16="http://schemas.microsoft.com/office/drawing/2014/main" val="20003"/>
+                    </a:ext>
+                  </a:extLst>
+                </a:gridCol>
+              </a:tblGrid>
+              <a:tr h="370840">
+                <a:tc>
+                  <a:txBody>
+                    <a:bodyPr/>
+                    <a:lstStyle/>
+                    <a:p>
+                      <a:pPr algn="ctr" latinLnBrk="1"/>
+                      <a:r>
+                        <a:rPr lang="ko-KR" altLang="en-US" sz="1400" dirty="0"/>
+                        <a:t>기 능 명</a:t>
+                      </a:r>
+                    </a:p>
+                  </a:txBody>
+                  <a:tcPr/>
+                </a:tc>
+                <a:tc>
+                  <a:txBody>
+                    <a:bodyPr/>
+                    <a:lstStyle/>
+                    <a:p>
+                      <a:pPr algn="ctr" latinLnBrk="1"/>
+                      <a:r>
+                        <a:rPr lang="ko-KR" altLang="en-US" sz="1400" dirty="0" err="1" smtClean="0"/>
+                        <a:t>마이페이지</a:t>
+                      </a:r>
+                      <a:r>
+                        <a:rPr lang="ko-KR" altLang="en-US" sz="1400" dirty="0" smtClean="0"/>
+                        <a:t> 수정</a:t>
+                      </a:r>
+                      <a:endParaRPr lang="ko-KR" altLang="en-US" sz="1400" dirty="0"/>
+                    </a:p>
+                  </a:txBody>
+                  <a:tcPr/>
+                </a:tc>
+                <a:tc>
+                  <a:txBody>
+                    <a:bodyPr/>
+                    <a:lstStyle/>
+                    <a:p>
+                      <a:pPr algn="ctr" latinLnBrk="1"/>
+                      <a:r>
+                        <a:rPr lang="ko-KR" altLang="en-US" sz="1400" dirty="0"/>
+                        <a:t>담당자</a:t>
+                      </a:r>
+                    </a:p>
+                  </a:txBody>
+                  <a:tcPr/>
+                </a:tc>
+                <a:tc>
+                  <a:txBody>
+                    <a:bodyPr/>
+                    <a:lstStyle/>
+                    <a:p>
+                      <a:pPr algn="ctr" latinLnBrk="1"/>
+                      <a:endParaRPr lang="ko-KR" altLang="en-US" sz="1400" dirty="0"/>
+                    </a:p>
+                  </a:txBody>
+                  <a:tcPr/>
+                </a:tc>
+                <a:extLst>
+                  <a:ext uri="{0D108BD9-81ED-4DB2-BD59-A6C34878D82A}">
+                    <a16:rowId xmlns:a16="http://schemas.microsoft.com/office/drawing/2014/main" val="10000"/>
+                  </a:ext>
+                </a:extLst>
+              </a:tr>
+              <a:tr h="370840">
+                <a:tc>
+                  <a:txBody>
+                    <a:bodyPr/>
+                    <a:lstStyle/>
+                    <a:p>
+                      <a:pPr algn="ctr" latinLnBrk="1"/>
+                      <a:r>
+                        <a:rPr lang="ko-KR" altLang="en-US" sz="1400" dirty="0"/>
+                        <a:t>작성일자</a:t>
+                      </a:r>
+                    </a:p>
+                  </a:txBody>
+                  <a:tcPr/>
+                </a:tc>
+                <a:tc>
+                  <a:txBody>
+                    <a:bodyPr/>
+                    <a:lstStyle/>
+                    <a:p>
+                      <a:pPr marL="0" marR="0" indent="0" algn="ctr" defTabSz="914400" rtl="0" eaLnBrk="1" fontAlgn="auto" latinLnBrk="1" hangingPunct="1">
+                        <a:lnSpc>
+                          <a:spcPct val="100000"/>
+                        </a:lnSpc>
+                        <a:spcBef>
+                          <a:spcPts val="0"/>
+                        </a:spcBef>
+                        <a:spcAft>
+                          <a:spcPts val="0"/>
+                        </a:spcAft>
+                        <a:buClrTx/>
+                        <a:buSzTx/>
+                        <a:buFontTx/>
+                        <a:buNone/>
+                        <a:tabLst/>
+                        <a:defRPr/>
+                      </a:pPr>
+                      <a:r>
+                        <a:rPr lang="en-US" altLang="ko-KR" sz="1400" dirty="0" smtClean="0"/>
+                        <a:t>2021/05/04</a:t>
+                      </a:r>
+                      <a:endParaRPr lang="ko-KR" altLang="en-US" sz="1400" dirty="0" smtClean="0"/>
+                    </a:p>
+                  </a:txBody>
+                  <a:tcPr/>
+                </a:tc>
+                <a:tc>
+                  <a:txBody>
+                    <a:bodyPr/>
+                    <a:lstStyle/>
+                    <a:p>
+                      <a:pPr algn="ctr" latinLnBrk="1"/>
+                      <a:r>
+                        <a:rPr lang="en-US" altLang="ko-KR" sz="1400" dirty="0" smtClean="0"/>
+                        <a:t> Request</a:t>
+                      </a:r>
+                      <a:endParaRPr lang="ko-KR" altLang="en-US" sz="1400" dirty="0"/>
+                    </a:p>
+                  </a:txBody>
+                  <a:tcPr/>
+                </a:tc>
+                <a:tc>
+                  <a:txBody>
+                    <a:bodyPr/>
+                    <a:lstStyle/>
+                    <a:p>
+                      <a:pPr algn="ctr" latinLnBrk="1"/>
+                      <a:endParaRPr lang="ko-KR" altLang="en-US" sz="1400" dirty="0"/>
+                    </a:p>
+                  </a:txBody>
+                  <a:tcPr/>
+                </a:tc>
+                <a:extLst>
+                  <a:ext uri="{0D108BD9-81ED-4DB2-BD59-A6C34878D82A}">
+                    <a16:rowId xmlns:a16="http://schemas.microsoft.com/office/drawing/2014/main" val="10001"/>
+                  </a:ext>
+                </a:extLst>
+              </a:tr>
+              <a:tr h="370840">
+                <a:tc>
+                  <a:txBody>
+                    <a:bodyPr/>
+                    <a:lstStyle/>
+                    <a:p>
+                      <a:pPr algn="ctr" latinLnBrk="1"/>
+                      <a:r>
+                        <a:rPr lang="en-US" altLang="ko-KR" sz="1400" dirty="0"/>
+                        <a:t>Controller</a:t>
+                      </a:r>
+                      <a:endParaRPr lang="ko-KR" altLang="en-US" sz="1400" dirty="0"/>
+                    </a:p>
+                  </a:txBody>
+                  <a:tcPr/>
+                </a:tc>
+                <a:tc>
+                  <a:txBody>
+                    <a:bodyPr/>
+                    <a:lstStyle/>
+                    <a:p>
+                      <a:pPr algn="ctr" latinLnBrk="1"/>
+                      <a:endParaRPr lang="ko-KR" altLang="en-US" sz="1400" dirty="0"/>
+                    </a:p>
+                  </a:txBody>
+                  <a:tcPr/>
+                </a:tc>
+                <a:tc>
+                  <a:txBody>
+                    <a:bodyPr/>
+                    <a:lstStyle/>
+                    <a:p>
+                      <a:pPr algn="ctr" latinLnBrk="1"/>
+                      <a:r>
+                        <a:rPr lang="en-US" altLang="ko-KR" sz="1400" dirty="0"/>
+                        <a:t>View</a:t>
+                      </a:r>
+                      <a:endParaRPr lang="ko-KR" altLang="en-US" sz="1400" dirty="0"/>
+                    </a:p>
+                  </a:txBody>
+                  <a:tcPr/>
+                </a:tc>
+                <a:tc>
+                  <a:txBody>
+                    <a:bodyPr/>
+                    <a:lstStyle/>
+                    <a:p>
+                      <a:pPr algn="ctr" latinLnBrk="1"/>
+                      <a:endParaRPr lang="ko-KR" altLang="en-US" sz="1400" dirty="0"/>
+                    </a:p>
+                  </a:txBody>
+                  <a:tcPr/>
+                </a:tc>
+                <a:extLst>
+                  <a:ext uri="{0D108BD9-81ED-4DB2-BD59-A6C34878D82A}">
+                    <a16:rowId xmlns:a16="http://schemas.microsoft.com/office/drawing/2014/main" val="10002"/>
+                  </a:ext>
+                </a:extLst>
+              </a:tr>
+            </a:tbl>
+          </a:graphicData>
+        </a:graphic>
+      </p:graphicFrame>
+      <p:pic>
+        <p:nvPicPr>
+          <p:cNvPr id="2" name="그림 1"/>
+          <p:cNvPicPr>
+            <a:picLocks noChangeAspect="1"/>
+          </p:cNvPicPr>
+          <p:nvPr/>
+        </p:nvPicPr>
+        <p:blipFill>
+          <a:blip r:embed="rId2"/>
+          <a:stretch>
+            <a:fillRect/>
+          </a:stretch>
+        </p:blipFill>
+        <p:spPr>
+          <a:xfrm>
+            <a:off x="179512" y="1484784"/>
+            <a:ext cx="5056277" cy="4032448"/>
+          </a:xfrm>
+          <a:prstGeom prst="rect">
+            <a:avLst/>
+          </a:prstGeom>
+        </p:spPr>
+      </p:pic>
+      <p:sp>
+        <p:nvSpPr>
+          <p:cNvPr id="5" name="타원 4"/>
+          <p:cNvSpPr/>
+          <p:nvPr/>
+        </p:nvSpPr>
+        <p:spPr>
+          <a:xfrm>
+            <a:off x="4716016" y="3140968"/>
+            <a:ext cx="288032" cy="288032"/>
+          </a:xfrm>
+          <a:prstGeom prst="ellipse">
+            <a:avLst/>
+          </a:prstGeom>
+          <a:noFill/>
+          <a:ln>
+            <a:solidFill>
+              <a:srgbClr val="FF0000"/>
+            </a:solidFill>
+          </a:ln>
+        </p:spPr>
+        <p:style>
+          <a:lnRef idx="2">
+            <a:schemeClr val="accent1">
+              <a:shade val="50000"/>
+            </a:schemeClr>
+          </a:lnRef>
+          <a:fillRef idx="1">
+            <a:schemeClr val="accent1"/>
+          </a:fillRef>
+          <a:effectRef idx="0">
+            <a:schemeClr val="accent1"/>
+          </a:effectRef>
+          <a:fontRef idx="minor">
+            <a:schemeClr val="lt1"/>
+          </a:fontRef>
+        </p:style>
+        <p:txBody>
+          <a:bodyPr rtlCol="0" anchor="ctr"/>
+          <a:lstStyle/>
+          <a:p>
+            <a:pPr algn="ctr"/>
+            <a:r>
+              <a:rPr lang="en-US" altLang="ko-KR" sz="1200" dirty="0" smtClean="0">
+                <a:solidFill>
+                  <a:srgbClr val="FF0000"/>
+                </a:solidFill>
+              </a:rPr>
+              <a:t>1</a:t>
+            </a:r>
+            <a:endParaRPr lang="ko-KR" altLang="en-US" sz="1200" dirty="0">
+              <a:solidFill>
+                <a:srgbClr val="FF0000"/>
+              </a:solidFill>
+            </a:endParaRPr>
+          </a:p>
+        </p:txBody>
+      </p:sp>
+    </p:spTree>
+    <p:extLst>
+      <p:ext uri="{BB962C8B-B14F-4D97-AF65-F5344CB8AC3E}">
+        <p14:creationId xmlns:p14="http://schemas.microsoft.com/office/powerpoint/2010/main" val="1242900279"/>
+      </p:ext>
+    </p:extLst>
+  </p:cSld>
+  <p:clrMapOvr>
+    <a:masterClrMapping/>
+  </p:clrMapOvr>
+</p:sld>
+</file>
+
+<file path=ppt/slides/slide11.xml><?xml version="1.0" encoding="utf-8"?>
+<p:sld xmlns:a="http://schemas.openxmlformats.org/drawingml/2006/main" xmlns:r="http://schemas.openxmlformats.org/officeDocument/2006/relationships" xmlns:p="http://schemas.openxmlformats.org/presentationml/2006/main">
+  <p:cSld>
+    <p:spTree>
+      <p:nvGrpSpPr>
+        <p:cNvPr id="1" name=""/>
+        <p:cNvGrpSpPr/>
+        <p:nvPr/>
+      </p:nvGrpSpPr>
+      <p:grpSpPr>
+        <a:xfrm>
+          <a:off x="0" y="0"/>
+          <a:ext cx="0" cy="0"/>
+          <a:chOff x="0" y="0"/>
+          <a:chExt cx="0" cy="0"/>
+        </a:xfrm>
+      </p:grpSpPr>
+      <p:graphicFrame>
+        <p:nvGraphicFramePr>
+          <p:cNvPr id="29" name="표 28"/>
+          <p:cNvGraphicFramePr>
+            <a:graphicFrameLocks noGrp="1"/>
+          </p:cNvGraphicFramePr>
+          <p:nvPr>
+            <p:extLst>
+              <p:ext uri="{D42A27DB-BD31-4B8C-83A1-F6EECF244321}">
                 <p14:modId xmlns:p14="http://schemas.microsoft.com/office/powerpoint/2010/main" val="179723439"/>
               </p:ext>
             </p:extLst>
@@ -4820,7 +5394,7 @@
 </p:sld>
 </file>
 
-<file path=ppt/slides/slide11.xml><?xml version="1.0" encoding="utf-8"?>
+<file path=ppt/slides/slide12.xml><?xml version="1.0" encoding="utf-8"?>
 <p:sld xmlns:a="http://schemas.openxmlformats.org/drawingml/2006/main" xmlns:r="http://schemas.openxmlformats.org/officeDocument/2006/relationships" xmlns:p="http://schemas.openxmlformats.org/presentationml/2006/main">
   <p:cSld>
     <p:spTree>
@@ -5405,7 +5979,7 @@
 </p:sld>
 </file>
 
-<file path=ppt/slides/slide12.xml><?xml version="1.0" encoding="utf-8"?>
+<file path=ppt/slides/slide13.xml><?xml version="1.0" encoding="utf-8"?>
 <p:sld xmlns:a="http://schemas.openxmlformats.org/drawingml/2006/main" xmlns:r="http://schemas.openxmlformats.org/officeDocument/2006/relationships" xmlns:p="http://schemas.openxmlformats.org/presentationml/2006/main">
   <p:cSld>
     <p:spTree>
@@ -5429,7 +6003,11 @@
             <a:graphicFrameLocks noGrp="1"/>
           </p:cNvGraphicFramePr>
           <p:nvPr>
-            <p:extLst/>
+            <p:extLst>
+              <p:ext uri="{D42A27DB-BD31-4B8C-83A1-F6EECF244321}">
+                <p14:modId xmlns:p14="http://schemas.microsoft.com/office/powerpoint/2010/main" val="1268200"/>
+              </p:ext>
+            </p:extLst>
           </p:nvPr>
         </p:nvGraphicFramePr>
         <p:xfrm>
@@ -5513,27 +6091,68 @@
                     <a:bodyPr/>
                     <a:lstStyle/>
                     <a:p>
-                      <a:pPr algn="l" latinLnBrk="1"/>
-                      <a:r>
-                        <a:rPr lang="en-US" altLang="ko-KR" sz="1400" dirty="0">
-                          <a:latin typeface="+mn-ea"/>
-                          <a:ea typeface="+mn-ea"/>
-                        </a:rPr>
-                        <a:t>1.</a:t>
-                      </a:r>
-                      <a:r>
-                        <a:rPr lang="ko-KR" altLang="en-US" sz="1400" dirty="0">
-                          <a:latin typeface="+mn-ea"/>
-                          <a:ea typeface="+mn-ea"/>
-                        </a:rPr>
-                        <a:t> </a:t>
-                      </a:r>
+                      <a:pPr marL="342900" indent="-342900" algn="l" latinLnBrk="1">
+                        <a:buAutoNum type="arabicPeriod"/>
+                      </a:pPr>
                       <a:r>
                         <a:rPr lang="ko-KR" altLang="en-US" sz="1400" dirty="0" smtClean="0">
                           <a:latin typeface="+mn-ea"/>
                           <a:ea typeface="+mn-ea"/>
                         </a:rPr>
-                        <a:t>사용자의 감정 선택</a:t>
+                        <a:t>이름과 메일을 통해 아이디 찾기</a:t>
+                      </a:r>
+                      <a:endParaRPr lang="en-US" altLang="ko-KR" sz="1400" dirty="0" smtClean="0">
+                        <a:latin typeface="+mn-ea"/>
+                        <a:ea typeface="+mn-ea"/>
+                      </a:endParaRPr>
+                    </a:p>
+                    <a:p>
+                      <a:pPr marL="342900" indent="-342900" algn="l" latinLnBrk="1">
+                        <a:buAutoNum type="arabicPeriod"/>
+                      </a:pPr>
+                      <a:r>
+                        <a:rPr lang="ko-KR" altLang="en-US" sz="1400" dirty="0" smtClean="0">
+                          <a:latin typeface="+mn-ea"/>
+                          <a:ea typeface="+mn-ea"/>
+                        </a:rPr>
+                        <a:t>이름과 아이디를 통해 비밀번호 찾기</a:t>
+                      </a:r>
+                      <a:endParaRPr lang="en-US" altLang="ko-KR" sz="1400" dirty="0" smtClean="0">
+                        <a:latin typeface="+mn-ea"/>
+                        <a:ea typeface="+mn-ea"/>
+                      </a:endParaRPr>
+                    </a:p>
+                    <a:p>
+                      <a:pPr marL="342900" indent="-342900" algn="l" latinLnBrk="1">
+                        <a:buAutoNum type="arabicPeriod"/>
+                      </a:pPr>
+                      <a:r>
+                        <a:rPr lang="ko-KR" altLang="en-US" sz="1400" dirty="0" smtClean="0">
+                          <a:latin typeface="+mn-ea"/>
+                          <a:ea typeface="+mn-ea"/>
+                        </a:rPr>
+                        <a:t>아이디</a:t>
+                      </a:r>
+                      <a:r>
+                        <a:rPr lang="ko-KR" altLang="en-US" sz="1400" baseline="0" dirty="0" smtClean="0">
+                          <a:latin typeface="+mn-ea"/>
+                          <a:ea typeface="+mn-ea"/>
+                        </a:rPr>
+                        <a:t> 찾기 확인 </a:t>
+                      </a:r>
+                      <a:r>
+                        <a:rPr lang="ko-KR" altLang="en-US" sz="1400" baseline="0" smtClean="0">
+                          <a:latin typeface="+mn-ea"/>
+                          <a:ea typeface="+mn-ea"/>
+                        </a:rPr>
+                        <a:t>버튼 클릭 시 </a:t>
+                      </a:r>
+                      <a:r>
+                        <a:rPr lang="ko-KR" altLang="en-US" sz="1400" baseline="0" dirty="0" smtClean="0">
+                          <a:latin typeface="+mn-ea"/>
+                          <a:ea typeface="+mn-ea"/>
+                        </a:rPr>
+                        <a:t>아이디 보여줌</a:t>
                       </a:r>
                       <a:endParaRPr lang="ko-KR" altLang="en-US" sz="1400" dirty="0">
                         <a:latin typeface="+mn-ea"/>
@@ -5627,7 +6246,11 @@
             <a:graphicFrameLocks noGrp="1"/>
           </p:cNvGraphicFramePr>
           <p:nvPr>
-            <p:extLst/>
+            <p:extLst>
+              <p:ext uri="{D42A27DB-BD31-4B8C-83A1-F6EECF244321}">
+                <p14:modId xmlns:p14="http://schemas.microsoft.com/office/powerpoint/2010/main" val="4267704005"/>
+              </p:ext>
+            </p:extLst>
           </p:nvPr>
         </p:nvGraphicFramePr>
         <p:xfrm>
@@ -5693,11 +6316,7 @@
                       <a:pPr algn="ctr" latinLnBrk="1"/>
                       <a:r>
                         <a:rPr lang="ko-KR" altLang="en-US" sz="1400" dirty="0" smtClean="0"/>
-                        <a:t>감정 선택 </a:t>
-                      </a:r>
-                      <a:r>
-                        <a:rPr lang="ko-KR" altLang="en-US" sz="1400" dirty="0" err="1" smtClean="0"/>
-                        <a:t>모달창</a:t>
+                        <a:t>아이디 비번 찾기</a:t>
                       </a:r>
                       <a:endParaRPr lang="ko-KR" altLang="en-US" sz="1400" dirty="0"/>
                     </a:p>
@@ -5756,6 +6375,10 @@
                     <a:lstStyle/>
                     <a:p>
                       <a:pPr algn="ctr" latinLnBrk="1"/>
+                      <a:r>
+                        <a:rPr lang="en-US" altLang="ko-KR" sz="1400" dirty="0" smtClean="0"/>
+                        <a:t>2021.05.06</a:t>
+                      </a:r>
                       <a:endParaRPr lang="ko-KR" altLang="en-US" sz="1400" dirty="0"/>
                     </a:p>
                   </a:txBody>
@@ -5856,470 +6479,204 @@
           </a:graphicData>
         </a:graphic>
       </p:graphicFrame>
-    </p:spTree>
-    <p:extLst>
-      <p:ext uri="{BB962C8B-B14F-4D97-AF65-F5344CB8AC3E}">
-        <p14:creationId xmlns:p14="http://schemas.microsoft.com/office/powerpoint/2010/main" val="1134939497"/>
-      </p:ext>
-    </p:extLst>
-  </p:cSld>
-  <p:clrMapOvr>
-    <a:masterClrMapping/>
-  </p:clrMapOvr>
-</p:sld>
-</file>
-
-<file path=ppt/slides/slide13.xml><?xml version="1.0" encoding="utf-8"?>
-<p:sld xmlns:a="http://schemas.openxmlformats.org/drawingml/2006/main" xmlns:r="http://schemas.openxmlformats.org/officeDocument/2006/relationships" xmlns:p="http://schemas.openxmlformats.org/presentationml/2006/main">
-  <p:cSld>
-    <p:spTree>
-      <p:nvGrpSpPr>
-        <p:cNvPr id="1" name=""/>
-        <p:cNvGrpSpPr/>
-        <p:nvPr/>
-      </p:nvGrpSpPr>
-      <p:grpSpPr>
-        <a:xfrm>
-          <a:off x="0" y="0"/>
-          <a:ext cx="0" cy="0"/>
-          <a:chOff x="0" y="0"/>
-          <a:chExt cx="0" cy="0"/>
-        </a:xfrm>
-      </p:grpSpPr>
-      <p:graphicFrame>
-        <p:nvGraphicFramePr>
-          <p:cNvPr id="29" name="표 28"/>
-          <p:cNvGraphicFramePr>
-            <a:graphicFrameLocks noGrp="1"/>
-          </p:cNvGraphicFramePr>
-          <p:nvPr>
-            <p:extLst/>
-          </p:nvPr>
-        </p:nvGraphicFramePr>
-        <p:xfrm>
-          <a:off x="107504" y="1340767"/>
-          <a:ext cx="8926314" cy="5400601"/>
-        </p:xfrm>
-        <a:graphic>
-          <a:graphicData uri="http://schemas.openxmlformats.org/drawingml/2006/table">
-            <a:tbl>
-              <a:tblPr firstRow="1" bandRow="1">
-                <a:tableStyleId>{5940675A-B579-460E-94D1-54222C63F5DA}</a:tableStyleId>
-              </a:tblPr>
-              <a:tblGrid>
-                <a:gridCol w="6694067">
-                  <a:extLst>
-                    <a:ext uri="{9D8B030D-6E8A-4147-A177-3AD203B41FA5}">
-                      <a16:colId xmlns:a16="http://schemas.microsoft.com/office/drawing/2014/main" val="20000"/>
-                    </a:ext>
-                  </a:extLst>
-                </a:gridCol>
-                <a:gridCol w="2232247">
-                  <a:extLst>
-                    <a:ext uri="{9D8B030D-6E8A-4147-A177-3AD203B41FA5}">
-                      <a16:colId xmlns:a16="http://schemas.microsoft.com/office/drawing/2014/main" val="20001"/>
-                    </a:ext>
-                  </a:extLst>
-                </a:gridCol>
-              </a:tblGrid>
-              <a:tr h="308280">
-                <a:tc rowSpan="4">
-                  <a:txBody>
-                    <a:bodyPr/>
-                    <a:lstStyle/>
-                    <a:p>
-                      <a:pPr algn="ctr" latinLnBrk="1"/>
-                      <a:endParaRPr lang="ko-KR" altLang="en-US" sz="1400" dirty="0">
-                        <a:latin typeface="+mn-ea"/>
-                        <a:ea typeface="+mn-ea"/>
-                      </a:endParaRPr>
-                    </a:p>
-                  </a:txBody>
-                  <a:tcPr/>
-                </a:tc>
-                <a:tc>
-                  <a:txBody>
-                    <a:bodyPr/>
-                    <a:lstStyle/>
-                    <a:p>
-                      <a:pPr algn="ctr" latinLnBrk="1"/>
-                      <a:r>
-                        <a:rPr lang="ko-KR" altLang="en-US" sz="1400" dirty="0">
-                          <a:latin typeface="+mn-ea"/>
-                          <a:ea typeface="+mn-ea"/>
-                        </a:rPr>
-                        <a:t>기 능</a:t>
-                      </a:r>
-                    </a:p>
-                  </a:txBody>
-                  <a:tcPr/>
-                </a:tc>
-                <a:extLst>
-                  <a:ext uri="{0D108BD9-81ED-4DB2-BD59-A6C34878D82A}">
-                    <a16:rowId xmlns:a16="http://schemas.microsoft.com/office/drawing/2014/main" val="10000"/>
-                  </a:ext>
-                </a:extLst>
-              </a:tr>
-              <a:tr h="3478885">
-                <a:tc vMerge="1">
-                  <a:txBody>
-                    <a:bodyPr/>
-                    <a:lstStyle/>
-                    <a:p>
-                      <a:pPr latinLnBrk="1"/>
-                      <a:endParaRPr lang="ko-KR" altLang="en-US" dirty="0"/>
-                    </a:p>
-                  </a:txBody>
-                  <a:tcPr/>
-                </a:tc>
-                <a:tc>
-                  <a:txBody>
-                    <a:bodyPr/>
-                    <a:lstStyle/>
-                    <a:p>
-                      <a:pPr algn="l" latinLnBrk="1"/>
-                      <a:r>
-                        <a:rPr lang="en-US" altLang="ko-KR" sz="1400" dirty="0">
-                          <a:latin typeface="+mn-ea"/>
-                          <a:ea typeface="+mn-ea"/>
-                        </a:rPr>
-                        <a:t>1.</a:t>
-                      </a:r>
-                      <a:r>
-                        <a:rPr lang="ko-KR" altLang="en-US" sz="1400" dirty="0">
-                          <a:latin typeface="+mn-ea"/>
-                          <a:ea typeface="+mn-ea"/>
-                        </a:rPr>
-                        <a:t> </a:t>
-                      </a:r>
-                      <a:r>
-                        <a:rPr lang="ko-KR" altLang="en-US" sz="1400" dirty="0" smtClean="0">
-                          <a:latin typeface="+mn-ea"/>
-                          <a:ea typeface="+mn-ea"/>
-                        </a:rPr>
-                        <a:t>사용자의 감정 선택</a:t>
-                      </a:r>
-                      <a:endParaRPr lang="ko-KR" altLang="en-US" sz="1400" dirty="0">
-                        <a:latin typeface="+mn-ea"/>
-                        <a:ea typeface="+mn-ea"/>
-                      </a:endParaRPr>
-                    </a:p>
-                  </a:txBody>
-                  <a:tcPr/>
-                </a:tc>
-                <a:extLst>
-                  <a:ext uri="{0D108BD9-81ED-4DB2-BD59-A6C34878D82A}">
-                    <a16:rowId xmlns:a16="http://schemas.microsoft.com/office/drawing/2014/main" val="10001"/>
-                  </a:ext>
-                </a:extLst>
-              </a:tr>
-              <a:tr h="308280">
-                <a:tc vMerge="1">
-                  <a:txBody>
-                    <a:bodyPr/>
-                    <a:lstStyle/>
-                    <a:p>
-                      <a:pPr latinLnBrk="1"/>
-                      <a:endParaRPr lang="ko-KR" altLang="en-US" dirty="0"/>
-                    </a:p>
-                  </a:txBody>
-                  <a:tcPr/>
-                </a:tc>
-                <a:tc>
-                  <a:txBody>
-                    <a:bodyPr/>
-                    <a:lstStyle/>
-                    <a:p>
-                      <a:pPr algn="ctr" latinLnBrk="1"/>
-                      <a:r>
-                        <a:rPr lang="ko-KR" altLang="en-US" sz="1400" dirty="0">
-                          <a:latin typeface="+mn-ea"/>
-                          <a:ea typeface="+mn-ea"/>
-                        </a:rPr>
-                        <a:t>비 고</a:t>
-                      </a:r>
-                    </a:p>
-                  </a:txBody>
-                  <a:tcPr/>
-                </a:tc>
-                <a:extLst>
-                  <a:ext uri="{0D108BD9-81ED-4DB2-BD59-A6C34878D82A}">
-                    <a16:rowId xmlns:a16="http://schemas.microsoft.com/office/drawing/2014/main" val="10002"/>
-                  </a:ext>
-                </a:extLst>
-              </a:tr>
-              <a:tr h="1305156">
-                <a:tc vMerge="1">
-                  <a:txBody>
-                    <a:bodyPr/>
-                    <a:lstStyle/>
-                    <a:p>
-                      <a:pPr latinLnBrk="1"/>
-                      <a:endParaRPr lang="ko-KR" altLang="en-US" dirty="0"/>
-                    </a:p>
-                  </a:txBody>
-                  <a:tcPr/>
-                </a:tc>
-                <a:tc>
-                  <a:txBody>
-                    <a:bodyPr/>
-                    <a:lstStyle/>
-                    <a:p>
-                      <a:pPr algn="l" latinLnBrk="1"/>
-                      <a:endParaRPr lang="ko-KR" altLang="en-US" sz="1400" dirty="0">
-                        <a:latin typeface="+mn-ea"/>
-                        <a:ea typeface="+mn-ea"/>
-                      </a:endParaRPr>
-                    </a:p>
-                  </a:txBody>
-                  <a:tcPr/>
-                </a:tc>
-                <a:extLst>
-                  <a:ext uri="{0D108BD9-81ED-4DB2-BD59-A6C34878D82A}">
-                    <a16:rowId xmlns:a16="http://schemas.microsoft.com/office/drawing/2014/main" val="10003"/>
-                  </a:ext>
-                </a:extLst>
-              </a:tr>
-            </a:tbl>
-          </a:graphicData>
-        </a:graphic>
-      </p:graphicFrame>
-      <p:graphicFrame>
-        <p:nvGraphicFramePr>
-          <p:cNvPr id="27" name="표 26"/>
-          <p:cNvGraphicFramePr>
-            <a:graphicFrameLocks noGrp="1"/>
-          </p:cNvGraphicFramePr>
-          <p:nvPr>
-            <p:extLst/>
-          </p:nvPr>
-        </p:nvGraphicFramePr>
-        <p:xfrm>
-          <a:off x="107504" y="156239"/>
-          <a:ext cx="8928992" cy="1112520"/>
-        </p:xfrm>
-        <a:graphic>
-          <a:graphicData uri="http://schemas.openxmlformats.org/drawingml/2006/table">
-            <a:tbl>
-              <a:tblPr firstRow="1" bandRow="1">
-                <a:tableStyleId>{5940675A-B579-460E-94D1-54222C63F5DA}</a:tableStyleId>
-              </a:tblPr>
-              <a:tblGrid>
-                <a:gridCol w="1152128">
-                  <a:extLst>
-                    <a:ext uri="{9D8B030D-6E8A-4147-A177-3AD203B41FA5}">
-                      <a16:colId xmlns:a16="http://schemas.microsoft.com/office/drawing/2014/main" val="20000"/>
-                    </a:ext>
-                  </a:extLst>
-                </a:gridCol>
-                <a:gridCol w="3312368">
-                  <a:extLst>
-                    <a:ext uri="{9D8B030D-6E8A-4147-A177-3AD203B41FA5}">
-                      <a16:colId xmlns:a16="http://schemas.microsoft.com/office/drawing/2014/main" val="20001"/>
-                    </a:ext>
-                  </a:extLst>
-                </a:gridCol>
-                <a:gridCol w="1152128">
-                  <a:extLst>
-                    <a:ext uri="{9D8B030D-6E8A-4147-A177-3AD203B41FA5}">
-                      <a16:colId xmlns:a16="http://schemas.microsoft.com/office/drawing/2014/main" val="20002"/>
-                    </a:ext>
-                  </a:extLst>
-                </a:gridCol>
-                <a:gridCol w="3312368">
-                  <a:extLst>
-                    <a:ext uri="{9D8B030D-6E8A-4147-A177-3AD203B41FA5}">
-                      <a16:colId xmlns:a16="http://schemas.microsoft.com/office/drawing/2014/main" val="20003"/>
-                    </a:ext>
-                  </a:extLst>
-                </a:gridCol>
-              </a:tblGrid>
-              <a:tr h="370840">
-                <a:tc>
-                  <a:txBody>
-                    <a:bodyPr/>
-                    <a:lstStyle/>
-                    <a:p>
-                      <a:pPr algn="ctr" latinLnBrk="1"/>
-                      <a:r>
-                        <a:rPr lang="ko-KR" altLang="en-US" sz="1400" dirty="0"/>
-                        <a:t>기 능 명</a:t>
-                      </a:r>
-                    </a:p>
-                  </a:txBody>
-                  <a:tcPr/>
-                </a:tc>
-                <a:tc>
-                  <a:txBody>
-                    <a:bodyPr/>
-                    <a:lstStyle/>
-                    <a:p>
-                      <a:pPr algn="ctr" latinLnBrk="1"/>
-                      <a:r>
-                        <a:rPr lang="ko-KR" altLang="en-US" sz="1400" dirty="0" smtClean="0"/>
-                        <a:t>감정 선택 </a:t>
-                      </a:r>
-                      <a:r>
-                        <a:rPr lang="ko-KR" altLang="en-US" sz="1400" dirty="0" err="1" smtClean="0"/>
-                        <a:t>모달창</a:t>
-                      </a:r>
-                      <a:endParaRPr lang="ko-KR" altLang="en-US" sz="1400" dirty="0"/>
-                    </a:p>
-                  </a:txBody>
-                  <a:tcPr/>
-                </a:tc>
-                <a:tc>
-                  <a:txBody>
-                    <a:bodyPr/>
-                    <a:lstStyle/>
-                    <a:p>
-                      <a:pPr algn="ctr" latinLnBrk="1"/>
-                      <a:r>
-                        <a:rPr lang="ko-KR" altLang="en-US" sz="1400" dirty="0"/>
-                        <a:t>담당자</a:t>
-                      </a:r>
-                    </a:p>
-                  </a:txBody>
-                  <a:tcPr/>
-                </a:tc>
-                <a:tc>
-                  <a:txBody>
-                    <a:bodyPr/>
-                    <a:lstStyle/>
-                    <a:p>
-                      <a:pPr algn="ctr" latinLnBrk="1"/>
-                      <a:endParaRPr lang="ko-KR" altLang="en-US" sz="1400" dirty="0"/>
-                    </a:p>
-                  </a:txBody>
-                  <a:tcPr/>
-                </a:tc>
-                <a:extLst>
-                  <a:ext uri="{0D108BD9-81ED-4DB2-BD59-A6C34878D82A}">
-                    <a16:rowId xmlns:a16="http://schemas.microsoft.com/office/drawing/2014/main" val="10000"/>
-                  </a:ext>
-                </a:extLst>
-              </a:tr>
-              <a:tr h="370840">
-                <a:tc>
-                  <a:txBody>
-                    <a:bodyPr/>
-                    <a:lstStyle/>
-                    <a:p>
-                      <a:pPr algn="ctr" latinLnBrk="1"/>
-                      <a:r>
-                        <a:rPr lang="ko-KR" altLang="en-US" sz="1400" dirty="0"/>
-                        <a:t>작성일자</a:t>
-                      </a:r>
-                    </a:p>
-                  </a:txBody>
-                  <a:tcPr/>
-                </a:tc>
-                <a:tc>
-                  <a:txBody>
-                    <a:bodyPr/>
-                    <a:lstStyle/>
-                    <a:p>
-                      <a:pPr algn="ctr" latinLnBrk="1"/>
-                      <a:endParaRPr lang="ko-KR" altLang="en-US" sz="1400" dirty="0"/>
-                    </a:p>
-                  </a:txBody>
-                  <a:tcPr/>
-                </a:tc>
-                <a:tc>
-                  <a:txBody>
-                    <a:bodyPr/>
-                    <a:lstStyle/>
-                    <a:p>
-                      <a:pPr algn="ctr" latinLnBrk="1"/>
-                      <a:r>
-                        <a:rPr lang="en-US" altLang="ko-KR" sz="1400" dirty="0" smtClean="0"/>
-                        <a:t> Request</a:t>
-                      </a:r>
-                      <a:endParaRPr lang="ko-KR" altLang="en-US" sz="1400" dirty="0"/>
-                    </a:p>
-                  </a:txBody>
-                  <a:tcPr/>
-                </a:tc>
-                <a:tc>
-                  <a:txBody>
-                    <a:bodyPr/>
-                    <a:lstStyle/>
-                    <a:p>
-                      <a:pPr algn="ctr" latinLnBrk="1"/>
-                      <a:endParaRPr lang="ko-KR" altLang="en-US" sz="1400" dirty="0"/>
-                    </a:p>
-                  </a:txBody>
-                  <a:tcPr/>
-                </a:tc>
-                <a:extLst>
-                  <a:ext uri="{0D108BD9-81ED-4DB2-BD59-A6C34878D82A}">
-                    <a16:rowId xmlns:a16="http://schemas.microsoft.com/office/drawing/2014/main" val="10001"/>
-                  </a:ext>
-                </a:extLst>
-              </a:tr>
-              <a:tr h="370840">
-                <a:tc>
-                  <a:txBody>
-                    <a:bodyPr/>
-                    <a:lstStyle/>
-                    <a:p>
-                      <a:pPr algn="ctr" latinLnBrk="1"/>
-                      <a:r>
-                        <a:rPr lang="en-US" altLang="ko-KR" sz="1400" dirty="0"/>
-                        <a:t>Controller</a:t>
-                      </a:r>
-                      <a:endParaRPr lang="ko-KR" altLang="en-US" sz="1400" dirty="0"/>
-                    </a:p>
-                  </a:txBody>
-                  <a:tcPr/>
-                </a:tc>
-                <a:tc>
-                  <a:txBody>
-                    <a:bodyPr/>
-                    <a:lstStyle/>
-                    <a:p>
-                      <a:pPr algn="ctr" latinLnBrk="1"/>
-                      <a:endParaRPr lang="ko-KR" altLang="en-US" sz="1400" dirty="0"/>
-                    </a:p>
-                  </a:txBody>
-                  <a:tcPr/>
-                </a:tc>
-                <a:tc>
-                  <a:txBody>
-                    <a:bodyPr/>
-                    <a:lstStyle/>
-                    <a:p>
-                      <a:pPr algn="ctr" latinLnBrk="1"/>
-                      <a:r>
-                        <a:rPr lang="en-US" altLang="ko-KR" sz="1400" dirty="0"/>
-                        <a:t>View</a:t>
-                      </a:r>
-                      <a:endParaRPr lang="ko-KR" altLang="en-US" sz="1400" dirty="0"/>
-                    </a:p>
-                  </a:txBody>
-                  <a:tcPr/>
-                </a:tc>
-                <a:tc>
-                  <a:txBody>
-                    <a:bodyPr/>
-                    <a:lstStyle/>
-                    <a:p>
-                      <a:pPr algn="ctr" latinLnBrk="1"/>
-                      <a:endParaRPr lang="ko-KR" altLang="en-US" sz="1400" dirty="0"/>
-                    </a:p>
-                  </a:txBody>
-                  <a:tcPr/>
-                </a:tc>
-                <a:extLst>
-                  <a:ext uri="{0D108BD9-81ED-4DB2-BD59-A6C34878D82A}">
-                    <a16:rowId xmlns:a16="http://schemas.microsoft.com/office/drawing/2014/main" val="10002"/>
-                  </a:ext>
-                </a:extLst>
-              </a:tr>
-            </a:tbl>
-          </a:graphicData>
-        </a:graphic>
-      </p:graphicFrame>
+      <p:pic>
+        <p:nvPicPr>
+          <p:cNvPr id="3" name="그림 2"/>
+          <p:cNvPicPr>
+            <a:picLocks noChangeAspect="1"/>
+          </p:cNvPicPr>
+          <p:nvPr/>
+        </p:nvPicPr>
+        <p:blipFill>
+          <a:blip r:embed="rId2"/>
+          <a:stretch>
+            <a:fillRect/>
+          </a:stretch>
+        </p:blipFill>
+        <p:spPr>
+          <a:xfrm>
+            <a:off x="395536" y="2060848"/>
+            <a:ext cx="5976664" cy="3332994"/>
+          </a:xfrm>
+          <a:prstGeom prst="rect">
+            <a:avLst/>
+          </a:prstGeom>
+        </p:spPr>
+      </p:pic>
+      <p:sp>
+        <p:nvSpPr>
+          <p:cNvPr id="5" name="타원 4"/>
+          <p:cNvSpPr/>
+          <p:nvPr/>
+        </p:nvSpPr>
+        <p:spPr>
+          <a:xfrm>
+            <a:off x="548862" y="2996952"/>
+            <a:ext cx="288032" cy="288032"/>
+          </a:xfrm>
+          <a:prstGeom prst="ellipse">
+            <a:avLst/>
+          </a:prstGeom>
+          <a:noFill/>
+          <a:ln>
+            <a:solidFill>
+              <a:srgbClr val="FF0000"/>
+            </a:solidFill>
+          </a:ln>
+        </p:spPr>
+        <p:style>
+          <a:lnRef idx="2">
+            <a:schemeClr val="accent1">
+              <a:shade val="50000"/>
+            </a:schemeClr>
+          </a:lnRef>
+          <a:fillRef idx="1">
+            <a:schemeClr val="accent1"/>
+          </a:fillRef>
+          <a:effectRef idx="0">
+            <a:schemeClr val="accent1"/>
+          </a:effectRef>
+          <a:fontRef idx="minor">
+            <a:schemeClr val="lt1"/>
+          </a:fontRef>
+        </p:style>
+        <p:txBody>
+          <a:bodyPr rtlCol="0" anchor="ctr"/>
+          <a:lstStyle/>
+          <a:p>
+            <a:pPr algn="ctr"/>
+            <a:r>
+              <a:rPr lang="en-US" altLang="ko-KR" sz="1200" dirty="0">
+                <a:solidFill>
+                  <a:srgbClr val="FF0000"/>
+                </a:solidFill>
+              </a:rPr>
+              <a:t>1</a:t>
+            </a:r>
+            <a:endParaRPr lang="ko-KR" altLang="en-US" sz="1200" dirty="0">
+              <a:solidFill>
+                <a:srgbClr val="FF0000"/>
+              </a:solidFill>
+            </a:endParaRPr>
+          </a:p>
+        </p:txBody>
+      </p:sp>
+      <p:sp>
+        <p:nvSpPr>
+          <p:cNvPr id="6" name="타원 5"/>
+          <p:cNvSpPr/>
+          <p:nvPr/>
+        </p:nvSpPr>
+        <p:spPr>
+          <a:xfrm>
+            <a:off x="3460531" y="2972030"/>
+            <a:ext cx="288032" cy="288032"/>
+          </a:xfrm>
+          <a:prstGeom prst="ellipse">
+            <a:avLst/>
+          </a:prstGeom>
+          <a:noFill/>
+          <a:ln>
+            <a:solidFill>
+              <a:srgbClr val="FF0000"/>
+            </a:solidFill>
+          </a:ln>
+        </p:spPr>
+        <p:style>
+          <a:lnRef idx="2">
+            <a:schemeClr val="accent1">
+              <a:shade val="50000"/>
+            </a:schemeClr>
+          </a:lnRef>
+          <a:fillRef idx="1">
+            <a:schemeClr val="accent1"/>
+          </a:fillRef>
+          <a:effectRef idx="0">
+            <a:schemeClr val="accent1"/>
+          </a:effectRef>
+          <a:fontRef idx="minor">
+            <a:schemeClr val="lt1"/>
+          </a:fontRef>
+        </p:style>
+        <p:txBody>
+          <a:bodyPr rtlCol="0" anchor="ctr"/>
+          <a:lstStyle/>
+          <a:p>
+            <a:pPr algn="ctr"/>
+            <a:r>
+              <a:rPr lang="en-US" altLang="ko-KR" sz="1200" dirty="0">
+                <a:solidFill>
+                  <a:srgbClr val="FF0000"/>
+                </a:solidFill>
+              </a:rPr>
+              <a:t>2</a:t>
+            </a:r>
+            <a:endParaRPr lang="ko-KR" altLang="en-US" sz="1200" dirty="0">
+              <a:solidFill>
+                <a:srgbClr val="FF0000"/>
+              </a:solidFill>
+            </a:endParaRPr>
+          </a:p>
+        </p:txBody>
+      </p:sp>
+      <p:sp>
+        <p:nvSpPr>
+          <p:cNvPr id="8" name="타원 7"/>
+          <p:cNvSpPr/>
+          <p:nvPr/>
+        </p:nvSpPr>
+        <p:spPr>
+          <a:xfrm>
+            <a:off x="1763688" y="4869160"/>
+            <a:ext cx="288032" cy="288032"/>
+          </a:xfrm>
+          <a:prstGeom prst="ellipse">
+            <a:avLst/>
+          </a:prstGeom>
+          <a:noFill/>
+          <a:ln>
+            <a:solidFill>
+              <a:srgbClr val="FF0000"/>
+            </a:solidFill>
+          </a:ln>
+        </p:spPr>
+        <p:style>
+          <a:lnRef idx="2">
+            <a:schemeClr val="accent1">
+              <a:shade val="50000"/>
+            </a:schemeClr>
+          </a:lnRef>
+          <a:fillRef idx="1">
+            <a:schemeClr val="accent1"/>
+          </a:fillRef>
+          <a:effectRef idx="0">
+            <a:schemeClr val="accent1"/>
+          </a:effectRef>
+          <a:fontRef idx="minor">
+            <a:schemeClr val="lt1"/>
+          </a:fontRef>
+        </p:style>
+        <p:txBody>
+          <a:bodyPr rtlCol="0" anchor="ctr"/>
+          <a:lstStyle/>
+          <a:p>
+            <a:pPr algn="ctr"/>
+            <a:r>
+              <a:rPr lang="en-US" altLang="ko-KR" sz="1200" dirty="0">
+                <a:solidFill>
+                  <a:srgbClr val="FF0000"/>
+                </a:solidFill>
+              </a:rPr>
+              <a:t>3</a:t>
+            </a:r>
+            <a:endParaRPr lang="ko-KR" altLang="en-US" sz="1200" dirty="0">
+              <a:solidFill>
+                <a:srgbClr val="FF0000"/>
+              </a:solidFill>
+            </a:endParaRPr>
+          </a:p>
+        </p:txBody>
+      </p:sp>
     </p:spTree>
     <p:extLst>
       <p:ext uri="{BB962C8B-B14F-4D97-AF65-F5344CB8AC3E}">
@@ -7564,6 +7921,564 @@
           <p:nvPr>
             <p:extLst>
               <p:ext uri="{D42A27DB-BD31-4B8C-83A1-F6EECF244321}">
+                <p14:modId xmlns:p14="http://schemas.microsoft.com/office/powerpoint/2010/main" val="1457016329"/>
+              </p:ext>
+            </p:extLst>
+          </p:nvPr>
+        </p:nvGraphicFramePr>
+        <p:xfrm>
+          <a:off x="107504" y="1340767"/>
+          <a:ext cx="8926314" cy="5400601"/>
+        </p:xfrm>
+        <a:graphic>
+          <a:graphicData uri="http://schemas.openxmlformats.org/drawingml/2006/table">
+            <a:tbl>
+              <a:tblPr firstRow="1" bandRow="1">
+                <a:tableStyleId>{5940675A-B579-460E-94D1-54222C63F5DA}</a:tableStyleId>
+              </a:tblPr>
+              <a:tblGrid>
+                <a:gridCol w="6694067">
+                  <a:extLst>
+                    <a:ext uri="{9D8B030D-6E8A-4147-A177-3AD203B41FA5}">
+                      <a16:colId xmlns:a16="http://schemas.microsoft.com/office/drawing/2014/main" val="20000"/>
+                    </a:ext>
+                  </a:extLst>
+                </a:gridCol>
+                <a:gridCol w="2232247">
+                  <a:extLst>
+                    <a:ext uri="{9D8B030D-6E8A-4147-A177-3AD203B41FA5}">
+                      <a16:colId xmlns:a16="http://schemas.microsoft.com/office/drawing/2014/main" val="20001"/>
+                    </a:ext>
+                  </a:extLst>
+                </a:gridCol>
+              </a:tblGrid>
+              <a:tr h="308280">
+                <a:tc rowSpan="4">
+                  <a:txBody>
+                    <a:bodyPr/>
+                    <a:lstStyle/>
+                    <a:p>
+                      <a:pPr algn="ctr" latinLnBrk="1"/>
+                      <a:endParaRPr lang="ko-KR" altLang="en-US" sz="1400" dirty="0">
+                        <a:latin typeface="+mn-ea"/>
+                        <a:ea typeface="+mn-ea"/>
+                      </a:endParaRPr>
+                    </a:p>
+                  </a:txBody>
+                  <a:tcPr/>
+                </a:tc>
+                <a:tc>
+                  <a:txBody>
+                    <a:bodyPr/>
+                    <a:lstStyle/>
+                    <a:p>
+                      <a:pPr algn="ctr" latinLnBrk="1"/>
+                      <a:r>
+                        <a:rPr lang="ko-KR" altLang="en-US" sz="1400" dirty="0">
+                          <a:latin typeface="+mn-ea"/>
+                          <a:ea typeface="+mn-ea"/>
+                        </a:rPr>
+                        <a:t>기 능</a:t>
+                      </a:r>
+                    </a:p>
+                  </a:txBody>
+                  <a:tcPr/>
+                </a:tc>
+                <a:extLst>
+                  <a:ext uri="{0D108BD9-81ED-4DB2-BD59-A6C34878D82A}">
+                    <a16:rowId xmlns:a16="http://schemas.microsoft.com/office/drawing/2014/main" val="10000"/>
+                  </a:ext>
+                </a:extLst>
+              </a:tr>
+              <a:tr h="3478885">
+                <a:tc vMerge="1">
+                  <a:txBody>
+                    <a:bodyPr/>
+                    <a:lstStyle/>
+                    <a:p>
+                      <a:pPr latinLnBrk="1"/>
+                      <a:endParaRPr lang="ko-KR" altLang="en-US" dirty="0"/>
+                    </a:p>
+                  </a:txBody>
+                  <a:tcPr/>
+                </a:tc>
+                <a:tc>
+                  <a:txBody>
+                    <a:bodyPr/>
+                    <a:lstStyle/>
+                    <a:p>
+                      <a:pPr algn="l" latinLnBrk="1"/>
+                      <a:r>
+                        <a:rPr lang="en-US" altLang="ko-KR" sz="1400" dirty="0">
+                          <a:latin typeface="+mn-ea"/>
+                          <a:ea typeface="+mn-ea"/>
+                        </a:rPr>
+                        <a:t>1.</a:t>
+                      </a:r>
+                      <a:r>
+                        <a:rPr lang="ko-KR" altLang="en-US" sz="1400" dirty="0">
+                          <a:latin typeface="+mn-ea"/>
+                          <a:ea typeface="+mn-ea"/>
+                        </a:rPr>
+                        <a:t> </a:t>
+                      </a:r>
+                      <a:r>
+                        <a:rPr lang="ko-KR" altLang="en-US" sz="1400" dirty="0" smtClean="0">
+                          <a:latin typeface="+mn-ea"/>
+                          <a:ea typeface="+mn-ea"/>
+                        </a:rPr>
+                        <a:t>사용자가 선택한 감정에 따른 영화 추천</a:t>
+                      </a:r>
+                      <a:endParaRPr lang="ko-KR" altLang="en-US" sz="1400" dirty="0">
+                        <a:latin typeface="+mn-ea"/>
+                        <a:ea typeface="+mn-ea"/>
+                      </a:endParaRPr>
+                    </a:p>
+                  </a:txBody>
+                  <a:tcPr/>
+                </a:tc>
+                <a:extLst>
+                  <a:ext uri="{0D108BD9-81ED-4DB2-BD59-A6C34878D82A}">
+                    <a16:rowId xmlns:a16="http://schemas.microsoft.com/office/drawing/2014/main" val="10001"/>
+                  </a:ext>
+                </a:extLst>
+              </a:tr>
+              <a:tr h="308280">
+                <a:tc vMerge="1">
+                  <a:txBody>
+                    <a:bodyPr/>
+                    <a:lstStyle/>
+                    <a:p>
+                      <a:pPr latinLnBrk="1"/>
+                      <a:endParaRPr lang="ko-KR" altLang="en-US" dirty="0"/>
+                    </a:p>
+                  </a:txBody>
+                  <a:tcPr/>
+                </a:tc>
+                <a:tc>
+                  <a:txBody>
+                    <a:bodyPr/>
+                    <a:lstStyle/>
+                    <a:p>
+                      <a:pPr algn="ctr" latinLnBrk="1"/>
+                      <a:r>
+                        <a:rPr lang="ko-KR" altLang="en-US" sz="1400" dirty="0">
+                          <a:latin typeface="+mn-ea"/>
+                          <a:ea typeface="+mn-ea"/>
+                        </a:rPr>
+                        <a:t>비 고</a:t>
+                      </a:r>
+                    </a:p>
+                  </a:txBody>
+                  <a:tcPr/>
+                </a:tc>
+                <a:extLst>
+                  <a:ext uri="{0D108BD9-81ED-4DB2-BD59-A6C34878D82A}">
+                    <a16:rowId xmlns:a16="http://schemas.microsoft.com/office/drawing/2014/main" val="10002"/>
+                  </a:ext>
+                </a:extLst>
+              </a:tr>
+              <a:tr h="1305156">
+                <a:tc vMerge="1">
+                  <a:txBody>
+                    <a:bodyPr/>
+                    <a:lstStyle/>
+                    <a:p>
+                      <a:pPr latinLnBrk="1"/>
+                      <a:endParaRPr lang="ko-KR" altLang="en-US" dirty="0"/>
+                    </a:p>
+                  </a:txBody>
+                  <a:tcPr/>
+                </a:tc>
+                <a:tc>
+                  <a:txBody>
+                    <a:bodyPr/>
+                    <a:lstStyle/>
+                    <a:p>
+                      <a:pPr algn="l" latinLnBrk="1"/>
+                      <a:endParaRPr lang="ko-KR" altLang="en-US" sz="1400" dirty="0">
+                        <a:latin typeface="+mn-ea"/>
+                        <a:ea typeface="+mn-ea"/>
+                      </a:endParaRPr>
+                    </a:p>
+                  </a:txBody>
+                  <a:tcPr/>
+                </a:tc>
+                <a:extLst>
+                  <a:ext uri="{0D108BD9-81ED-4DB2-BD59-A6C34878D82A}">
+                    <a16:rowId xmlns:a16="http://schemas.microsoft.com/office/drawing/2014/main" val="10003"/>
+                  </a:ext>
+                </a:extLst>
+              </a:tr>
+            </a:tbl>
+          </a:graphicData>
+        </a:graphic>
+      </p:graphicFrame>
+      <p:graphicFrame>
+        <p:nvGraphicFramePr>
+          <p:cNvPr id="27" name="표 26"/>
+          <p:cNvGraphicFramePr>
+            <a:graphicFrameLocks noGrp="1"/>
+          </p:cNvGraphicFramePr>
+          <p:nvPr>
+            <p:extLst>
+              <p:ext uri="{D42A27DB-BD31-4B8C-83A1-F6EECF244321}">
+                <p14:modId xmlns:p14="http://schemas.microsoft.com/office/powerpoint/2010/main" val="2553979502"/>
+              </p:ext>
+            </p:extLst>
+          </p:nvPr>
+        </p:nvGraphicFramePr>
+        <p:xfrm>
+          <a:off x="107504" y="156239"/>
+          <a:ext cx="8928992" cy="1112520"/>
+        </p:xfrm>
+        <a:graphic>
+          <a:graphicData uri="http://schemas.openxmlformats.org/drawingml/2006/table">
+            <a:tbl>
+              <a:tblPr firstRow="1" bandRow="1">
+                <a:tableStyleId>{5940675A-B579-460E-94D1-54222C63F5DA}</a:tableStyleId>
+              </a:tblPr>
+              <a:tblGrid>
+                <a:gridCol w="1152128">
+                  <a:extLst>
+                    <a:ext uri="{9D8B030D-6E8A-4147-A177-3AD203B41FA5}">
+                      <a16:colId xmlns:a16="http://schemas.microsoft.com/office/drawing/2014/main" val="20000"/>
+                    </a:ext>
+                  </a:extLst>
+                </a:gridCol>
+                <a:gridCol w="3312368">
+                  <a:extLst>
+                    <a:ext uri="{9D8B030D-6E8A-4147-A177-3AD203B41FA5}">
+                      <a16:colId xmlns:a16="http://schemas.microsoft.com/office/drawing/2014/main" val="20001"/>
+                    </a:ext>
+                  </a:extLst>
+                </a:gridCol>
+                <a:gridCol w="1152128">
+                  <a:extLst>
+                    <a:ext uri="{9D8B030D-6E8A-4147-A177-3AD203B41FA5}">
+                      <a16:colId xmlns:a16="http://schemas.microsoft.com/office/drawing/2014/main" val="20002"/>
+                    </a:ext>
+                  </a:extLst>
+                </a:gridCol>
+                <a:gridCol w="3312368">
+                  <a:extLst>
+                    <a:ext uri="{9D8B030D-6E8A-4147-A177-3AD203B41FA5}">
+                      <a16:colId xmlns:a16="http://schemas.microsoft.com/office/drawing/2014/main" val="20003"/>
+                    </a:ext>
+                  </a:extLst>
+                </a:gridCol>
+              </a:tblGrid>
+              <a:tr h="370840">
+                <a:tc>
+                  <a:txBody>
+                    <a:bodyPr/>
+                    <a:lstStyle/>
+                    <a:p>
+                      <a:pPr algn="ctr" latinLnBrk="1"/>
+                      <a:r>
+                        <a:rPr lang="ko-KR" altLang="en-US" sz="1400" dirty="0"/>
+                        <a:t>기 능 명</a:t>
+                      </a:r>
+                    </a:p>
+                  </a:txBody>
+                  <a:tcPr/>
+                </a:tc>
+                <a:tc>
+                  <a:txBody>
+                    <a:bodyPr/>
+                    <a:lstStyle/>
+                    <a:p>
+                      <a:pPr algn="ctr" latinLnBrk="1"/>
+                      <a:r>
+                        <a:rPr lang="ko-KR" altLang="en-US" sz="1400" dirty="0" err="1" smtClean="0"/>
+                        <a:t>감정별</a:t>
+                      </a:r>
+                      <a:r>
+                        <a:rPr lang="ko-KR" altLang="en-US" sz="1400" dirty="0" smtClean="0"/>
+                        <a:t> 영화 추천</a:t>
+                      </a:r>
+                      <a:endParaRPr lang="ko-KR" altLang="en-US" sz="1400" dirty="0"/>
+                    </a:p>
+                  </a:txBody>
+                  <a:tcPr/>
+                </a:tc>
+                <a:tc>
+                  <a:txBody>
+                    <a:bodyPr/>
+                    <a:lstStyle/>
+                    <a:p>
+                      <a:pPr algn="ctr" latinLnBrk="1"/>
+                      <a:r>
+                        <a:rPr lang="ko-KR" altLang="en-US" sz="1400" dirty="0"/>
+                        <a:t>담당자</a:t>
+                      </a:r>
+                    </a:p>
+                  </a:txBody>
+                  <a:tcPr/>
+                </a:tc>
+                <a:tc>
+                  <a:txBody>
+                    <a:bodyPr/>
+                    <a:lstStyle/>
+                    <a:p>
+                      <a:pPr algn="ctr" latinLnBrk="1"/>
+                      <a:endParaRPr lang="ko-KR" altLang="en-US" sz="1400" dirty="0"/>
+                    </a:p>
+                  </a:txBody>
+                  <a:tcPr/>
+                </a:tc>
+                <a:extLst>
+                  <a:ext uri="{0D108BD9-81ED-4DB2-BD59-A6C34878D82A}">
+                    <a16:rowId xmlns:a16="http://schemas.microsoft.com/office/drawing/2014/main" val="10000"/>
+                  </a:ext>
+                </a:extLst>
+              </a:tr>
+              <a:tr h="370840">
+                <a:tc>
+                  <a:txBody>
+                    <a:bodyPr/>
+                    <a:lstStyle/>
+                    <a:p>
+                      <a:pPr algn="ctr" latinLnBrk="1"/>
+                      <a:r>
+                        <a:rPr lang="ko-KR" altLang="en-US" sz="1400" dirty="0"/>
+                        <a:t>작성일자</a:t>
+                      </a:r>
+                    </a:p>
+                  </a:txBody>
+                  <a:tcPr/>
+                </a:tc>
+                <a:tc>
+                  <a:txBody>
+                    <a:bodyPr/>
+                    <a:lstStyle/>
+                    <a:p>
+                      <a:pPr algn="ctr" latinLnBrk="1"/>
+                      <a:r>
+                        <a:rPr lang="en-US" altLang="ko-KR" sz="1400" dirty="0" smtClean="0"/>
+                        <a:t>2021.05.06</a:t>
+                      </a:r>
+                      <a:endParaRPr lang="ko-KR" altLang="en-US" sz="1400" dirty="0"/>
+                    </a:p>
+                  </a:txBody>
+                  <a:tcPr/>
+                </a:tc>
+                <a:tc>
+                  <a:txBody>
+                    <a:bodyPr/>
+                    <a:lstStyle/>
+                    <a:p>
+                      <a:pPr algn="ctr" latinLnBrk="1"/>
+                      <a:r>
+                        <a:rPr lang="en-US" altLang="ko-KR" sz="1400" dirty="0" smtClean="0"/>
+                        <a:t> Request</a:t>
+                      </a:r>
+                      <a:endParaRPr lang="ko-KR" altLang="en-US" sz="1400" dirty="0"/>
+                    </a:p>
+                  </a:txBody>
+                  <a:tcPr/>
+                </a:tc>
+                <a:tc>
+                  <a:txBody>
+                    <a:bodyPr/>
+                    <a:lstStyle/>
+                    <a:p>
+                      <a:pPr algn="ctr" latinLnBrk="1"/>
+                      <a:endParaRPr lang="ko-KR" altLang="en-US" sz="1400" dirty="0"/>
+                    </a:p>
+                  </a:txBody>
+                  <a:tcPr/>
+                </a:tc>
+                <a:extLst>
+                  <a:ext uri="{0D108BD9-81ED-4DB2-BD59-A6C34878D82A}">
+                    <a16:rowId xmlns:a16="http://schemas.microsoft.com/office/drawing/2014/main" val="10001"/>
+                  </a:ext>
+                </a:extLst>
+              </a:tr>
+              <a:tr h="370840">
+                <a:tc>
+                  <a:txBody>
+                    <a:bodyPr/>
+                    <a:lstStyle/>
+                    <a:p>
+                      <a:pPr algn="ctr" latinLnBrk="1"/>
+                      <a:r>
+                        <a:rPr lang="en-US" altLang="ko-KR" sz="1400" dirty="0"/>
+                        <a:t>Controller</a:t>
+                      </a:r>
+                      <a:endParaRPr lang="ko-KR" altLang="en-US" sz="1400" dirty="0"/>
+                    </a:p>
+                  </a:txBody>
+                  <a:tcPr/>
+                </a:tc>
+                <a:tc>
+                  <a:txBody>
+                    <a:bodyPr/>
+                    <a:lstStyle/>
+                    <a:p>
+                      <a:pPr algn="ctr" latinLnBrk="1"/>
+                      <a:endParaRPr lang="ko-KR" altLang="en-US" sz="1400" dirty="0"/>
+                    </a:p>
+                  </a:txBody>
+                  <a:tcPr/>
+                </a:tc>
+                <a:tc>
+                  <a:txBody>
+                    <a:bodyPr/>
+                    <a:lstStyle/>
+                    <a:p>
+                      <a:pPr algn="ctr" latinLnBrk="1"/>
+                      <a:r>
+                        <a:rPr lang="en-US" altLang="ko-KR" sz="1400" dirty="0"/>
+                        <a:t>View</a:t>
+                      </a:r>
+                      <a:endParaRPr lang="ko-KR" altLang="en-US" sz="1400" dirty="0"/>
+                    </a:p>
+                  </a:txBody>
+                  <a:tcPr/>
+                </a:tc>
+                <a:tc>
+                  <a:txBody>
+                    <a:bodyPr/>
+                    <a:lstStyle/>
+                    <a:p>
+                      <a:pPr algn="ctr" latinLnBrk="1"/>
+                      <a:endParaRPr lang="ko-KR" altLang="en-US" sz="1400" dirty="0"/>
+                    </a:p>
+                  </a:txBody>
+                  <a:tcPr/>
+                </a:tc>
+                <a:extLst>
+                  <a:ext uri="{0D108BD9-81ED-4DB2-BD59-A6C34878D82A}">
+                    <a16:rowId xmlns:a16="http://schemas.microsoft.com/office/drawing/2014/main" val="10002"/>
+                  </a:ext>
+                </a:extLst>
+              </a:tr>
+            </a:tbl>
+          </a:graphicData>
+        </a:graphic>
+      </p:graphicFrame>
+      <p:pic>
+        <p:nvPicPr>
+          <p:cNvPr id="2" name="그림 1"/>
+          <p:cNvPicPr>
+            <a:picLocks noChangeAspect="1"/>
+          </p:cNvPicPr>
+          <p:nvPr/>
+        </p:nvPicPr>
+        <p:blipFill>
+          <a:blip r:embed="rId2"/>
+          <a:stretch>
+            <a:fillRect/>
+          </a:stretch>
+        </p:blipFill>
+        <p:spPr>
+          <a:xfrm>
+            <a:off x="395536" y="1988840"/>
+            <a:ext cx="6192688" cy="3652902"/>
+          </a:xfrm>
+          <a:prstGeom prst="rect">
+            <a:avLst/>
+          </a:prstGeom>
+        </p:spPr>
+      </p:pic>
+      <p:sp>
+        <p:nvSpPr>
+          <p:cNvPr id="5" name="타원 4"/>
+          <p:cNvSpPr/>
+          <p:nvPr/>
+        </p:nvSpPr>
+        <p:spPr>
+          <a:xfrm>
+            <a:off x="899592" y="2564904"/>
+            <a:ext cx="288032" cy="288032"/>
+          </a:xfrm>
+          <a:prstGeom prst="ellipse">
+            <a:avLst/>
+          </a:prstGeom>
+          <a:noFill/>
+          <a:ln>
+            <a:solidFill>
+              <a:srgbClr val="FF0000"/>
+            </a:solidFill>
+          </a:ln>
+        </p:spPr>
+        <p:style>
+          <a:lnRef idx="2">
+            <a:schemeClr val="accent1">
+              <a:shade val="50000"/>
+            </a:schemeClr>
+          </a:lnRef>
+          <a:fillRef idx="1">
+            <a:schemeClr val="accent1"/>
+          </a:fillRef>
+          <a:effectRef idx="0">
+            <a:schemeClr val="accent1"/>
+          </a:effectRef>
+          <a:fontRef idx="minor">
+            <a:schemeClr val="lt1"/>
+          </a:fontRef>
+        </p:style>
+        <p:txBody>
+          <a:bodyPr rtlCol="0" anchor="ctr"/>
+          <a:lstStyle/>
+          <a:p>
+            <a:pPr algn="ctr"/>
+            <a:r>
+              <a:rPr lang="en-US" altLang="ko-KR" sz="1200" dirty="0" smtClean="0">
+                <a:solidFill>
+                  <a:srgbClr val="FF0000"/>
+                </a:solidFill>
+              </a:rPr>
+              <a:t>1</a:t>
+            </a:r>
+            <a:endParaRPr lang="ko-KR" altLang="en-US" sz="1200" dirty="0">
+              <a:solidFill>
+                <a:srgbClr val="FF0000"/>
+              </a:solidFill>
+            </a:endParaRPr>
+          </a:p>
+        </p:txBody>
+      </p:sp>
+    </p:spTree>
+    <p:extLst>
+      <p:ext uri="{BB962C8B-B14F-4D97-AF65-F5344CB8AC3E}">
+        <p14:creationId xmlns:p14="http://schemas.microsoft.com/office/powerpoint/2010/main" val="1134939497"/>
+      </p:ext>
+    </p:extLst>
+  </p:cSld>
+  <p:clrMapOvr>
+    <a:masterClrMapping/>
+  </p:clrMapOvr>
+</p:sld>
+</file>
+
+<file path=ppt/slides/slide5.xml><?xml version="1.0" encoding="utf-8"?>
+<p:sld xmlns:a="http://schemas.openxmlformats.org/drawingml/2006/main" xmlns:r="http://schemas.openxmlformats.org/officeDocument/2006/relationships" xmlns:p="http://schemas.openxmlformats.org/presentationml/2006/main">
+  <p:cSld>
+    <p:spTree>
+      <p:nvGrpSpPr>
+        <p:cNvPr id="1" name=""/>
+        <p:cNvGrpSpPr/>
+        <p:nvPr/>
+      </p:nvGrpSpPr>
+      <p:grpSpPr>
+        <a:xfrm>
+          <a:off x="0" y="0"/>
+          <a:ext cx="0" cy="0"/>
+          <a:chOff x="0" y="0"/>
+          <a:chExt cx="0" cy="0"/>
+        </a:xfrm>
+      </p:grpSpPr>
+      <p:graphicFrame>
+        <p:nvGraphicFramePr>
+          <p:cNvPr id="29" name="표 28"/>
+          <p:cNvGraphicFramePr>
+            <a:graphicFrameLocks noGrp="1"/>
+          </p:cNvGraphicFramePr>
+          <p:nvPr>
+            <p:extLst>
+              <p:ext uri="{D42A27DB-BD31-4B8C-83A1-F6EECF244321}">
                 <p14:modId xmlns:p14="http://schemas.microsoft.com/office/powerpoint/2010/main" val="626655543"/>
               </p:ext>
             </p:extLst>
@@ -8280,7 +9195,7 @@
 </p:sld>
 </file>
 
-<file path=ppt/slides/slide5.xml><?xml version="1.0" encoding="utf-8"?>
+<file path=ppt/slides/slide6.xml><?xml version="1.0" encoding="utf-8"?>
 <p:sld xmlns:a="http://schemas.openxmlformats.org/drawingml/2006/main" xmlns:r="http://schemas.openxmlformats.org/officeDocument/2006/relationships" xmlns:p="http://schemas.openxmlformats.org/presentationml/2006/main">
   <p:cSld>
     <p:spTree>
@@ -9074,7 +9989,7 @@
 </p:sld>
 </file>
 
-<file path=ppt/slides/slide6.xml><?xml version="1.0" encoding="utf-8"?>
+<file path=ppt/slides/slide7.xml><?xml version="1.0" encoding="utf-8"?>
 <p:sld xmlns:a="http://schemas.openxmlformats.org/drawingml/2006/main" xmlns:r="http://schemas.openxmlformats.org/officeDocument/2006/relationships" xmlns:p="http://schemas.openxmlformats.org/presentationml/2006/main">
   <p:cSld>
     <p:spTree>
@@ -9437,14 +10352,7 @@
                           <a:latin typeface="+mn-ea"/>
                           <a:ea typeface="+mn-ea"/>
                         </a:rPr>
-                        <a:t> </a:t>
-                      </a:r>
-                      <a:r>
-                        <a:rPr lang="ko-KR" altLang="en-US" sz="1400" baseline="0" dirty="0" smtClean="0">
-                          <a:latin typeface="+mn-ea"/>
-                          <a:ea typeface="+mn-ea"/>
-                        </a:rPr>
-                        <a:t>그래프</a:t>
+                        <a:t> 그래프</a:t>
                       </a:r>
                       <a:endParaRPr lang="en-US" altLang="ko-KR" sz="1400" baseline="0" dirty="0" smtClean="0">
                         <a:latin typeface="+mn-ea"/>
@@ -10200,7 +11108,7 @@
 </p:sld>
 </file>
 
-<file path=ppt/slides/slide7.xml><?xml version="1.0" encoding="utf-8"?>
+<file path=ppt/slides/slide8.xml><?xml version="1.0" encoding="utf-8"?>
 <p:sld xmlns:a="http://schemas.openxmlformats.org/drawingml/2006/main" xmlns:r="http://schemas.openxmlformats.org/officeDocument/2006/relationships" xmlns:p="http://schemas.openxmlformats.org/presentationml/2006/main">
   <p:cSld>
     <p:spTree>
@@ -10867,7 +11775,7 @@
 </p:sld>
 </file>
 
-<file path=ppt/slides/slide8.xml><?xml version="1.0" encoding="utf-8"?>
+<file path=ppt/slides/slide9.xml><?xml version="1.0" encoding="utf-8"?>
 <p:sld xmlns:a="http://schemas.openxmlformats.org/drawingml/2006/main" xmlns:r="http://schemas.openxmlformats.org/officeDocument/2006/relationships" xmlns:p="http://schemas.openxmlformats.org/presentationml/2006/main">
   <p:cSld>
     <p:spTree>
@@ -11585,580 +12493,6 @@
     <p:extLst>
       <p:ext uri="{BB962C8B-B14F-4D97-AF65-F5344CB8AC3E}">
         <p14:creationId xmlns:p14="http://schemas.microsoft.com/office/powerpoint/2010/main" val="4071277950"/>
-      </p:ext>
-    </p:extLst>
-  </p:cSld>
-  <p:clrMapOvr>
-    <a:masterClrMapping/>
-  </p:clrMapOvr>
-</p:sld>
-</file>
-
-<file path=ppt/slides/slide9.xml><?xml version="1.0" encoding="utf-8"?>
-<p:sld xmlns:a="http://schemas.openxmlformats.org/drawingml/2006/main" xmlns:r="http://schemas.openxmlformats.org/officeDocument/2006/relationships" xmlns:p="http://schemas.openxmlformats.org/presentationml/2006/main">
-  <p:cSld>
-    <p:spTree>
-      <p:nvGrpSpPr>
-        <p:cNvPr id="1" name=""/>
-        <p:cNvGrpSpPr/>
-        <p:nvPr/>
-      </p:nvGrpSpPr>
-      <p:grpSpPr>
-        <a:xfrm>
-          <a:off x="0" y="0"/>
-          <a:ext cx="0" cy="0"/>
-          <a:chOff x="0" y="0"/>
-          <a:chExt cx="0" cy="0"/>
-        </a:xfrm>
-      </p:grpSpPr>
-      <p:graphicFrame>
-        <p:nvGraphicFramePr>
-          <p:cNvPr id="29" name="표 28"/>
-          <p:cNvGraphicFramePr>
-            <a:graphicFrameLocks noGrp="1"/>
-          </p:cNvGraphicFramePr>
-          <p:nvPr>
-            <p:extLst>
-              <p:ext uri="{D42A27DB-BD31-4B8C-83A1-F6EECF244321}">
-                <p14:modId xmlns:p14="http://schemas.microsoft.com/office/powerpoint/2010/main" val="3579235949"/>
-              </p:ext>
-            </p:extLst>
-          </p:nvPr>
-        </p:nvGraphicFramePr>
-        <p:xfrm>
-          <a:off x="107504" y="1340767"/>
-          <a:ext cx="8926314" cy="5400601"/>
-        </p:xfrm>
-        <a:graphic>
-          <a:graphicData uri="http://schemas.openxmlformats.org/drawingml/2006/table">
-            <a:tbl>
-              <a:tblPr firstRow="1" bandRow="1">
-                <a:tableStyleId>{5940675A-B579-460E-94D1-54222C63F5DA}</a:tableStyleId>
-              </a:tblPr>
-              <a:tblGrid>
-                <a:gridCol w="6694067">
-                  <a:extLst>
-                    <a:ext uri="{9D8B030D-6E8A-4147-A177-3AD203B41FA5}">
-                      <a16:colId xmlns:a16="http://schemas.microsoft.com/office/drawing/2014/main" val="20000"/>
-                    </a:ext>
-                  </a:extLst>
-                </a:gridCol>
-                <a:gridCol w="2232247">
-                  <a:extLst>
-                    <a:ext uri="{9D8B030D-6E8A-4147-A177-3AD203B41FA5}">
-                      <a16:colId xmlns:a16="http://schemas.microsoft.com/office/drawing/2014/main" val="20001"/>
-                    </a:ext>
-                  </a:extLst>
-                </a:gridCol>
-              </a:tblGrid>
-              <a:tr h="308280">
-                <a:tc rowSpan="4">
-                  <a:txBody>
-                    <a:bodyPr/>
-                    <a:lstStyle/>
-                    <a:p>
-                      <a:pPr algn="ctr" latinLnBrk="1"/>
-                      <a:endParaRPr lang="ko-KR" altLang="en-US" sz="1400" dirty="0">
-                        <a:latin typeface="+mn-ea"/>
-                        <a:ea typeface="+mn-ea"/>
-                      </a:endParaRPr>
-                    </a:p>
-                  </a:txBody>
-                  <a:tcPr/>
-                </a:tc>
-                <a:tc>
-                  <a:txBody>
-                    <a:bodyPr/>
-                    <a:lstStyle/>
-                    <a:p>
-                      <a:pPr algn="ctr" latinLnBrk="1"/>
-                      <a:r>
-                        <a:rPr lang="ko-KR" altLang="en-US" sz="1400" dirty="0">
-                          <a:latin typeface="+mn-ea"/>
-                          <a:ea typeface="+mn-ea"/>
-                        </a:rPr>
-                        <a:t>기 능</a:t>
-                      </a:r>
-                    </a:p>
-                  </a:txBody>
-                  <a:tcPr/>
-                </a:tc>
-                <a:extLst>
-                  <a:ext uri="{0D108BD9-81ED-4DB2-BD59-A6C34878D82A}">
-                    <a16:rowId xmlns:a16="http://schemas.microsoft.com/office/drawing/2014/main" val="10000"/>
-                  </a:ext>
-                </a:extLst>
-              </a:tr>
-              <a:tr h="3478885">
-                <a:tc vMerge="1">
-                  <a:txBody>
-                    <a:bodyPr/>
-                    <a:lstStyle/>
-                    <a:p>
-                      <a:pPr latinLnBrk="1"/>
-                      <a:endParaRPr lang="ko-KR" altLang="en-US" dirty="0"/>
-                    </a:p>
-                  </a:txBody>
-                  <a:tcPr/>
-                </a:tc>
-                <a:tc>
-                  <a:txBody>
-                    <a:bodyPr/>
-                    <a:lstStyle/>
-                    <a:p>
-                      <a:pPr algn="l" latinLnBrk="1"/>
-                      <a:r>
-                        <a:rPr lang="en-US" altLang="ko-KR" sz="1400" dirty="0">
-                          <a:latin typeface="+mn-ea"/>
-                          <a:ea typeface="+mn-ea"/>
-                        </a:rPr>
-                        <a:t>1</a:t>
-                      </a:r>
-                      <a:r>
-                        <a:rPr lang="en-US" altLang="ko-KR" sz="1400" dirty="0" smtClean="0">
-                          <a:latin typeface="+mn-ea"/>
-                          <a:ea typeface="+mn-ea"/>
-                        </a:rPr>
-                        <a:t>.</a:t>
-                      </a:r>
-                      <a:r>
-                        <a:rPr lang="ko-KR" altLang="en-US" sz="1400" baseline="0" dirty="0" smtClean="0">
-                          <a:latin typeface="+mn-ea"/>
-                          <a:ea typeface="+mn-ea"/>
-                        </a:rPr>
-                        <a:t> 정보 수정</a:t>
-                      </a:r>
-                      <a:endParaRPr lang="ko-KR" altLang="en-US" sz="1400" dirty="0">
-                        <a:latin typeface="+mn-ea"/>
-                        <a:ea typeface="+mn-ea"/>
-                      </a:endParaRPr>
-                    </a:p>
-                  </a:txBody>
-                  <a:tcPr/>
-                </a:tc>
-                <a:extLst>
-                  <a:ext uri="{0D108BD9-81ED-4DB2-BD59-A6C34878D82A}">
-                    <a16:rowId xmlns:a16="http://schemas.microsoft.com/office/drawing/2014/main" val="10001"/>
-                  </a:ext>
-                </a:extLst>
-              </a:tr>
-              <a:tr h="308280">
-                <a:tc vMerge="1">
-                  <a:txBody>
-                    <a:bodyPr/>
-                    <a:lstStyle/>
-                    <a:p>
-                      <a:pPr latinLnBrk="1"/>
-                      <a:endParaRPr lang="ko-KR" altLang="en-US" dirty="0"/>
-                    </a:p>
-                  </a:txBody>
-                  <a:tcPr/>
-                </a:tc>
-                <a:tc>
-                  <a:txBody>
-                    <a:bodyPr/>
-                    <a:lstStyle/>
-                    <a:p>
-                      <a:pPr algn="ctr" latinLnBrk="1"/>
-                      <a:r>
-                        <a:rPr lang="ko-KR" altLang="en-US" sz="1400" dirty="0">
-                          <a:latin typeface="+mn-ea"/>
-                          <a:ea typeface="+mn-ea"/>
-                        </a:rPr>
-                        <a:t>비 고</a:t>
-                      </a:r>
-                    </a:p>
-                  </a:txBody>
-                  <a:tcPr/>
-                </a:tc>
-                <a:extLst>
-                  <a:ext uri="{0D108BD9-81ED-4DB2-BD59-A6C34878D82A}">
-                    <a16:rowId xmlns:a16="http://schemas.microsoft.com/office/drawing/2014/main" val="10002"/>
-                  </a:ext>
-                </a:extLst>
-              </a:tr>
-              <a:tr h="1305156">
-                <a:tc vMerge="1">
-                  <a:txBody>
-                    <a:bodyPr/>
-                    <a:lstStyle/>
-                    <a:p>
-                      <a:pPr latinLnBrk="1"/>
-                      <a:endParaRPr lang="ko-KR" altLang="en-US" dirty="0"/>
-                    </a:p>
-                  </a:txBody>
-                  <a:tcPr/>
-                </a:tc>
-                <a:tc>
-                  <a:txBody>
-                    <a:bodyPr/>
-                    <a:lstStyle/>
-                    <a:p>
-                      <a:pPr algn="l" latinLnBrk="1"/>
-                      <a:endParaRPr lang="ko-KR" altLang="en-US" sz="1400" dirty="0">
-                        <a:latin typeface="+mn-ea"/>
-                        <a:ea typeface="+mn-ea"/>
-                      </a:endParaRPr>
-                    </a:p>
-                  </a:txBody>
-                  <a:tcPr/>
-                </a:tc>
-                <a:extLst>
-                  <a:ext uri="{0D108BD9-81ED-4DB2-BD59-A6C34878D82A}">
-                    <a16:rowId xmlns:a16="http://schemas.microsoft.com/office/drawing/2014/main" val="10003"/>
-                  </a:ext>
-                </a:extLst>
-              </a:tr>
-            </a:tbl>
-          </a:graphicData>
-        </a:graphic>
-      </p:graphicFrame>
-      <p:graphicFrame>
-        <p:nvGraphicFramePr>
-          <p:cNvPr id="27" name="표 26"/>
-          <p:cNvGraphicFramePr>
-            <a:graphicFrameLocks noGrp="1"/>
-          </p:cNvGraphicFramePr>
-          <p:nvPr>
-            <p:extLst>
-              <p:ext uri="{D42A27DB-BD31-4B8C-83A1-F6EECF244321}">
-                <p14:modId xmlns:p14="http://schemas.microsoft.com/office/powerpoint/2010/main" val="4093412022"/>
-              </p:ext>
-            </p:extLst>
-          </p:nvPr>
-        </p:nvGraphicFramePr>
-        <p:xfrm>
-          <a:off x="107504" y="156239"/>
-          <a:ext cx="8928992" cy="1112520"/>
-        </p:xfrm>
-        <a:graphic>
-          <a:graphicData uri="http://schemas.openxmlformats.org/drawingml/2006/table">
-            <a:tbl>
-              <a:tblPr firstRow="1" bandRow="1">
-                <a:tableStyleId>{5940675A-B579-460E-94D1-54222C63F5DA}</a:tableStyleId>
-              </a:tblPr>
-              <a:tblGrid>
-                <a:gridCol w="1152128">
-                  <a:extLst>
-                    <a:ext uri="{9D8B030D-6E8A-4147-A177-3AD203B41FA5}">
-                      <a16:colId xmlns:a16="http://schemas.microsoft.com/office/drawing/2014/main" val="20000"/>
-                    </a:ext>
-                  </a:extLst>
-                </a:gridCol>
-                <a:gridCol w="3312368">
-                  <a:extLst>
-                    <a:ext uri="{9D8B030D-6E8A-4147-A177-3AD203B41FA5}">
-                      <a16:colId xmlns:a16="http://schemas.microsoft.com/office/drawing/2014/main" val="20001"/>
-                    </a:ext>
-                  </a:extLst>
-                </a:gridCol>
-                <a:gridCol w="1152128">
-                  <a:extLst>
-                    <a:ext uri="{9D8B030D-6E8A-4147-A177-3AD203B41FA5}">
-                      <a16:colId xmlns:a16="http://schemas.microsoft.com/office/drawing/2014/main" val="20002"/>
-                    </a:ext>
-                  </a:extLst>
-                </a:gridCol>
-                <a:gridCol w="3312368">
-                  <a:extLst>
-                    <a:ext uri="{9D8B030D-6E8A-4147-A177-3AD203B41FA5}">
-                      <a16:colId xmlns:a16="http://schemas.microsoft.com/office/drawing/2014/main" val="20003"/>
-                    </a:ext>
-                  </a:extLst>
-                </a:gridCol>
-              </a:tblGrid>
-              <a:tr h="370840">
-                <a:tc>
-                  <a:txBody>
-                    <a:bodyPr/>
-                    <a:lstStyle/>
-                    <a:p>
-                      <a:pPr algn="ctr" latinLnBrk="1"/>
-                      <a:r>
-                        <a:rPr lang="ko-KR" altLang="en-US" sz="1400" dirty="0"/>
-                        <a:t>기 능 명</a:t>
-                      </a:r>
-                    </a:p>
-                  </a:txBody>
-                  <a:tcPr/>
-                </a:tc>
-                <a:tc>
-                  <a:txBody>
-                    <a:bodyPr/>
-                    <a:lstStyle/>
-                    <a:p>
-                      <a:pPr algn="ctr" latinLnBrk="1"/>
-                      <a:r>
-                        <a:rPr lang="ko-KR" altLang="en-US" sz="1400" dirty="0" err="1" smtClean="0"/>
-                        <a:t>마이페이지</a:t>
-                      </a:r>
-                      <a:r>
-                        <a:rPr lang="ko-KR" altLang="en-US" sz="1400" dirty="0" smtClean="0"/>
-                        <a:t> 수정</a:t>
-                      </a:r>
-                      <a:endParaRPr lang="ko-KR" altLang="en-US" sz="1400" dirty="0"/>
-                    </a:p>
-                  </a:txBody>
-                  <a:tcPr/>
-                </a:tc>
-                <a:tc>
-                  <a:txBody>
-                    <a:bodyPr/>
-                    <a:lstStyle/>
-                    <a:p>
-                      <a:pPr algn="ctr" latinLnBrk="1"/>
-                      <a:r>
-                        <a:rPr lang="ko-KR" altLang="en-US" sz="1400" dirty="0"/>
-                        <a:t>담당자</a:t>
-                      </a:r>
-                    </a:p>
-                  </a:txBody>
-                  <a:tcPr/>
-                </a:tc>
-                <a:tc>
-                  <a:txBody>
-                    <a:bodyPr/>
-                    <a:lstStyle/>
-                    <a:p>
-                      <a:pPr algn="ctr" latinLnBrk="1"/>
-                      <a:endParaRPr lang="ko-KR" altLang="en-US" sz="1400" dirty="0"/>
-                    </a:p>
-                  </a:txBody>
-                  <a:tcPr/>
-                </a:tc>
-                <a:extLst>
-                  <a:ext uri="{0D108BD9-81ED-4DB2-BD59-A6C34878D82A}">
-                    <a16:rowId xmlns:a16="http://schemas.microsoft.com/office/drawing/2014/main" val="10000"/>
-                  </a:ext>
-                </a:extLst>
-              </a:tr>
-              <a:tr h="370840">
-                <a:tc>
-                  <a:txBody>
-                    <a:bodyPr/>
-                    <a:lstStyle/>
-                    <a:p>
-                      <a:pPr algn="ctr" latinLnBrk="1"/>
-                      <a:r>
-                        <a:rPr lang="ko-KR" altLang="en-US" sz="1400" dirty="0"/>
-                        <a:t>작성일자</a:t>
-                      </a:r>
-                    </a:p>
-                  </a:txBody>
-                  <a:tcPr/>
-                </a:tc>
-                <a:tc>
-                  <a:txBody>
-                    <a:bodyPr/>
-                    <a:lstStyle/>
-                    <a:p>
-                      <a:pPr marL="0" marR="0" indent="0" algn="ctr" defTabSz="914400" rtl="0" eaLnBrk="1" fontAlgn="auto" latinLnBrk="1" hangingPunct="1">
-                        <a:lnSpc>
-                          <a:spcPct val="100000"/>
-                        </a:lnSpc>
-                        <a:spcBef>
-                          <a:spcPts val="0"/>
-                        </a:spcBef>
-                        <a:spcAft>
-                          <a:spcPts val="0"/>
-                        </a:spcAft>
-                        <a:buClrTx/>
-                        <a:buSzTx/>
-                        <a:buFontTx/>
-                        <a:buNone/>
-                        <a:tabLst/>
-                        <a:defRPr/>
-                      </a:pPr>
-                      <a:r>
-                        <a:rPr lang="en-US" altLang="ko-KR" sz="1400" dirty="0" smtClean="0"/>
-                        <a:t>2021/05/04</a:t>
-                      </a:r>
-                      <a:endParaRPr lang="ko-KR" altLang="en-US" sz="1400" dirty="0" smtClean="0"/>
-                    </a:p>
-                  </a:txBody>
-                  <a:tcPr/>
-                </a:tc>
-                <a:tc>
-                  <a:txBody>
-                    <a:bodyPr/>
-                    <a:lstStyle/>
-                    <a:p>
-                      <a:pPr algn="ctr" latinLnBrk="1"/>
-                      <a:r>
-                        <a:rPr lang="en-US" altLang="ko-KR" sz="1400" dirty="0" smtClean="0"/>
-                        <a:t> Request</a:t>
-                      </a:r>
-                      <a:endParaRPr lang="ko-KR" altLang="en-US" sz="1400" dirty="0"/>
-                    </a:p>
-                  </a:txBody>
-                  <a:tcPr/>
-                </a:tc>
-                <a:tc>
-                  <a:txBody>
-                    <a:bodyPr/>
-                    <a:lstStyle/>
-                    <a:p>
-                      <a:pPr algn="ctr" latinLnBrk="1"/>
-                      <a:endParaRPr lang="ko-KR" altLang="en-US" sz="1400" dirty="0"/>
-                    </a:p>
-                  </a:txBody>
-                  <a:tcPr/>
-                </a:tc>
-                <a:extLst>
-                  <a:ext uri="{0D108BD9-81ED-4DB2-BD59-A6C34878D82A}">
-                    <a16:rowId xmlns:a16="http://schemas.microsoft.com/office/drawing/2014/main" val="10001"/>
-                  </a:ext>
-                </a:extLst>
-              </a:tr>
-              <a:tr h="370840">
-                <a:tc>
-                  <a:txBody>
-                    <a:bodyPr/>
-                    <a:lstStyle/>
-                    <a:p>
-                      <a:pPr algn="ctr" latinLnBrk="1"/>
-                      <a:r>
-                        <a:rPr lang="en-US" altLang="ko-KR" sz="1400" dirty="0"/>
-                        <a:t>Controller</a:t>
-                      </a:r>
-                      <a:endParaRPr lang="ko-KR" altLang="en-US" sz="1400" dirty="0"/>
-                    </a:p>
-                  </a:txBody>
-                  <a:tcPr/>
-                </a:tc>
-                <a:tc>
-                  <a:txBody>
-                    <a:bodyPr/>
-                    <a:lstStyle/>
-                    <a:p>
-                      <a:pPr algn="ctr" latinLnBrk="1"/>
-                      <a:endParaRPr lang="ko-KR" altLang="en-US" sz="1400" dirty="0"/>
-                    </a:p>
-                  </a:txBody>
-                  <a:tcPr/>
-                </a:tc>
-                <a:tc>
-                  <a:txBody>
-                    <a:bodyPr/>
-                    <a:lstStyle/>
-                    <a:p>
-                      <a:pPr algn="ctr" latinLnBrk="1"/>
-                      <a:r>
-                        <a:rPr lang="en-US" altLang="ko-KR" sz="1400" dirty="0"/>
-                        <a:t>View</a:t>
-                      </a:r>
-                      <a:endParaRPr lang="ko-KR" altLang="en-US" sz="1400" dirty="0"/>
-                    </a:p>
-                  </a:txBody>
-                  <a:tcPr/>
-                </a:tc>
-                <a:tc>
-                  <a:txBody>
-                    <a:bodyPr/>
-                    <a:lstStyle/>
-                    <a:p>
-                      <a:pPr algn="ctr" latinLnBrk="1"/>
-                      <a:endParaRPr lang="ko-KR" altLang="en-US" sz="1400" dirty="0"/>
-                    </a:p>
-                  </a:txBody>
-                  <a:tcPr/>
-                </a:tc>
-                <a:extLst>
-                  <a:ext uri="{0D108BD9-81ED-4DB2-BD59-A6C34878D82A}">
-                    <a16:rowId xmlns:a16="http://schemas.microsoft.com/office/drawing/2014/main" val="10002"/>
-                  </a:ext>
-                </a:extLst>
-              </a:tr>
-            </a:tbl>
-          </a:graphicData>
-        </a:graphic>
-      </p:graphicFrame>
-      <p:pic>
-        <p:nvPicPr>
-          <p:cNvPr id="2" name="그림 1"/>
-          <p:cNvPicPr>
-            <a:picLocks noChangeAspect="1"/>
-          </p:cNvPicPr>
-          <p:nvPr/>
-        </p:nvPicPr>
-        <p:blipFill>
-          <a:blip r:embed="rId2"/>
-          <a:stretch>
-            <a:fillRect/>
-          </a:stretch>
-        </p:blipFill>
-        <p:spPr>
-          <a:xfrm>
-            <a:off x="179512" y="1484784"/>
-            <a:ext cx="5056277" cy="4032448"/>
-          </a:xfrm>
-          <a:prstGeom prst="rect">
-            <a:avLst/>
-          </a:prstGeom>
-        </p:spPr>
-      </p:pic>
-      <p:sp>
-        <p:nvSpPr>
-          <p:cNvPr id="5" name="타원 4"/>
-          <p:cNvSpPr/>
-          <p:nvPr/>
-        </p:nvSpPr>
-        <p:spPr>
-          <a:xfrm>
-            <a:off x="4716016" y="3140968"/>
-            <a:ext cx="288032" cy="288032"/>
-          </a:xfrm>
-          <a:prstGeom prst="ellipse">
-            <a:avLst/>
-          </a:prstGeom>
-          <a:noFill/>
-          <a:ln>
-            <a:solidFill>
-              <a:srgbClr val="FF0000"/>
-            </a:solidFill>
-          </a:ln>
-        </p:spPr>
-        <p:style>
-          <a:lnRef idx="2">
-            <a:schemeClr val="accent1">
-              <a:shade val="50000"/>
-            </a:schemeClr>
-          </a:lnRef>
-          <a:fillRef idx="1">
-            <a:schemeClr val="accent1"/>
-          </a:fillRef>
-          <a:effectRef idx="0">
-            <a:schemeClr val="accent1"/>
-          </a:effectRef>
-          <a:fontRef idx="minor">
-            <a:schemeClr val="lt1"/>
-          </a:fontRef>
-        </p:style>
-        <p:txBody>
-          <a:bodyPr rtlCol="0" anchor="ctr"/>
-          <a:lstStyle/>
-          <a:p>
-            <a:pPr algn="ctr"/>
-            <a:r>
-              <a:rPr lang="en-US" altLang="ko-KR" sz="1200" dirty="0" smtClean="0">
-                <a:solidFill>
-                  <a:srgbClr val="FF0000"/>
-                </a:solidFill>
-              </a:rPr>
-              <a:t>1</a:t>
-            </a:r>
-            <a:endParaRPr lang="ko-KR" altLang="en-US" sz="1200" dirty="0">
-              <a:solidFill>
-                <a:srgbClr val="FF0000"/>
-              </a:solidFill>
-            </a:endParaRPr>
-          </a:p>
-        </p:txBody>
-      </p:sp>
-    </p:spTree>
-    <p:extLst>
-      <p:ext uri="{BB962C8B-B14F-4D97-AF65-F5344CB8AC3E}">
-        <p14:creationId xmlns:p14="http://schemas.microsoft.com/office/powerpoint/2010/main" val="1242900279"/>
       </p:ext>
     </p:extLst>
   </p:cSld>
